--- a/Lectures/Unit07_Sync.pptx
+++ b/Lectures/Unit07_Sync.pptx
@@ -5,7 +5,7 @@
     <p:sldMasterId id="2147483648" r:id="rId1"/>
   </p:sldMasterIdLst>
   <p:notesMasterIdLst>
-    <p:notesMasterId r:id="rId46"/>
+    <p:notesMasterId r:id="rId48"/>
   </p:notesMasterIdLst>
   <p:sldIdLst>
     <p:sldId id="258" r:id="rId2"/>
@@ -29,29 +29,31 @@
     <p:sldId id="2779" r:id="rId20"/>
     <p:sldId id="2780" r:id="rId21"/>
     <p:sldId id="283" r:id="rId22"/>
-    <p:sldId id="2799" r:id="rId23"/>
-    <p:sldId id="2782" r:id="rId24"/>
-    <p:sldId id="2783" r:id="rId25"/>
-    <p:sldId id="2784" r:id="rId26"/>
-    <p:sldId id="2785" r:id="rId27"/>
-    <p:sldId id="2786" r:id="rId28"/>
-    <p:sldId id="2787" r:id="rId29"/>
-    <p:sldId id="2762" r:id="rId30"/>
-    <p:sldId id="2773" r:id="rId31"/>
-    <p:sldId id="2788" r:id="rId32"/>
-    <p:sldId id="2800" r:id="rId33"/>
-    <p:sldId id="2790" r:id="rId34"/>
-    <p:sldId id="2794" r:id="rId35"/>
-    <p:sldId id="2791" r:id="rId36"/>
-    <p:sldId id="2792" r:id="rId37"/>
-    <p:sldId id="2793" r:id="rId38"/>
-    <p:sldId id="2771" r:id="rId39"/>
-    <p:sldId id="2796" r:id="rId40"/>
-    <p:sldId id="2768" r:id="rId41"/>
-    <p:sldId id="2769" r:id="rId42"/>
-    <p:sldId id="2801" r:id="rId43"/>
-    <p:sldId id="2759" r:id="rId44"/>
-    <p:sldId id="2765" r:id="rId45"/>
+    <p:sldId id="2802" r:id="rId23"/>
+    <p:sldId id="2799" r:id="rId24"/>
+    <p:sldId id="2782" r:id="rId25"/>
+    <p:sldId id="2783" r:id="rId26"/>
+    <p:sldId id="2784" r:id="rId27"/>
+    <p:sldId id="2785" r:id="rId28"/>
+    <p:sldId id="2786" r:id="rId29"/>
+    <p:sldId id="2787" r:id="rId30"/>
+    <p:sldId id="2762" r:id="rId31"/>
+    <p:sldId id="2773" r:id="rId32"/>
+    <p:sldId id="2788" r:id="rId33"/>
+    <p:sldId id="2803" r:id="rId34"/>
+    <p:sldId id="2800" r:id="rId35"/>
+    <p:sldId id="2790" r:id="rId36"/>
+    <p:sldId id="2794" r:id="rId37"/>
+    <p:sldId id="2791" r:id="rId38"/>
+    <p:sldId id="2792" r:id="rId39"/>
+    <p:sldId id="2793" r:id="rId40"/>
+    <p:sldId id="2771" r:id="rId41"/>
+    <p:sldId id="2796" r:id="rId42"/>
+    <p:sldId id="2768" r:id="rId43"/>
+    <p:sldId id="2769" r:id="rId44"/>
+    <p:sldId id="2801" r:id="rId45"/>
+    <p:sldId id="2759" r:id="rId46"/>
+    <p:sldId id="2765" r:id="rId47"/>
   </p:sldIdLst>
   <p:sldSz cx="12192000" cy="6858000"/>
   <p:notesSz cx="7315200" cy="9601200"/>
@@ -251,7 +253,7 @@
           <a:p>
             <a:fld id="{B7D6DDD3-D7E9-488B-B626-1E8285E424D8}" type="datetimeFigureOut">
               <a:rPr lang="en-US" smtClean="0"/>
-              <a:t>4/15/2019</a:t>
+              <a:t>11/1/2022</a:t>
             </a:fld>
             <a:endParaRPr lang="en-US"/>
           </a:p>
@@ -12932,6 +12934,153 @@
       </p:grpSpPr>
       <p:sp>
         <p:nvSpPr>
+          <p:cNvPr id="2" name="Title 1">
+            <a:extLst>
+              <a:ext uri="{FF2B5EF4-FFF2-40B4-BE49-F238E27FC236}">
+                <a16:creationId xmlns:a16="http://schemas.microsoft.com/office/drawing/2014/main" id="{41134FB5-8F93-8912-31A8-0EF0E4FADB44}"/>
+              </a:ext>
+            </a:extLst>
+          </p:cNvPr>
+          <p:cNvSpPr>
+            <a:spLocks noGrp="1"/>
+          </p:cNvSpPr>
+          <p:nvPr>
+            <p:ph type="title"/>
+          </p:nvPr>
+        </p:nvSpPr>
+        <p:spPr/>
+        <p:txBody>
+          <a:bodyPr/>
+          <a:lstStyle/>
+          <a:p>
+            <a:r>
+              <a:rPr lang="en-US" dirty="0"/>
+              <a:t>In Class Exercise</a:t>
+            </a:r>
+          </a:p>
+        </p:txBody>
+      </p:sp>
+      <p:sp>
+        <p:nvSpPr>
+          <p:cNvPr id="4" name="Slide Number Placeholder 3">
+            <a:extLst>
+              <a:ext uri="{FF2B5EF4-FFF2-40B4-BE49-F238E27FC236}">
+                <a16:creationId xmlns:a16="http://schemas.microsoft.com/office/drawing/2014/main" id="{6E3D5E90-D918-9EB6-708C-058F60D42535}"/>
+              </a:ext>
+            </a:extLst>
+          </p:cNvPr>
+          <p:cNvSpPr>
+            <a:spLocks noGrp="1"/>
+          </p:cNvSpPr>
+          <p:nvPr>
+            <p:ph type="sldNum" sz="quarter" idx="12"/>
+          </p:nvPr>
+        </p:nvSpPr>
+        <p:spPr/>
+        <p:txBody>
+          <a:bodyPr/>
+          <a:lstStyle/>
+          <a:p>
+            <a:fld id="{629637A9-119A-49DA-BD12-AAC58B377D80}" type="slidenum">
+              <a:rPr lang="en-US" smtClean="0"/>
+              <a:t>22</a:t>
+            </a:fld>
+            <a:endParaRPr lang="en-US" dirty="0"/>
+          </a:p>
+        </p:txBody>
+      </p:sp>
+      <p:pic>
+        <p:nvPicPr>
+          <p:cNvPr id="6" name="Picture 5">
+            <a:extLst>
+              <a:ext uri="{FF2B5EF4-FFF2-40B4-BE49-F238E27FC236}">
+                <a16:creationId xmlns:a16="http://schemas.microsoft.com/office/drawing/2014/main" id="{9F0676DA-D5AB-32F7-DE3E-8389E6389609}"/>
+              </a:ext>
+            </a:extLst>
+          </p:cNvPr>
+          <p:cNvPicPr>
+            <a:picLocks noChangeAspect="1"/>
+          </p:cNvPicPr>
+          <p:nvPr/>
+        </p:nvPicPr>
+        <p:blipFill>
+          <a:blip r:embed="rId2"/>
+          <a:stretch>
+            <a:fillRect/>
+          </a:stretch>
+        </p:blipFill>
+        <p:spPr>
+          <a:xfrm>
+            <a:off x="1097280" y="1591627"/>
+            <a:ext cx="5086350" cy="2943225"/>
+          </a:xfrm>
+          <a:prstGeom prst="rect">
+            <a:avLst/>
+          </a:prstGeom>
+        </p:spPr>
+      </p:pic>
+      <p:pic>
+        <p:nvPicPr>
+          <p:cNvPr id="8" name="Picture 7">
+            <a:extLst>
+              <a:ext uri="{FF2B5EF4-FFF2-40B4-BE49-F238E27FC236}">
+                <a16:creationId xmlns:a16="http://schemas.microsoft.com/office/drawing/2014/main" id="{E39D618C-6BC1-A6A3-A9C5-3EC606C3A1B7}"/>
+              </a:ext>
+            </a:extLst>
+          </p:cNvPr>
+          <p:cNvPicPr>
+            <a:picLocks noChangeAspect="1"/>
+          </p:cNvPicPr>
+          <p:nvPr/>
+        </p:nvPicPr>
+        <p:blipFill>
+          <a:blip r:embed="rId3"/>
+          <a:stretch>
+            <a:fillRect/>
+          </a:stretch>
+        </p:blipFill>
+        <p:spPr>
+          <a:xfrm>
+            <a:off x="6640830" y="1591627"/>
+            <a:ext cx="4514850" cy="3619500"/>
+          </a:xfrm>
+          <a:prstGeom prst="rect">
+            <a:avLst/>
+          </a:prstGeom>
+        </p:spPr>
+      </p:pic>
+    </p:spTree>
+    <p:extLst>
+      <p:ext uri="{BB962C8B-B14F-4D97-AF65-F5344CB8AC3E}">
+        <p14:creationId xmlns:p14="http://schemas.microsoft.com/office/powerpoint/2010/main" val="2945925076"/>
+      </p:ext>
+    </p:extLst>
+  </p:cSld>
+  <p:clrMapOvr>
+    <a:masterClrMapping/>
+  </p:clrMapOvr>
+</p:sld>
+</file>
+
+<file path=ppt/slides/slide23.xml><?xml version="1.0" encoding="utf-8"?>
+<p:sld xmlns:a="http://schemas.openxmlformats.org/drawingml/2006/main" xmlns:r="http://schemas.openxmlformats.org/officeDocument/2006/relationships" xmlns:p="http://schemas.openxmlformats.org/presentationml/2006/main">
+  <p:cSld>
+    <p:spTree>
+      <p:nvGrpSpPr>
+        <p:cNvPr id="1" name=""/>
+        <p:cNvGrpSpPr/>
+        <p:nvPr/>
+      </p:nvGrpSpPr>
+      <p:grpSpPr>
+        <a:xfrm>
+          <a:off x="0" y="0"/>
+          <a:ext cx="0" cy="0"/>
+          <a:chOff x="0" y="0"/>
+          <a:chExt cx="0" cy="0"/>
+        </a:xfrm>
+      </p:grpSpPr>
+      <p:sp>
+        <p:nvSpPr>
           <p:cNvPr id="2" name="Title 1"/>
           <p:cNvSpPr>
             <a:spLocks noGrp="1"/>
@@ -13018,7 +13167,7 @@
           <a:p>
             <a:fld id="{629637A9-119A-49DA-BD12-AAC58B377D80}" type="slidenum">
               <a:rPr lang="en-US" smtClean="0"/>
-              <a:t>22</a:t>
+              <a:t>23</a:t>
             </a:fld>
             <a:endParaRPr lang="en-US" dirty="0"/>
           </a:p>
@@ -13083,7 +13232,7 @@
 </p:sld>
 </file>
 
-<file path=ppt/slides/slide23.xml><?xml version="1.0" encoding="utf-8"?>
+<file path=ppt/slides/slide24.xml><?xml version="1.0" encoding="utf-8"?>
 <p:sld xmlns:a="http://schemas.openxmlformats.org/drawingml/2006/main" xmlns:r="http://schemas.openxmlformats.org/officeDocument/2006/relationships" xmlns:p="http://schemas.openxmlformats.org/presentationml/2006/main">
   <p:cSld>
     <p:spTree>
@@ -13530,7 +13679,7 @@
           <a:p>
             <a:fld id="{629637A9-119A-49DA-BD12-AAC58B377D80}" type="slidenum">
               <a:rPr lang="en-US" smtClean="0"/>
-              <a:t>23</a:t>
+              <a:t>24</a:t>
             </a:fld>
             <a:endParaRPr lang="en-US" dirty="0"/>
           </a:p>
@@ -14306,7 +14455,7 @@
 </p:sld>
 </file>
 
-<file path=ppt/slides/slide24.xml><?xml version="1.0" encoding="utf-8"?>
+<file path=ppt/slides/slide25.xml><?xml version="1.0" encoding="utf-8"?>
 <p:sld xmlns:a="http://schemas.openxmlformats.org/drawingml/2006/main" xmlns:r="http://schemas.openxmlformats.org/officeDocument/2006/relationships" xmlns:p="http://schemas.openxmlformats.org/presentationml/2006/main">
   <p:cSld>
     <p:spTree>
@@ -14899,7 +15048,7 @@
           <a:p>
             <a:fld id="{629637A9-119A-49DA-BD12-AAC58B377D80}" type="slidenum">
               <a:rPr lang="en-US" smtClean="0"/>
-              <a:t>24</a:t>
+              <a:t>25</a:t>
             </a:fld>
             <a:endParaRPr lang="en-US" dirty="0"/>
           </a:p>
@@ -15307,7 +15456,7 @@
 </p:sld>
 </file>
 
-<file path=ppt/slides/slide25.xml><?xml version="1.0" encoding="utf-8"?>
+<file path=ppt/slides/slide26.xml><?xml version="1.0" encoding="utf-8"?>
 <p:sld xmlns:a="http://schemas.openxmlformats.org/drawingml/2006/main" xmlns:r="http://schemas.openxmlformats.org/officeDocument/2006/relationships" xmlns:p="http://schemas.openxmlformats.org/presentationml/2006/main">
   <p:cSld>
     <p:spTree>
@@ -15760,7 +15909,7 @@
           <a:p>
             <a:fld id="{629637A9-119A-49DA-BD12-AAC58B377D80}" type="slidenum">
               <a:rPr lang="en-US" smtClean="0"/>
-              <a:t>25</a:t>
+              <a:t>26</a:t>
             </a:fld>
             <a:endParaRPr lang="en-US" dirty="0"/>
           </a:p>
@@ -15950,7 +16099,7 @@
 </p:sld>
 </file>
 
-<file path=ppt/slides/slide26.xml><?xml version="1.0" encoding="utf-8"?>
+<file path=ppt/slides/slide27.xml><?xml version="1.0" encoding="utf-8"?>
 <p:sld xmlns:a="http://schemas.openxmlformats.org/drawingml/2006/main" xmlns:r="http://schemas.openxmlformats.org/officeDocument/2006/relationships" xmlns:p="http://schemas.openxmlformats.org/presentationml/2006/main">
   <p:cSld>
     <p:spTree>
@@ -16550,7 +16699,7 @@
           <a:p>
             <a:fld id="{629637A9-119A-49DA-BD12-AAC58B377D80}" type="slidenum">
               <a:rPr lang="en-US" smtClean="0"/>
-              <a:t>26</a:t>
+              <a:t>27</a:t>
             </a:fld>
             <a:endParaRPr lang="en-US" dirty="0"/>
           </a:p>
@@ -17217,7 +17366,7 @@
 </p:sld>
 </file>
 
-<file path=ppt/slides/slide27.xml><?xml version="1.0" encoding="utf-8"?>
+<file path=ppt/slides/slide28.xml><?xml version="1.0" encoding="utf-8"?>
 <p:sld xmlns:a="http://schemas.openxmlformats.org/drawingml/2006/main" xmlns:r="http://schemas.openxmlformats.org/officeDocument/2006/relationships" xmlns:p="http://schemas.openxmlformats.org/presentationml/2006/main">
   <p:cSld>
     <p:spTree>
@@ -18464,7 +18613,7 @@
           <a:p>
             <a:fld id="{629637A9-119A-49DA-BD12-AAC58B377D80}" type="slidenum">
               <a:rPr lang="en-US" smtClean="0"/>
-              <a:t>27</a:t>
+              <a:t>28</a:t>
             </a:fld>
             <a:endParaRPr lang="en-US" dirty="0"/>
           </a:p>
@@ -18513,7 +18662,7 @@
 </p:sld>
 </file>
 
-<file path=ppt/slides/slide28.xml><?xml version="1.0" encoding="utf-8"?>
+<file path=ppt/slides/slide29.xml><?xml version="1.0" encoding="utf-8"?>
 <p:sld xmlns:a="http://schemas.openxmlformats.org/drawingml/2006/main" xmlns:r="http://schemas.openxmlformats.org/officeDocument/2006/relationships" xmlns:p="http://schemas.openxmlformats.org/presentationml/2006/main">
   <p:cSld>
     <p:spTree>
@@ -19408,7 +19557,7 @@
           <a:p>
             <a:fld id="{629637A9-119A-49DA-BD12-AAC58B377D80}" type="slidenum">
               <a:rPr lang="en-US" smtClean="0"/>
-              <a:t>28</a:t>
+              <a:t>29</a:t>
             </a:fld>
             <a:endParaRPr lang="en-US" dirty="0"/>
           </a:p>
@@ -19448,192 +19597,6 @@
     <p:extLst>
       <p:ext uri="{BB962C8B-B14F-4D97-AF65-F5344CB8AC3E}">
         <p14:creationId xmlns:p14="http://schemas.microsoft.com/office/powerpoint/2010/main" val="2086380170"/>
-      </p:ext>
-    </p:extLst>
-  </p:cSld>
-  <p:clrMapOvr>
-    <a:masterClrMapping/>
-  </p:clrMapOvr>
-</p:sld>
-</file>
-
-<file path=ppt/slides/slide29.xml><?xml version="1.0" encoding="utf-8"?>
-<p:sld xmlns:a="http://schemas.openxmlformats.org/drawingml/2006/main" xmlns:r="http://schemas.openxmlformats.org/officeDocument/2006/relationships" xmlns:p="http://schemas.openxmlformats.org/presentationml/2006/main">
-  <p:cSld>
-    <p:spTree>
-      <p:nvGrpSpPr>
-        <p:cNvPr id="1" name=""/>
-        <p:cNvGrpSpPr/>
-        <p:nvPr/>
-      </p:nvGrpSpPr>
-      <p:grpSpPr>
-        <a:xfrm>
-          <a:off x="0" y="0"/>
-          <a:ext cx="0" cy="0"/>
-          <a:chOff x="0" y="0"/>
-          <a:chExt cx="0" cy="0"/>
-        </a:xfrm>
-      </p:grpSpPr>
-      <p:sp>
-        <p:nvSpPr>
-          <p:cNvPr id="2" name="Title 1">
-            <a:extLst>
-              <a:ext uri="{FF2B5EF4-FFF2-40B4-BE49-F238E27FC236}">
-                <a16:creationId xmlns:a16="http://schemas.microsoft.com/office/drawing/2014/main" id="{47ECD366-5574-470C-9449-3A88809825C1}"/>
-              </a:ext>
-            </a:extLst>
-          </p:cNvPr>
-          <p:cNvSpPr>
-            <a:spLocks noGrp="1"/>
-          </p:cNvSpPr>
-          <p:nvPr>
-            <p:ph type="title"/>
-          </p:nvPr>
-        </p:nvSpPr>
-        <p:spPr/>
-        <p:txBody>
-          <a:bodyPr/>
-          <a:lstStyle/>
-          <a:p>
-            <a:r>
-              <a:rPr lang="en-US" dirty="0"/>
-              <a:t>Simulation</a:t>
-            </a:r>
-          </a:p>
-        </p:txBody>
-      </p:sp>
-      <p:sp>
-        <p:nvSpPr>
-          <p:cNvPr id="3" name="Content Placeholder 2">
-            <a:extLst>
-              <a:ext uri="{FF2B5EF4-FFF2-40B4-BE49-F238E27FC236}">
-                <a16:creationId xmlns:a16="http://schemas.microsoft.com/office/drawing/2014/main" id="{9C6B4F0E-3307-486F-8CFB-0850FB40E2EA}"/>
-              </a:ext>
-            </a:extLst>
-          </p:cNvPr>
-          <p:cNvSpPr>
-            <a:spLocks noGrp="1"/>
-          </p:cNvSpPr>
-          <p:nvPr>
-            <p:ph idx="1"/>
-          </p:nvPr>
-        </p:nvSpPr>
-        <p:spPr>
-          <a:xfrm>
-            <a:off x="5514702" y="4528800"/>
-            <a:ext cx="5843451" cy="1203382"/>
-          </a:xfrm>
-        </p:spPr>
-        <p:txBody>
-          <a:bodyPr/>
-          <a:lstStyle/>
-          <a:p>
-            <a:r>
-              <a:rPr lang="en-US" dirty="0"/>
-              <a:t>Theoretically calculated threshold based on PFA target</a:t>
-            </a:r>
-          </a:p>
-          <a:p>
-            <a:r>
-              <a:rPr lang="en-US" dirty="0"/>
-              <a:t>Simulate PMD based on SNR</a:t>
-            </a:r>
-          </a:p>
-        </p:txBody>
-      </p:sp>
-      <p:sp>
-        <p:nvSpPr>
-          <p:cNvPr id="4" name="Slide Number Placeholder 3">
-            <a:extLst>
-              <a:ext uri="{FF2B5EF4-FFF2-40B4-BE49-F238E27FC236}">
-                <a16:creationId xmlns:a16="http://schemas.microsoft.com/office/drawing/2014/main" id="{4C51DFD2-4DBC-4A8F-AC1B-4807086E7165}"/>
-              </a:ext>
-            </a:extLst>
-          </p:cNvPr>
-          <p:cNvSpPr>
-            <a:spLocks noGrp="1"/>
-          </p:cNvSpPr>
-          <p:nvPr>
-            <p:ph type="sldNum" sz="quarter" idx="12"/>
-          </p:nvPr>
-        </p:nvSpPr>
-        <p:spPr/>
-        <p:txBody>
-          <a:bodyPr/>
-          <a:lstStyle/>
-          <a:p>
-            <a:fld id="{629637A9-119A-49DA-BD12-AAC58B377D80}" type="slidenum">
-              <a:rPr lang="en-US" smtClean="0"/>
-              <a:t>29</a:t>
-            </a:fld>
-            <a:endParaRPr lang="en-US" dirty="0"/>
-          </a:p>
-        </p:txBody>
-      </p:sp>
-      <p:pic>
-        <p:nvPicPr>
-          <p:cNvPr id="5" name="Picture 4">
-            <a:extLst>
-              <a:ext uri="{FF2B5EF4-FFF2-40B4-BE49-F238E27FC236}">
-                <a16:creationId xmlns:a16="http://schemas.microsoft.com/office/drawing/2014/main" id="{DB9D7748-9718-471A-AA8A-0B42A3E18748}"/>
-              </a:ext>
-            </a:extLst>
-          </p:cNvPr>
-          <p:cNvPicPr>
-            <a:picLocks noChangeAspect="1"/>
-          </p:cNvPicPr>
-          <p:nvPr/>
-        </p:nvPicPr>
-        <p:blipFill>
-          <a:blip r:embed="rId2"/>
-          <a:stretch>
-            <a:fillRect/>
-          </a:stretch>
-        </p:blipFill>
-        <p:spPr>
-          <a:xfrm>
-            <a:off x="5289961" y="1484613"/>
-            <a:ext cx="4301354" cy="2677381"/>
-          </a:xfrm>
-          <a:prstGeom prst="rect">
-            <a:avLst/>
-          </a:prstGeom>
-        </p:spPr>
-      </p:pic>
-      <p:pic>
-        <p:nvPicPr>
-          <p:cNvPr id="6" name="Picture 5">
-            <a:extLst>
-              <a:ext uri="{FF2B5EF4-FFF2-40B4-BE49-F238E27FC236}">
-                <a16:creationId xmlns:a16="http://schemas.microsoft.com/office/drawing/2014/main" id="{163C446F-3AAB-4007-894F-D0C15F0E77CF}"/>
-              </a:ext>
-            </a:extLst>
-          </p:cNvPr>
-          <p:cNvPicPr>
-            <a:picLocks noChangeAspect="1"/>
-          </p:cNvPicPr>
-          <p:nvPr/>
-        </p:nvPicPr>
-        <p:blipFill>
-          <a:blip r:embed="rId3"/>
-          <a:stretch>
-            <a:fillRect/>
-          </a:stretch>
-        </p:blipFill>
-        <p:spPr>
-          <a:xfrm>
-            <a:off x="1040425" y="1713237"/>
-            <a:ext cx="3710939" cy="3646712"/>
-          </a:xfrm>
-          <a:prstGeom prst="rect">
-            <a:avLst/>
-          </a:prstGeom>
-        </p:spPr>
-      </p:pic>
-    </p:spTree>
-    <p:extLst>
-      <p:ext uri="{BB962C8B-B14F-4D97-AF65-F5344CB8AC3E}">
-        <p14:creationId xmlns:p14="http://schemas.microsoft.com/office/powerpoint/2010/main" val="1579045542"/>
       </p:ext>
     </p:extLst>
   </p:cSld>
@@ -21777,6 +21740,192 @@
           <p:cNvPr id="2" name="Title 1">
             <a:extLst>
               <a:ext uri="{FF2B5EF4-FFF2-40B4-BE49-F238E27FC236}">
+                <a16:creationId xmlns:a16="http://schemas.microsoft.com/office/drawing/2014/main" id="{47ECD366-5574-470C-9449-3A88809825C1}"/>
+              </a:ext>
+            </a:extLst>
+          </p:cNvPr>
+          <p:cNvSpPr>
+            <a:spLocks noGrp="1"/>
+          </p:cNvSpPr>
+          <p:nvPr>
+            <p:ph type="title"/>
+          </p:nvPr>
+        </p:nvSpPr>
+        <p:spPr/>
+        <p:txBody>
+          <a:bodyPr/>
+          <a:lstStyle/>
+          <a:p>
+            <a:r>
+              <a:rPr lang="en-US" dirty="0"/>
+              <a:t>Simulation</a:t>
+            </a:r>
+          </a:p>
+        </p:txBody>
+      </p:sp>
+      <p:sp>
+        <p:nvSpPr>
+          <p:cNvPr id="3" name="Content Placeholder 2">
+            <a:extLst>
+              <a:ext uri="{FF2B5EF4-FFF2-40B4-BE49-F238E27FC236}">
+                <a16:creationId xmlns:a16="http://schemas.microsoft.com/office/drawing/2014/main" id="{9C6B4F0E-3307-486F-8CFB-0850FB40E2EA}"/>
+              </a:ext>
+            </a:extLst>
+          </p:cNvPr>
+          <p:cNvSpPr>
+            <a:spLocks noGrp="1"/>
+          </p:cNvSpPr>
+          <p:nvPr>
+            <p:ph idx="1"/>
+          </p:nvPr>
+        </p:nvSpPr>
+        <p:spPr>
+          <a:xfrm>
+            <a:off x="5514702" y="4528800"/>
+            <a:ext cx="5843451" cy="1203382"/>
+          </a:xfrm>
+        </p:spPr>
+        <p:txBody>
+          <a:bodyPr/>
+          <a:lstStyle/>
+          <a:p>
+            <a:r>
+              <a:rPr lang="en-US" dirty="0"/>
+              <a:t>Theoretically calculated threshold based on PFA target</a:t>
+            </a:r>
+          </a:p>
+          <a:p>
+            <a:r>
+              <a:rPr lang="en-US" dirty="0"/>
+              <a:t>Simulate PMD based on SNR</a:t>
+            </a:r>
+          </a:p>
+        </p:txBody>
+      </p:sp>
+      <p:sp>
+        <p:nvSpPr>
+          <p:cNvPr id="4" name="Slide Number Placeholder 3">
+            <a:extLst>
+              <a:ext uri="{FF2B5EF4-FFF2-40B4-BE49-F238E27FC236}">
+                <a16:creationId xmlns:a16="http://schemas.microsoft.com/office/drawing/2014/main" id="{4C51DFD2-4DBC-4A8F-AC1B-4807086E7165}"/>
+              </a:ext>
+            </a:extLst>
+          </p:cNvPr>
+          <p:cNvSpPr>
+            <a:spLocks noGrp="1"/>
+          </p:cNvSpPr>
+          <p:nvPr>
+            <p:ph type="sldNum" sz="quarter" idx="12"/>
+          </p:nvPr>
+        </p:nvSpPr>
+        <p:spPr/>
+        <p:txBody>
+          <a:bodyPr/>
+          <a:lstStyle/>
+          <a:p>
+            <a:fld id="{629637A9-119A-49DA-BD12-AAC58B377D80}" type="slidenum">
+              <a:rPr lang="en-US" smtClean="0"/>
+              <a:t>30</a:t>
+            </a:fld>
+            <a:endParaRPr lang="en-US" dirty="0"/>
+          </a:p>
+        </p:txBody>
+      </p:sp>
+      <p:pic>
+        <p:nvPicPr>
+          <p:cNvPr id="5" name="Picture 4">
+            <a:extLst>
+              <a:ext uri="{FF2B5EF4-FFF2-40B4-BE49-F238E27FC236}">
+                <a16:creationId xmlns:a16="http://schemas.microsoft.com/office/drawing/2014/main" id="{DB9D7748-9718-471A-AA8A-0B42A3E18748}"/>
+              </a:ext>
+            </a:extLst>
+          </p:cNvPr>
+          <p:cNvPicPr>
+            <a:picLocks noChangeAspect="1"/>
+          </p:cNvPicPr>
+          <p:nvPr/>
+        </p:nvPicPr>
+        <p:blipFill>
+          <a:blip r:embed="rId2"/>
+          <a:stretch>
+            <a:fillRect/>
+          </a:stretch>
+        </p:blipFill>
+        <p:spPr>
+          <a:xfrm>
+            <a:off x="5289961" y="1484613"/>
+            <a:ext cx="4301354" cy="2677381"/>
+          </a:xfrm>
+          <a:prstGeom prst="rect">
+            <a:avLst/>
+          </a:prstGeom>
+        </p:spPr>
+      </p:pic>
+      <p:pic>
+        <p:nvPicPr>
+          <p:cNvPr id="6" name="Picture 5">
+            <a:extLst>
+              <a:ext uri="{FF2B5EF4-FFF2-40B4-BE49-F238E27FC236}">
+                <a16:creationId xmlns:a16="http://schemas.microsoft.com/office/drawing/2014/main" id="{163C446F-3AAB-4007-894F-D0C15F0E77CF}"/>
+              </a:ext>
+            </a:extLst>
+          </p:cNvPr>
+          <p:cNvPicPr>
+            <a:picLocks noChangeAspect="1"/>
+          </p:cNvPicPr>
+          <p:nvPr/>
+        </p:nvPicPr>
+        <p:blipFill>
+          <a:blip r:embed="rId3"/>
+          <a:stretch>
+            <a:fillRect/>
+          </a:stretch>
+        </p:blipFill>
+        <p:spPr>
+          <a:xfrm>
+            <a:off x="1040425" y="1713237"/>
+            <a:ext cx="3710939" cy="3646712"/>
+          </a:xfrm>
+          <a:prstGeom prst="rect">
+            <a:avLst/>
+          </a:prstGeom>
+        </p:spPr>
+      </p:pic>
+    </p:spTree>
+    <p:extLst>
+      <p:ext uri="{BB962C8B-B14F-4D97-AF65-F5344CB8AC3E}">
+        <p14:creationId xmlns:p14="http://schemas.microsoft.com/office/powerpoint/2010/main" val="1579045542"/>
+      </p:ext>
+    </p:extLst>
+  </p:cSld>
+  <p:clrMapOvr>
+    <a:masterClrMapping/>
+  </p:clrMapOvr>
+</p:sld>
+</file>
+
+<file path=ppt/slides/slide31.xml><?xml version="1.0" encoding="utf-8"?>
+<p:sld xmlns:a="http://schemas.openxmlformats.org/drawingml/2006/main" xmlns:r="http://schemas.openxmlformats.org/officeDocument/2006/relationships" xmlns:p="http://schemas.openxmlformats.org/presentationml/2006/main">
+  <p:cSld>
+    <p:spTree>
+      <p:nvGrpSpPr>
+        <p:cNvPr id="1" name=""/>
+        <p:cNvGrpSpPr/>
+        <p:nvPr/>
+      </p:nvGrpSpPr>
+      <p:grpSpPr>
+        <a:xfrm>
+          <a:off x="0" y="0"/>
+          <a:ext cx="0" cy="0"/>
+          <a:chOff x="0" y="0"/>
+          <a:chExt cx="0" cy="0"/>
+        </a:xfrm>
+      </p:grpSpPr>
+      <p:sp>
+        <p:nvSpPr>
+          <p:cNvPr id="2" name="Title 1">
+            <a:extLst>
+              <a:ext uri="{FF2B5EF4-FFF2-40B4-BE49-F238E27FC236}">
                 <a16:creationId xmlns:a16="http://schemas.microsoft.com/office/drawing/2014/main" id="{0E6DC8D0-3B1E-409B-995C-4BB7D2ABDC37}"/>
               </a:ext>
             </a:extLst>
@@ -22561,2148 +22710,6 @@
                 <a:blip r:embed="rId6"/>
                 <a:stretch>
                   <a:fillRect l="-2600" t="-1268"/>
-                </a:stretch>
-              </a:blipFill>
-            </p:spPr>
-            <p:txBody>
-              <a:bodyPr/>
-              <a:lstStyle/>
-              <a:p>
-                <a:r>
-                  <a:rPr lang="en-US">
-                    <a:noFill/>
-                  </a:rPr>
-                  <a:t> </a:t>
-                </a:r>
-              </a:p>
-            </p:txBody>
-          </p:sp>
-        </mc:Fallback>
-      </mc:AlternateContent>
-      <p:sp>
-        <p:nvSpPr>
-          <p:cNvPr id="4" name="Slide Number Placeholder 3">
-            <a:extLst>
-              <a:ext uri="{FF2B5EF4-FFF2-40B4-BE49-F238E27FC236}">
-                <a16:creationId xmlns:a16="http://schemas.microsoft.com/office/drawing/2014/main" id="{FD15E77F-B854-4036-9EBA-409BEBE8B45A}"/>
-              </a:ext>
-            </a:extLst>
-          </p:cNvPr>
-          <p:cNvSpPr>
-            <a:spLocks noGrp="1"/>
-          </p:cNvSpPr>
-          <p:nvPr>
-            <p:ph type="sldNum" sz="quarter" idx="12"/>
-          </p:nvPr>
-        </p:nvSpPr>
-        <p:spPr/>
-        <p:txBody>
-          <a:bodyPr/>
-          <a:lstStyle/>
-          <a:p>
-            <a:fld id="{629637A9-119A-49DA-BD12-AAC58B377D80}" type="slidenum">
-              <a:rPr lang="en-US" smtClean="0"/>
-              <a:t>30</a:t>
-            </a:fld>
-            <a:endParaRPr lang="en-US" dirty="0"/>
-          </a:p>
-        </p:txBody>
-      </p:sp>
-      <p:cxnSp>
-        <p:nvCxnSpPr>
-          <p:cNvPr id="5" name="Straight Connector 4">
-            <a:extLst>
-              <a:ext uri="{FF2B5EF4-FFF2-40B4-BE49-F238E27FC236}">
-                <a16:creationId xmlns:a16="http://schemas.microsoft.com/office/drawing/2014/main" id="{0A1A5681-998A-44AC-A6D8-5509676722CD}"/>
-              </a:ext>
-            </a:extLst>
-          </p:cNvPr>
-          <p:cNvCxnSpPr/>
-          <p:nvPr/>
-        </p:nvCxnSpPr>
-        <p:spPr>
-          <a:xfrm flipV="1">
-            <a:off x="8583829" y="1743429"/>
-            <a:ext cx="0" cy="3272971"/>
-          </a:xfrm>
-          <a:prstGeom prst="line">
-            <a:avLst/>
-          </a:prstGeom>
-        </p:spPr>
-        <p:style>
-          <a:lnRef idx="1">
-            <a:schemeClr val="accent1"/>
-          </a:lnRef>
-          <a:fillRef idx="0">
-            <a:schemeClr val="accent1"/>
-          </a:fillRef>
-          <a:effectRef idx="0">
-            <a:schemeClr val="accent1"/>
-          </a:effectRef>
-          <a:fontRef idx="minor">
-            <a:schemeClr val="tx1"/>
-          </a:fontRef>
-        </p:style>
-      </p:cxnSp>
-      <p:cxnSp>
-        <p:nvCxnSpPr>
-          <p:cNvPr id="6" name="Straight Connector 5">
-            <a:extLst>
-              <a:ext uri="{FF2B5EF4-FFF2-40B4-BE49-F238E27FC236}">
-                <a16:creationId xmlns:a16="http://schemas.microsoft.com/office/drawing/2014/main" id="{0F84C620-A6A6-4EDC-972F-77CF75F8C76D}"/>
-              </a:ext>
-            </a:extLst>
-          </p:cNvPr>
-          <p:cNvCxnSpPr>
-            <a:cxnSpLocks/>
-          </p:cNvCxnSpPr>
-          <p:nvPr/>
-        </p:nvCxnSpPr>
-        <p:spPr>
-          <a:xfrm flipV="1">
-            <a:off x="7807315" y="4131029"/>
-            <a:ext cx="3200399" cy="1"/>
-          </a:xfrm>
-          <a:prstGeom prst="line">
-            <a:avLst/>
-          </a:prstGeom>
-        </p:spPr>
-        <p:style>
-          <a:lnRef idx="1">
-            <a:schemeClr val="accent1"/>
-          </a:lnRef>
-          <a:fillRef idx="0">
-            <a:schemeClr val="accent1"/>
-          </a:fillRef>
-          <a:effectRef idx="0">
-            <a:schemeClr val="accent1"/>
-          </a:effectRef>
-          <a:fontRef idx="minor">
-            <a:schemeClr val="tx1"/>
-          </a:fontRef>
-        </p:style>
-      </p:cxnSp>
-      <p:cxnSp>
-        <p:nvCxnSpPr>
-          <p:cNvPr id="7" name="Straight Arrow Connector 6">
-            <a:extLst>
-              <a:ext uri="{FF2B5EF4-FFF2-40B4-BE49-F238E27FC236}">
-                <a16:creationId xmlns:a16="http://schemas.microsoft.com/office/drawing/2014/main" id="{4DFF6FFC-05F9-4F19-B249-59A41F84D776}"/>
-              </a:ext>
-            </a:extLst>
-          </p:cNvPr>
-          <p:cNvCxnSpPr/>
-          <p:nvPr/>
-        </p:nvCxnSpPr>
-        <p:spPr>
-          <a:xfrm flipV="1">
-            <a:off x="8583829" y="2367543"/>
-            <a:ext cx="1386114" cy="1756228"/>
-          </a:xfrm>
-          <a:prstGeom prst="straightConnector1">
-            <a:avLst/>
-          </a:prstGeom>
-          <a:ln w="25400">
-            <a:solidFill>
-              <a:srgbClr val="00B050"/>
-            </a:solidFill>
-            <a:tailEnd type="triangle"/>
-          </a:ln>
-        </p:spPr>
-        <p:style>
-          <a:lnRef idx="1">
-            <a:schemeClr val="accent1"/>
-          </a:lnRef>
-          <a:fillRef idx="0">
-            <a:schemeClr val="accent1"/>
-          </a:fillRef>
-          <a:effectRef idx="0">
-            <a:schemeClr val="accent1"/>
-          </a:effectRef>
-          <a:fontRef idx="minor">
-            <a:schemeClr val="tx1"/>
-          </a:fontRef>
-        </p:style>
-      </p:cxnSp>
-      <p:cxnSp>
-        <p:nvCxnSpPr>
-          <p:cNvPr id="8" name="Straight Arrow Connector 7">
-            <a:extLst>
-              <a:ext uri="{FF2B5EF4-FFF2-40B4-BE49-F238E27FC236}">
-                <a16:creationId xmlns:a16="http://schemas.microsoft.com/office/drawing/2014/main" id="{571B0DC2-0632-4877-BBFF-3EE33D9DB7DD}"/>
-              </a:ext>
-            </a:extLst>
-          </p:cNvPr>
-          <p:cNvCxnSpPr>
-            <a:cxnSpLocks/>
-          </p:cNvCxnSpPr>
-          <p:nvPr/>
-        </p:nvCxnSpPr>
-        <p:spPr>
-          <a:xfrm flipV="1">
-            <a:off x="8583828" y="3535943"/>
-            <a:ext cx="1248229" cy="595086"/>
-          </a:xfrm>
-          <a:prstGeom prst="straightConnector1">
-            <a:avLst/>
-          </a:prstGeom>
-          <a:ln w="31750">
-            <a:solidFill>
-              <a:schemeClr val="accent5">
-                <a:lumMod val="75000"/>
-              </a:schemeClr>
-            </a:solidFill>
-            <a:tailEnd type="triangle"/>
-          </a:ln>
-        </p:spPr>
-        <p:style>
-          <a:lnRef idx="1">
-            <a:schemeClr val="accent1"/>
-          </a:lnRef>
-          <a:fillRef idx="0">
-            <a:schemeClr val="accent1"/>
-          </a:fillRef>
-          <a:effectRef idx="0">
-            <a:schemeClr val="accent1"/>
-          </a:effectRef>
-          <a:fontRef idx="minor">
-            <a:schemeClr val="tx1"/>
-          </a:fontRef>
-        </p:style>
-      </p:cxnSp>
-      <p:cxnSp>
-        <p:nvCxnSpPr>
-          <p:cNvPr id="9" name="Straight Connector 8">
-            <a:extLst>
-              <a:ext uri="{FF2B5EF4-FFF2-40B4-BE49-F238E27FC236}">
-                <a16:creationId xmlns:a16="http://schemas.microsoft.com/office/drawing/2014/main" id="{EEDD10ED-1053-43F5-A16A-9A439B72A5F2}"/>
-              </a:ext>
-            </a:extLst>
-          </p:cNvPr>
-          <p:cNvCxnSpPr>
-            <a:cxnSpLocks/>
-          </p:cNvCxnSpPr>
-          <p:nvPr/>
-        </p:nvCxnSpPr>
-        <p:spPr>
-          <a:xfrm flipV="1">
-            <a:off x="7629514" y="2893686"/>
-            <a:ext cx="3556000" cy="1676400"/>
-          </a:xfrm>
-          <a:prstGeom prst="line">
-            <a:avLst/>
-          </a:prstGeom>
-        </p:spPr>
-        <p:style>
-          <a:lnRef idx="1">
-            <a:schemeClr val="accent1"/>
-          </a:lnRef>
-          <a:fillRef idx="0">
-            <a:schemeClr val="accent1"/>
-          </a:fillRef>
-          <a:effectRef idx="0">
-            <a:schemeClr val="accent1"/>
-          </a:effectRef>
-          <a:fontRef idx="minor">
-            <a:schemeClr val="tx1"/>
-          </a:fontRef>
-        </p:style>
-      </p:cxnSp>
-      <p:cxnSp>
-        <p:nvCxnSpPr>
-          <p:cNvPr id="10" name="Straight Connector 9">
-            <a:extLst>
-              <a:ext uri="{FF2B5EF4-FFF2-40B4-BE49-F238E27FC236}">
-                <a16:creationId xmlns:a16="http://schemas.microsoft.com/office/drawing/2014/main" id="{75E42AD5-801F-40AD-B61F-E90017BBC5F5}"/>
-              </a:ext>
-            </a:extLst>
-          </p:cNvPr>
-          <p:cNvCxnSpPr>
-            <a:cxnSpLocks/>
-          </p:cNvCxnSpPr>
-          <p:nvPr/>
-        </p:nvCxnSpPr>
-        <p:spPr>
-          <a:xfrm>
-            <a:off x="9969943" y="2367543"/>
-            <a:ext cx="537028" cy="845457"/>
-          </a:xfrm>
-          <a:prstGeom prst="line">
-            <a:avLst/>
-          </a:prstGeom>
-          <a:ln>
-            <a:solidFill>
-              <a:schemeClr val="accent5">
-                <a:lumMod val="60000"/>
-                <a:lumOff val="40000"/>
-              </a:schemeClr>
-            </a:solidFill>
-          </a:ln>
-        </p:spPr>
-        <p:style>
-          <a:lnRef idx="1">
-            <a:schemeClr val="accent1"/>
-          </a:lnRef>
-          <a:fillRef idx="0">
-            <a:schemeClr val="accent1"/>
-          </a:fillRef>
-          <a:effectRef idx="0">
-            <a:schemeClr val="accent1"/>
-          </a:effectRef>
-          <a:fontRef idx="minor">
-            <a:schemeClr val="tx1"/>
-          </a:fontRef>
-        </p:style>
-      </p:cxnSp>
-      <p:cxnSp>
-        <p:nvCxnSpPr>
-          <p:cNvPr id="11" name="Straight Connector 10">
-            <a:extLst>
-              <a:ext uri="{FF2B5EF4-FFF2-40B4-BE49-F238E27FC236}">
-                <a16:creationId xmlns:a16="http://schemas.microsoft.com/office/drawing/2014/main" id="{E52279EC-6E05-4DB4-A08F-DFB870AE79CE}"/>
-              </a:ext>
-            </a:extLst>
-          </p:cNvPr>
-          <p:cNvCxnSpPr>
-            <a:cxnSpLocks/>
-          </p:cNvCxnSpPr>
-          <p:nvPr/>
-        </p:nvCxnSpPr>
-        <p:spPr>
-          <a:xfrm flipV="1">
-            <a:off x="8583828" y="3213000"/>
-            <a:ext cx="1915886" cy="918030"/>
-          </a:xfrm>
-          <a:prstGeom prst="line">
-            <a:avLst/>
-          </a:prstGeom>
-          <a:ln>
-            <a:solidFill>
-              <a:schemeClr val="accent5">
-                <a:lumMod val="60000"/>
-                <a:lumOff val="40000"/>
-              </a:schemeClr>
-            </a:solidFill>
-          </a:ln>
-        </p:spPr>
-        <p:style>
-          <a:lnRef idx="1">
-            <a:schemeClr val="accent1"/>
-          </a:lnRef>
-          <a:fillRef idx="0">
-            <a:schemeClr val="accent1"/>
-          </a:fillRef>
-          <a:effectRef idx="0">
-            <a:schemeClr val="accent1"/>
-          </a:effectRef>
-          <a:fontRef idx="minor">
-            <a:schemeClr val="tx1"/>
-          </a:fontRef>
-        </p:style>
-      </p:cxnSp>
-      <mc:AlternateContent xmlns:mc="http://schemas.openxmlformats.org/markup-compatibility/2006" xmlns:a14="http://schemas.microsoft.com/office/drawing/2010/main">
-        <mc:Choice Requires="a14">
-          <p:sp>
-            <p:nvSpPr>
-              <p:cNvPr id="12" name="TextBox 11">
-                <a:extLst>
-                  <a:ext uri="{FF2B5EF4-FFF2-40B4-BE49-F238E27FC236}">
-                    <a16:creationId xmlns:a16="http://schemas.microsoft.com/office/drawing/2014/main" id="{DC2249BC-4771-46BE-99D5-C33960F0A126}"/>
-                  </a:ext>
-                </a:extLst>
-              </p:cNvPr>
-              <p:cNvSpPr txBox="1"/>
-              <p:nvPr/>
-            </p:nvSpPr>
-            <p:spPr>
-              <a:xfrm>
-                <a:off x="9130548" y="2655373"/>
-                <a:ext cx="321704" cy="369332"/>
-              </a:xfrm>
-              <a:prstGeom prst="rect">
-                <a:avLst/>
-              </a:prstGeom>
-              <a:noFill/>
-            </p:spPr>
-            <p:txBody>
-              <a:bodyPr wrap="square" rtlCol="0">
-                <a:spAutoFit/>
-              </a:bodyPr>
-              <a:lstStyle/>
-              <a:p>
-                <a:pPr/>
-                <a14:m>
-                  <m:oMathPara xmlns:m="http://schemas.openxmlformats.org/officeDocument/2006/math">
-                    <m:oMathParaPr>
-                      <m:jc m:val="centerGroup"/>
-                    </m:oMathParaPr>
-                    <m:oMath xmlns:m="http://schemas.openxmlformats.org/officeDocument/2006/math">
-                      <m:r>
-                        <a:rPr lang="en-US" b="1" i="1" smtClean="0">
-                          <a:latin typeface="Cambria Math" panose="02040503050406030204" pitchFamily="18" charset="0"/>
-                        </a:rPr>
-                        <m:t>𝒓</m:t>
-                      </m:r>
-                    </m:oMath>
-                  </m:oMathPara>
-                </a14:m>
-                <a:endParaRPr lang="en-US" b="1" dirty="0"/>
-              </a:p>
-            </p:txBody>
-          </p:sp>
-        </mc:Choice>
-        <mc:Fallback xmlns="">
-          <p:sp>
-            <p:nvSpPr>
-              <p:cNvPr id="12" name="TextBox 11">
-                <a:extLst>
-                  <a:ext uri="{FF2B5EF4-FFF2-40B4-BE49-F238E27FC236}">
-                    <a16:creationId xmlns:a16="http://schemas.microsoft.com/office/drawing/2014/main" id="{DC2249BC-4771-46BE-99D5-C33960F0A126}"/>
-                  </a:ext>
-                </a:extLst>
-              </p:cNvPr>
-              <p:cNvSpPr txBox="1">
-                <a:spLocks noRot="1" noChangeAspect="1" noMove="1" noResize="1" noEditPoints="1" noAdjustHandles="1" noChangeArrowheads="1" noChangeShapeType="1" noTextEdit="1"/>
-              </p:cNvSpPr>
-              <p:nvPr/>
-            </p:nvSpPr>
-            <p:spPr>
-              <a:xfrm>
-                <a:off x="9130548" y="2655373"/>
-                <a:ext cx="321704" cy="369332"/>
-              </a:xfrm>
-              <a:prstGeom prst="rect">
-                <a:avLst/>
-              </a:prstGeom>
-              <a:blipFill>
-                <a:blip r:embed="rId3"/>
-                <a:stretch>
-                  <a:fillRect/>
-                </a:stretch>
-              </a:blipFill>
-            </p:spPr>
-            <p:txBody>
-              <a:bodyPr/>
-              <a:lstStyle/>
-              <a:p>
-                <a:r>
-                  <a:rPr lang="en-US">
-                    <a:noFill/>
-                  </a:rPr>
-                  <a:t> </a:t>
-                </a:r>
-              </a:p>
-            </p:txBody>
-          </p:sp>
-        </mc:Fallback>
-      </mc:AlternateContent>
-      <mc:AlternateContent xmlns:mc="http://schemas.openxmlformats.org/markup-compatibility/2006" xmlns:a14="http://schemas.microsoft.com/office/drawing/2010/main">
-        <mc:Choice Requires="a14">
-          <p:sp>
-            <p:nvSpPr>
-              <p:cNvPr id="13" name="TextBox 12">
-                <a:extLst>
-                  <a:ext uri="{FF2B5EF4-FFF2-40B4-BE49-F238E27FC236}">
-                    <a16:creationId xmlns:a16="http://schemas.microsoft.com/office/drawing/2014/main" id="{BD00C494-B079-4DF9-B8FB-2AE47968B813}"/>
-                  </a:ext>
-                </a:extLst>
-              </p:cNvPr>
-              <p:cNvSpPr txBox="1"/>
-              <p:nvPr/>
-            </p:nvSpPr>
-            <p:spPr>
-              <a:xfrm>
-                <a:off x="9395030" y="3719186"/>
-                <a:ext cx="321704" cy="369332"/>
-              </a:xfrm>
-              <a:prstGeom prst="rect">
-                <a:avLst/>
-              </a:prstGeom>
-              <a:noFill/>
-            </p:spPr>
-            <p:txBody>
-              <a:bodyPr wrap="square" rtlCol="0">
-                <a:spAutoFit/>
-              </a:bodyPr>
-              <a:lstStyle/>
-              <a:p>
-                <a:pPr/>
-                <a14:m>
-                  <m:oMathPara xmlns:m="http://schemas.openxmlformats.org/officeDocument/2006/math">
-                    <m:oMathParaPr>
-                      <m:jc m:val="centerGroup"/>
-                    </m:oMathParaPr>
-                    <m:oMath xmlns:m="http://schemas.openxmlformats.org/officeDocument/2006/math">
-                      <m:r>
-                        <a:rPr lang="en-US" b="1" i="1" smtClean="0">
-                          <a:latin typeface="Cambria Math" panose="02040503050406030204" pitchFamily="18" charset="0"/>
-                        </a:rPr>
-                        <m:t>𝒙</m:t>
-                      </m:r>
-                    </m:oMath>
-                  </m:oMathPara>
-                </a14:m>
-                <a:endParaRPr lang="en-US" b="1" dirty="0"/>
-              </a:p>
-            </p:txBody>
-          </p:sp>
-        </mc:Choice>
-        <mc:Fallback xmlns="">
-          <p:sp>
-            <p:nvSpPr>
-              <p:cNvPr id="13" name="TextBox 12">
-                <a:extLst>
-                  <a:ext uri="{FF2B5EF4-FFF2-40B4-BE49-F238E27FC236}">
-                    <a16:creationId xmlns:a16="http://schemas.microsoft.com/office/drawing/2014/main" id="{BD00C494-B079-4DF9-B8FB-2AE47968B813}"/>
-                  </a:ext>
-                </a:extLst>
-              </p:cNvPr>
-              <p:cNvSpPr txBox="1">
-                <a:spLocks noRot="1" noChangeAspect="1" noMove="1" noResize="1" noEditPoints="1" noAdjustHandles="1" noChangeArrowheads="1" noChangeShapeType="1" noTextEdit="1"/>
-              </p:cNvSpPr>
-              <p:nvPr/>
-            </p:nvSpPr>
-            <p:spPr>
-              <a:xfrm>
-                <a:off x="9395030" y="3719186"/>
-                <a:ext cx="321704" cy="369332"/>
-              </a:xfrm>
-              <a:prstGeom prst="rect">
-                <a:avLst/>
-              </a:prstGeom>
-              <a:blipFill>
-                <a:blip r:embed="rId4"/>
-                <a:stretch>
-                  <a:fillRect/>
-                </a:stretch>
-              </a:blipFill>
-            </p:spPr>
-            <p:txBody>
-              <a:bodyPr/>
-              <a:lstStyle/>
-              <a:p>
-                <a:r>
-                  <a:rPr lang="en-US">
-                    <a:noFill/>
-                  </a:rPr>
-                  <a:t> </a:t>
-                </a:r>
-              </a:p>
-            </p:txBody>
-          </p:sp>
-        </mc:Fallback>
-      </mc:AlternateContent>
-      <mc:AlternateContent xmlns:mc="http://schemas.openxmlformats.org/markup-compatibility/2006" xmlns:a14="http://schemas.microsoft.com/office/drawing/2010/main">
-        <mc:Choice Requires="a14">
-          <p:sp>
-            <p:nvSpPr>
-              <p:cNvPr id="14" name="TextBox 13">
-                <a:extLst>
-                  <a:ext uri="{FF2B5EF4-FFF2-40B4-BE49-F238E27FC236}">
-                    <a16:creationId xmlns:a16="http://schemas.microsoft.com/office/drawing/2014/main" id="{D1DD1883-F5F6-4BE5-B008-6B61F1AA9C8B}"/>
-                  </a:ext>
-                </a:extLst>
-              </p:cNvPr>
-              <p:cNvSpPr txBox="1"/>
-              <p:nvPr/>
-            </p:nvSpPr>
-            <p:spPr>
-              <a:xfrm>
-                <a:off x="10381580" y="3024705"/>
-                <a:ext cx="1174584" cy="667490"/>
-              </a:xfrm>
-              <a:prstGeom prst="rect">
-                <a:avLst/>
-              </a:prstGeom>
-              <a:noFill/>
-            </p:spPr>
-            <p:txBody>
-              <a:bodyPr wrap="square" rtlCol="0">
-                <a:spAutoFit/>
-              </a:bodyPr>
-              <a:lstStyle/>
-              <a:p>
-                <a:pPr/>
-                <a14:m>
-                  <m:oMathPara xmlns:m="http://schemas.openxmlformats.org/officeDocument/2006/math">
-                    <m:oMathParaPr>
-                      <m:jc m:val="centerGroup"/>
-                    </m:oMathParaPr>
-                    <m:oMath xmlns:m="http://schemas.openxmlformats.org/officeDocument/2006/math">
-                      <m:r>
-                        <a:rPr lang="en-US" b="0" i="1" smtClean="0">
-                          <a:latin typeface="Cambria Math" panose="02040503050406030204" pitchFamily="18" charset="0"/>
-                        </a:rPr>
-                        <m:t>𝑧</m:t>
-                      </m:r>
-                      <m:r>
-                        <a:rPr lang="en-US" b="1" i="1" smtClean="0">
-                          <a:latin typeface="Cambria Math" panose="02040503050406030204" pitchFamily="18" charset="0"/>
-                        </a:rPr>
-                        <m:t>=</m:t>
-                      </m:r>
-                      <m:f>
-                        <m:fPr>
-                          <m:ctrlPr>
-                            <a:rPr lang="en-US" b="1" i="1" smtClean="0">
-                              <a:latin typeface="Cambria Math" panose="02040503050406030204" pitchFamily="18" charset="0"/>
-                            </a:rPr>
-                          </m:ctrlPr>
-                        </m:fPr>
-                        <m:num>
-                          <m:sSup>
-                            <m:sSupPr>
-                              <m:ctrlPr>
-                                <a:rPr lang="en-US" b="1" i="1" smtClean="0">
-                                  <a:latin typeface="Cambria Math" panose="02040503050406030204" pitchFamily="18" charset="0"/>
-                                </a:rPr>
-                              </m:ctrlPr>
-                            </m:sSupPr>
-                            <m:e>
-                              <m:r>
-                                <a:rPr lang="en-US" b="1" i="1" smtClean="0">
-                                  <a:latin typeface="Cambria Math" panose="02040503050406030204" pitchFamily="18" charset="0"/>
-                                </a:rPr>
-                                <m:t>𝒙</m:t>
-                              </m:r>
-                            </m:e>
-                            <m:sup>
-                              <m:r>
-                                <a:rPr lang="en-US" b="1" i="1" smtClean="0">
-                                  <a:latin typeface="Cambria Math" panose="02040503050406030204" pitchFamily="18" charset="0"/>
-                                </a:rPr>
-                                <m:t>∗</m:t>
-                              </m:r>
-                            </m:sup>
-                          </m:sSup>
-                          <m:r>
-                            <a:rPr lang="en-US" b="1" i="1" smtClean="0">
-                              <a:latin typeface="Cambria Math" panose="02040503050406030204" pitchFamily="18" charset="0"/>
-                            </a:rPr>
-                            <m:t>𝒓</m:t>
-                          </m:r>
-                        </m:num>
-                        <m:den>
-                          <m:r>
-                            <a:rPr lang="en-US" b="1" i="1" smtClean="0">
-                              <a:latin typeface="Cambria Math" panose="02040503050406030204" pitchFamily="18" charset="0"/>
-                            </a:rPr>
-                            <m:t>‖</m:t>
-                          </m:r>
-                          <m:r>
-                            <a:rPr lang="en-US" b="1" i="1" smtClean="0">
-                              <a:latin typeface="Cambria Math" panose="02040503050406030204" pitchFamily="18" charset="0"/>
-                            </a:rPr>
-                            <m:t>𝒙</m:t>
-                          </m:r>
-                          <m:r>
-                            <a:rPr lang="en-US" b="1" i="1" smtClean="0">
-                              <a:latin typeface="Cambria Math" panose="02040503050406030204" pitchFamily="18" charset="0"/>
-                            </a:rPr>
-                            <m:t>‖</m:t>
-                          </m:r>
-                        </m:den>
-                      </m:f>
-                    </m:oMath>
-                  </m:oMathPara>
-                </a14:m>
-                <a:endParaRPr lang="en-US" b="1" dirty="0"/>
-              </a:p>
-            </p:txBody>
-          </p:sp>
-        </mc:Choice>
-        <mc:Fallback xmlns="">
-          <p:sp>
-            <p:nvSpPr>
-              <p:cNvPr id="14" name="TextBox 13">
-                <a:extLst>
-                  <a:ext uri="{FF2B5EF4-FFF2-40B4-BE49-F238E27FC236}">
-                    <a16:creationId xmlns:a16="http://schemas.microsoft.com/office/drawing/2014/main" id="{D1DD1883-F5F6-4BE5-B008-6B61F1AA9C8B}"/>
-                  </a:ext>
-                </a:extLst>
-              </p:cNvPr>
-              <p:cNvSpPr txBox="1">
-                <a:spLocks noRot="1" noChangeAspect="1" noMove="1" noResize="1" noEditPoints="1" noAdjustHandles="1" noChangeArrowheads="1" noChangeShapeType="1" noTextEdit="1"/>
-              </p:cNvSpPr>
-              <p:nvPr/>
-            </p:nvSpPr>
-            <p:spPr>
-              <a:xfrm>
-                <a:off x="10381580" y="3024705"/>
-                <a:ext cx="1174584" cy="667490"/>
-              </a:xfrm>
-              <a:prstGeom prst="rect">
-                <a:avLst/>
-              </a:prstGeom>
-              <a:blipFill>
-                <a:blip r:embed="rId5"/>
-                <a:stretch>
-                  <a:fillRect/>
-                </a:stretch>
-              </a:blipFill>
-            </p:spPr>
-            <p:txBody>
-              <a:bodyPr/>
-              <a:lstStyle/>
-              <a:p>
-                <a:r>
-                  <a:rPr lang="en-US">
-                    <a:noFill/>
-                  </a:rPr>
-                  <a:t> </a:t>
-                </a:r>
-              </a:p>
-            </p:txBody>
-          </p:sp>
-        </mc:Fallback>
-      </mc:AlternateContent>
-      <mc:AlternateContent xmlns:mc="http://schemas.openxmlformats.org/markup-compatibility/2006" xmlns:a14="http://schemas.microsoft.com/office/drawing/2010/main">
-        <mc:Choice Requires="a14">
-          <p:sp>
-            <p:nvSpPr>
-              <p:cNvPr id="15" name="TextBox 14">
-                <a:extLst>
-                  <a:ext uri="{FF2B5EF4-FFF2-40B4-BE49-F238E27FC236}">
-                    <a16:creationId xmlns:a16="http://schemas.microsoft.com/office/drawing/2014/main" id="{058BBCC2-5B76-4A0D-8D79-42307C5A3167}"/>
-                  </a:ext>
-                </a:extLst>
-              </p:cNvPr>
-              <p:cNvSpPr txBox="1"/>
-              <p:nvPr/>
-            </p:nvSpPr>
-            <p:spPr>
-              <a:xfrm>
-                <a:off x="10326782" y="2495716"/>
-                <a:ext cx="321704" cy="369332"/>
-              </a:xfrm>
-              <a:prstGeom prst="rect">
-                <a:avLst/>
-              </a:prstGeom>
-              <a:noFill/>
-            </p:spPr>
-            <p:txBody>
-              <a:bodyPr wrap="square" rtlCol="0">
-                <a:spAutoFit/>
-              </a:bodyPr>
-              <a:lstStyle/>
-              <a:p>
-                <a:pPr/>
-                <a14:m>
-                  <m:oMathPara xmlns:m="http://schemas.openxmlformats.org/officeDocument/2006/math">
-                    <m:oMathParaPr>
-                      <m:jc m:val="centerGroup"/>
-                    </m:oMathParaPr>
-                    <m:oMath xmlns:m="http://schemas.openxmlformats.org/officeDocument/2006/math">
-                      <m:r>
-                        <a:rPr lang="en-US" b="1" i="1" smtClean="0">
-                          <a:latin typeface="Cambria Math" panose="02040503050406030204" pitchFamily="18" charset="0"/>
-                        </a:rPr>
-                        <m:t>𝒅</m:t>
-                      </m:r>
-                    </m:oMath>
-                  </m:oMathPara>
-                </a14:m>
-                <a:endParaRPr lang="en-US" b="1" dirty="0"/>
-              </a:p>
-            </p:txBody>
-          </p:sp>
-        </mc:Choice>
-        <mc:Fallback xmlns="">
-          <p:sp>
-            <p:nvSpPr>
-              <p:cNvPr id="15" name="TextBox 14">
-                <a:extLst>
-                  <a:ext uri="{FF2B5EF4-FFF2-40B4-BE49-F238E27FC236}">
-                    <a16:creationId xmlns:a16="http://schemas.microsoft.com/office/drawing/2014/main" id="{058BBCC2-5B76-4A0D-8D79-42307C5A3167}"/>
-                  </a:ext>
-                </a:extLst>
-              </p:cNvPr>
-              <p:cNvSpPr txBox="1">
-                <a:spLocks noRot="1" noChangeAspect="1" noMove="1" noResize="1" noEditPoints="1" noAdjustHandles="1" noChangeArrowheads="1" noChangeShapeType="1" noTextEdit="1"/>
-              </p:cNvSpPr>
-              <p:nvPr/>
-            </p:nvSpPr>
-            <p:spPr>
-              <a:xfrm>
-                <a:off x="10326782" y="2495716"/>
-                <a:ext cx="321704" cy="369332"/>
-              </a:xfrm>
-              <a:prstGeom prst="rect">
-                <a:avLst/>
-              </a:prstGeom>
-              <a:blipFill>
-                <a:blip r:embed="rId7"/>
-                <a:stretch>
-                  <a:fillRect r="-1887"/>
-                </a:stretch>
-              </a:blipFill>
-            </p:spPr>
-            <p:txBody>
-              <a:bodyPr/>
-              <a:lstStyle/>
-              <a:p>
-                <a:r>
-                  <a:rPr lang="en-US">
-                    <a:noFill/>
-                  </a:rPr>
-                  <a:t> </a:t>
-                </a:r>
-              </a:p>
-            </p:txBody>
-          </p:sp>
-        </mc:Fallback>
-      </mc:AlternateContent>
-    </p:spTree>
-    <p:extLst>
-      <p:ext uri="{BB962C8B-B14F-4D97-AF65-F5344CB8AC3E}">
-        <p14:creationId xmlns:p14="http://schemas.microsoft.com/office/powerpoint/2010/main" val="2552192492"/>
-      </p:ext>
-    </p:extLst>
-  </p:cSld>
-  <p:clrMapOvr>
-    <a:masterClrMapping/>
-  </p:clrMapOvr>
-</p:sld>
-</file>
-
-<file path=ppt/slides/slide31.xml><?xml version="1.0" encoding="utf-8"?>
-<p:sld xmlns:a="http://schemas.openxmlformats.org/drawingml/2006/main" xmlns:r="http://schemas.openxmlformats.org/officeDocument/2006/relationships" xmlns:p="http://schemas.openxmlformats.org/presentationml/2006/main">
-  <p:cSld>
-    <p:spTree>
-      <p:nvGrpSpPr>
-        <p:cNvPr id="1" name=""/>
-        <p:cNvGrpSpPr/>
-        <p:nvPr/>
-      </p:nvGrpSpPr>
-      <p:grpSpPr>
-        <a:xfrm>
-          <a:off x="0" y="0"/>
-          <a:ext cx="0" cy="0"/>
-          <a:chOff x="0" y="0"/>
-          <a:chExt cx="0" cy="0"/>
-        </a:xfrm>
-      </p:grpSpPr>
-      <p:sp>
-        <p:nvSpPr>
-          <p:cNvPr id="2" name="Title 1">
-            <a:extLst>
-              <a:ext uri="{FF2B5EF4-FFF2-40B4-BE49-F238E27FC236}">
-                <a16:creationId xmlns:a16="http://schemas.microsoft.com/office/drawing/2014/main" id="{0E6DC8D0-3B1E-409B-995C-4BB7D2ABDC37}"/>
-              </a:ext>
-            </a:extLst>
-          </p:cNvPr>
-          <p:cNvSpPr>
-            <a:spLocks noGrp="1"/>
-          </p:cNvSpPr>
-          <p:nvPr>
-            <p:ph type="title"/>
-          </p:nvPr>
-        </p:nvSpPr>
-        <p:spPr/>
-        <p:txBody>
-          <a:bodyPr/>
-          <a:lstStyle/>
-          <a:p>
-            <a:r>
-              <a:rPr lang="en-US" dirty="0"/>
-              <a:t>Noise Estimation 2</a:t>
-            </a:r>
-          </a:p>
-        </p:txBody>
-      </p:sp>
-      <mc:AlternateContent xmlns:mc="http://schemas.openxmlformats.org/markup-compatibility/2006" xmlns:a14="http://schemas.microsoft.com/office/drawing/2010/main">
-        <mc:Choice Requires="a14">
-          <p:sp>
-            <p:nvSpPr>
-              <p:cNvPr id="3" name="Content Placeholder 2">
-                <a:extLst>
-                  <a:ext uri="{FF2B5EF4-FFF2-40B4-BE49-F238E27FC236}">
-                    <a16:creationId xmlns:a16="http://schemas.microsoft.com/office/drawing/2014/main" id="{46641482-A5A4-4071-A2B2-589525A68542}"/>
-                  </a:ext>
-                </a:extLst>
-              </p:cNvPr>
-              <p:cNvSpPr>
-                <a:spLocks noGrp="1"/>
-              </p:cNvSpPr>
-              <p:nvPr>
-                <p:ph idx="1"/>
-              </p:nvPr>
-            </p:nvSpPr>
-            <p:spPr>
-              <a:xfrm>
-                <a:off x="1097279" y="1539279"/>
-                <a:ext cx="6568521" cy="4329817"/>
-              </a:xfrm>
-            </p:spPr>
-            <p:txBody>
-              <a:bodyPr/>
-              <a:lstStyle/>
-              <a:p>
-                <a:r>
-                  <a:rPr lang="en-US" dirty="0"/>
-                  <a:t>Use threshold with estimate noise </a:t>
-                </a:r>
-                <a14:m>
-                  <m:oMath xmlns:m="http://schemas.openxmlformats.org/officeDocument/2006/math">
-                    <m:r>
-                      <a:rPr lang="en-US" b="0" i="1" smtClean="0">
-                        <a:latin typeface="Cambria Math" panose="02040503050406030204" pitchFamily="18" charset="0"/>
-                      </a:rPr>
-                      <m:t>𝑡</m:t>
-                    </m:r>
-                    <m:r>
-                      <a:rPr lang="en-US" b="0" i="1" smtClean="0">
-                        <a:latin typeface="Cambria Math" panose="02040503050406030204" pitchFamily="18" charset="0"/>
-                      </a:rPr>
-                      <m:t>=−</m:t>
-                    </m:r>
-                    <m:sSub>
-                      <m:sSubPr>
-                        <m:ctrlPr>
-                          <a:rPr lang="en-US" i="1">
-                            <a:latin typeface="Cambria Math" panose="02040503050406030204" pitchFamily="18" charset="0"/>
-                          </a:rPr>
-                        </m:ctrlPr>
-                      </m:sSubPr>
-                      <m:e>
-                        <m:acc>
-                          <m:accPr>
-                            <m:chr m:val="̂"/>
-                            <m:ctrlPr>
-                              <a:rPr lang="en-US" i="1">
-                                <a:latin typeface="Cambria Math" panose="02040503050406030204" pitchFamily="18" charset="0"/>
-                              </a:rPr>
-                            </m:ctrlPr>
-                          </m:accPr>
-                          <m:e>
-                            <m:r>
-                              <a:rPr lang="en-US" i="1">
-                                <a:latin typeface="Cambria Math" panose="02040503050406030204" pitchFamily="18" charset="0"/>
-                              </a:rPr>
-                              <m:t>𝑁</m:t>
-                            </m:r>
-                          </m:e>
-                        </m:acc>
-                      </m:e>
-                      <m:sub>
-                        <m:r>
-                          <a:rPr lang="en-US" i="1">
-                            <a:latin typeface="Cambria Math" panose="02040503050406030204" pitchFamily="18" charset="0"/>
-                          </a:rPr>
-                          <m:t>0</m:t>
-                        </m:r>
-                      </m:sub>
-                    </m:sSub>
-                    <m:func>
-                      <m:funcPr>
-                        <m:ctrlPr>
-                          <a:rPr lang="en-US" b="0" i="1" smtClean="0">
-                            <a:latin typeface="Cambria Math" panose="02040503050406030204" pitchFamily="18" charset="0"/>
-                          </a:rPr>
-                        </m:ctrlPr>
-                      </m:funcPr>
-                      <m:fName>
-                        <m:r>
-                          <m:rPr>
-                            <m:sty m:val="p"/>
-                          </m:rPr>
-                          <a:rPr lang="en-US" b="0" i="0" smtClean="0">
-                            <a:latin typeface="Cambria Math" panose="02040503050406030204" pitchFamily="18" charset="0"/>
-                          </a:rPr>
-                          <m:t>ln</m:t>
-                        </m:r>
-                      </m:fName>
-                      <m:e>
-                        <m:sSubSup>
-                          <m:sSubSupPr>
-                            <m:ctrlPr>
-                              <a:rPr lang="en-US" b="0" i="1" smtClean="0">
-                                <a:latin typeface="Cambria Math" panose="02040503050406030204" pitchFamily="18" charset="0"/>
-                              </a:rPr>
-                            </m:ctrlPr>
-                          </m:sSubSupPr>
-                          <m:e>
-                            <m:r>
-                              <a:rPr lang="en-US" b="0" i="1" smtClean="0">
-                                <a:latin typeface="Cambria Math" panose="02040503050406030204" pitchFamily="18" charset="0"/>
-                              </a:rPr>
-                              <m:t>𝑃</m:t>
-                            </m:r>
-                          </m:e>
-                          <m:sub>
-                            <m:r>
-                              <a:rPr lang="en-US" b="0" i="1" smtClean="0">
-                                <a:latin typeface="Cambria Math" panose="02040503050406030204" pitchFamily="18" charset="0"/>
-                              </a:rPr>
-                              <m:t>𝐹𝐴</m:t>
-                            </m:r>
-                          </m:sub>
-                          <m:sup>
-                            <m:r>
-                              <a:rPr lang="en-US" b="0" i="1" smtClean="0">
-                                <a:latin typeface="Cambria Math" panose="02040503050406030204" pitchFamily="18" charset="0"/>
-                              </a:rPr>
-                              <m:t>𝑇𝐺𝑇</m:t>
-                            </m:r>
-                          </m:sup>
-                        </m:sSubSup>
-                      </m:e>
-                    </m:func>
-                  </m:oMath>
-                </a14:m>
-                <a:endParaRPr lang="en-US" dirty="0"/>
-              </a:p>
-              <a:p>
-                <a:r>
-                  <a:rPr lang="en-US" dirty="0"/>
-                  <a:t>Detector takes </a:t>
-                </a:r>
-                <a14:m>
-                  <m:oMath xmlns:m="http://schemas.openxmlformats.org/officeDocument/2006/math">
-                    <m:acc>
-                      <m:accPr>
-                        <m:chr m:val="̂"/>
-                        <m:ctrlPr>
-                          <a:rPr lang="en-US" i="1" smtClean="0">
-                            <a:latin typeface="Cambria Math" panose="02040503050406030204" pitchFamily="18" charset="0"/>
-                          </a:rPr>
-                        </m:ctrlPr>
-                      </m:accPr>
-                      <m:e>
-                        <m:r>
-                          <a:rPr lang="en-US" b="0" i="1" smtClean="0">
-                            <a:latin typeface="Cambria Math" panose="02040503050406030204" pitchFamily="18" charset="0"/>
-                          </a:rPr>
-                          <m:t>𝐻</m:t>
-                        </m:r>
-                      </m:e>
-                    </m:acc>
-                    <m:r>
-                      <a:rPr lang="en-US" b="0" i="1" smtClean="0">
-                        <a:latin typeface="Cambria Math" panose="02040503050406030204" pitchFamily="18" charset="0"/>
-                      </a:rPr>
-                      <m:t>=1</m:t>
-                    </m:r>
-                  </m:oMath>
-                </a14:m>
-                <a:r>
-                  <a:rPr lang="en-US" dirty="0"/>
-                  <a:t> if </a:t>
-                </a:r>
-              </a:p>
-              <a:p>
-                <a:pPr marL="201168" lvl="1" indent="0">
-                  <a:buNone/>
-                </a:pPr>
-                <a14:m>
-                  <m:oMathPara xmlns:m="http://schemas.openxmlformats.org/officeDocument/2006/math">
-                    <m:oMathParaPr>
-                      <m:jc m:val="centerGroup"/>
-                    </m:oMathParaPr>
-                    <m:oMath xmlns:m="http://schemas.openxmlformats.org/officeDocument/2006/math">
-                      <m:sSup>
-                        <m:sSupPr>
-                          <m:ctrlPr>
-                            <a:rPr lang="en-US" b="0" i="1" smtClean="0">
-                              <a:latin typeface="Cambria Math" panose="02040503050406030204" pitchFamily="18" charset="0"/>
-                            </a:rPr>
-                          </m:ctrlPr>
-                        </m:sSupPr>
-                        <m:e>
-                          <m:d>
-                            <m:dPr>
-                              <m:begChr m:val="|"/>
-                              <m:endChr m:val="|"/>
-                              <m:ctrlPr>
-                                <a:rPr lang="en-US" b="0" i="1" smtClean="0">
-                                  <a:latin typeface="Cambria Math" panose="02040503050406030204" pitchFamily="18" charset="0"/>
-                                </a:rPr>
-                              </m:ctrlPr>
-                            </m:dPr>
-                            <m:e>
-                              <m:r>
-                                <a:rPr lang="en-US" b="0" i="1" smtClean="0">
-                                  <a:latin typeface="Cambria Math" panose="02040503050406030204" pitchFamily="18" charset="0"/>
-                                </a:rPr>
-                                <m:t>𝑧</m:t>
-                              </m:r>
-                            </m:e>
-                          </m:d>
-                        </m:e>
-                        <m:sup>
-                          <m:r>
-                            <a:rPr lang="en-US" b="0" i="1" smtClean="0">
-                              <a:latin typeface="Cambria Math" panose="02040503050406030204" pitchFamily="18" charset="0"/>
-                            </a:rPr>
-                            <m:t>2</m:t>
-                          </m:r>
-                        </m:sup>
-                      </m:sSup>
-                      <m:r>
-                        <a:rPr lang="en-US" b="0" i="1" smtClean="0">
-                          <a:latin typeface="Cambria Math" panose="02040503050406030204" pitchFamily="18" charset="0"/>
-                        </a:rPr>
-                        <m:t>≥</m:t>
-                      </m:r>
-                      <m:r>
-                        <a:rPr lang="en-US" b="0" i="1" smtClean="0">
-                          <a:latin typeface="Cambria Math" panose="02040503050406030204" pitchFamily="18" charset="0"/>
-                        </a:rPr>
-                        <m:t>𝑡</m:t>
-                      </m:r>
-                      <m:r>
-                        <a:rPr lang="en-US" b="0" i="1" smtClean="0">
-                          <a:latin typeface="Cambria Math" panose="02040503050406030204" pitchFamily="18" charset="0"/>
-                        </a:rPr>
-                        <m:t>=−</m:t>
-                      </m:r>
-                      <m:sSub>
-                        <m:sSubPr>
-                          <m:ctrlPr>
-                            <a:rPr lang="en-US" i="1">
-                              <a:latin typeface="Cambria Math" panose="02040503050406030204" pitchFamily="18" charset="0"/>
-                            </a:rPr>
-                          </m:ctrlPr>
-                        </m:sSubPr>
-                        <m:e>
-                          <m:acc>
-                            <m:accPr>
-                              <m:chr m:val="̂"/>
-                              <m:ctrlPr>
-                                <a:rPr lang="en-US" i="1">
-                                  <a:latin typeface="Cambria Math" panose="02040503050406030204" pitchFamily="18" charset="0"/>
-                                </a:rPr>
-                              </m:ctrlPr>
-                            </m:accPr>
-                            <m:e>
-                              <m:r>
-                                <a:rPr lang="en-US" i="1">
-                                  <a:latin typeface="Cambria Math" panose="02040503050406030204" pitchFamily="18" charset="0"/>
-                                </a:rPr>
-                                <m:t>𝑁</m:t>
-                              </m:r>
-                            </m:e>
-                          </m:acc>
-                        </m:e>
-                        <m:sub>
-                          <m:r>
-                            <a:rPr lang="en-US" i="1">
-                              <a:latin typeface="Cambria Math" panose="02040503050406030204" pitchFamily="18" charset="0"/>
-                            </a:rPr>
-                            <m:t>0</m:t>
-                          </m:r>
-                        </m:sub>
-                      </m:sSub>
-                      <m:func>
-                        <m:funcPr>
-                          <m:ctrlPr>
-                            <a:rPr lang="en-US" b="0" i="1" smtClean="0">
-                              <a:latin typeface="Cambria Math" panose="02040503050406030204" pitchFamily="18" charset="0"/>
-                            </a:rPr>
-                          </m:ctrlPr>
-                        </m:funcPr>
-                        <m:fName>
-                          <m:r>
-                            <m:rPr>
-                              <m:sty m:val="p"/>
-                            </m:rPr>
-                            <a:rPr lang="en-US" b="0" i="0" smtClean="0">
-                              <a:latin typeface="Cambria Math" panose="02040503050406030204" pitchFamily="18" charset="0"/>
-                            </a:rPr>
-                            <m:t>ln</m:t>
-                          </m:r>
-                        </m:fName>
-                        <m:e>
-                          <m:sSubSup>
-                            <m:sSubSupPr>
-                              <m:ctrlPr>
-                                <a:rPr lang="en-US" b="0" i="1" smtClean="0">
-                                  <a:latin typeface="Cambria Math" panose="02040503050406030204" pitchFamily="18" charset="0"/>
-                                </a:rPr>
-                              </m:ctrlPr>
-                            </m:sSubSupPr>
-                            <m:e>
-                              <m:r>
-                                <a:rPr lang="en-US" b="0" i="1" smtClean="0">
-                                  <a:latin typeface="Cambria Math" panose="02040503050406030204" pitchFamily="18" charset="0"/>
-                                </a:rPr>
-                                <m:t>𝑃</m:t>
-                              </m:r>
-                            </m:e>
-                            <m:sub>
-                              <m:r>
-                                <a:rPr lang="en-US" b="0" i="1" smtClean="0">
-                                  <a:latin typeface="Cambria Math" panose="02040503050406030204" pitchFamily="18" charset="0"/>
-                                </a:rPr>
-                                <m:t>𝐹𝐴</m:t>
-                              </m:r>
-                            </m:sub>
-                            <m:sup>
-                              <m:r>
-                                <a:rPr lang="en-US" b="0" i="1" smtClean="0">
-                                  <a:latin typeface="Cambria Math" panose="02040503050406030204" pitchFamily="18" charset="0"/>
-                                </a:rPr>
-                                <m:t>𝑇𝐺𝑇</m:t>
-                              </m:r>
-                            </m:sup>
-                          </m:sSubSup>
-                        </m:e>
-                      </m:func>
-                      <m:r>
-                        <a:rPr lang="en-US" i="1">
-                          <a:latin typeface="Cambria Math" panose="02040503050406030204" pitchFamily="18" charset="0"/>
-                        </a:rPr>
-                        <m:t>=</m:t>
-                      </m:r>
-                      <m:sSup>
-                        <m:sSupPr>
-                          <m:ctrlPr>
-                            <a:rPr lang="en-US" b="1" i="1">
-                              <a:latin typeface="Cambria Math" panose="02040503050406030204" pitchFamily="18" charset="0"/>
-                            </a:rPr>
-                          </m:ctrlPr>
-                        </m:sSupPr>
-                        <m:e>
-                          <m:r>
-                            <a:rPr lang="en-US" b="0" i="1" smtClean="0">
-                              <a:latin typeface="Cambria Math" panose="02040503050406030204" pitchFamily="18" charset="0"/>
-                            </a:rPr>
-                            <m:t>𝑐</m:t>
-                          </m:r>
-                          <m:d>
-                            <m:dPr>
-                              <m:begChr m:val="‖"/>
-                              <m:endChr m:val="‖"/>
-                              <m:ctrlPr>
-                                <a:rPr lang="en-US" b="1" i="1">
-                                  <a:latin typeface="Cambria Math" panose="02040503050406030204" pitchFamily="18" charset="0"/>
-                                </a:rPr>
-                              </m:ctrlPr>
-                            </m:dPr>
-                            <m:e>
-                              <m:r>
-                                <a:rPr lang="en-US" b="1" i="1">
-                                  <a:latin typeface="Cambria Math" panose="02040503050406030204" pitchFamily="18" charset="0"/>
-                                </a:rPr>
-                                <m:t>𝒅</m:t>
-                              </m:r>
-                            </m:e>
-                          </m:d>
-                        </m:e>
-                        <m:sup>
-                          <m:r>
-                            <a:rPr lang="en-US" i="1">
-                              <a:latin typeface="Cambria Math" panose="02040503050406030204" pitchFamily="18" charset="0"/>
-                            </a:rPr>
-                            <m:t>2</m:t>
-                          </m:r>
-                        </m:sup>
-                      </m:sSup>
-                      <m:r>
-                        <a:rPr lang="en-US" b="1" i="1" smtClean="0">
-                          <a:latin typeface="Cambria Math" panose="02040503050406030204" pitchFamily="18" charset="0"/>
-                        </a:rPr>
-                        <m:t>,</m:t>
-                      </m:r>
-                    </m:oMath>
-                  </m:oMathPara>
-                </a14:m>
-                <a:endParaRPr lang="en-US" b="1" i="1" dirty="0">
-                  <a:latin typeface="Cambria Math" panose="02040503050406030204" pitchFamily="18" charset="0"/>
-                </a:endParaRPr>
-              </a:p>
-              <a:p>
-                <a:pPr lvl="1"/>
-                <a14:m>
-                  <m:oMath xmlns:m="http://schemas.openxmlformats.org/officeDocument/2006/math">
-                    <m:r>
-                      <a:rPr lang="en-US" b="0" i="1" smtClean="0">
-                        <a:latin typeface="Cambria Math" panose="02040503050406030204" pitchFamily="18" charset="0"/>
-                      </a:rPr>
-                      <m:t>𝑐</m:t>
-                    </m:r>
-                    <m:r>
-                      <a:rPr lang="en-US" b="0" i="1" smtClean="0">
-                        <a:latin typeface="Cambria Math" panose="02040503050406030204" pitchFamily="18" charset="0"/>
-                      </a:rPr>
-                      <m:t>=−</m:t>
-                    </m:r>
-                    <m:f>
-                      <m:fPr>
-                        <m:ctrlPr>
-                          <a:rPr lang="en-US" i="1">
-                            <a:latin typeface="Cambria Math" panose="02040503050406030204" pitchFamily="18" charset="0"/>
-                          </a:rPr>
-                        </m:ctrlPr>
-                      </m:fPr>
-                      <m:num>
-                        <m:func>
-                          <m:funcPr>
-                            <m:ctrlPr>
-                              <a:rPr lang="en-US" i="1">
-                                <a:latin typeface="Cambria Math" panose="02040503050406030204" pitchFamily="18" charset="0"/>
-                              </a:rPr>
-                            </m:ctrlPr>
-                          </m:funcPr>
-                          <m:fName>
-                            <m:r>
-                              <m:rPr>
-                                <m:sty m:val="p"/>
-                              </m:rPr>
-                              <a:rPr lang="en-US">
-                                <a:latin typeface="Cambria Math" panose="02040503050406030204" pitchFamily="18" charset="0"/>
-                              </a:rPr>
-                              <m:t>ln</m:t>
-                            </m:r>
-                          </m:fName>
-                          <m:e>
-                            <m:sSubSup>
-                              <m:sSubSupPr>
-                                <m:ctrlPr>
-                                  <a:rPr lang="en-US" i="1">
-                                    <a:latin typeface="Cambria Math" panose="02040503050406030204" pitchFamily="18" charset="0"/>
-                                  </a:rPr>
-                                </m:ctrlPr>
-                              </m:sSubSupPr>
-                              <m:e>
-                                <m:r>
-                                  <a:rPr lang="en-US" i="1">
-                                    <a:latin typeface="Cambria Math" panose="02040503050406030204" pitchFamily="18" charset="0"/>
-                                  </a:rPr>
-                                  <m:t>𝑃</m:t>
-                                </m:r>
-                              </m:e>
-                              <m:sub>
-                                <m:r>
-                                  <a:rPr lang="en-US" i="1">
-                                    <a:latin typeface="Cambria Math" panose="02040503050406030204" pitchFamily="18" charset="0"/>
-                                  </a:rPr>
-                                  <m:t>𝐹𝐴</m:t>
-                                </m:r>
-                              </m:sub>
-                              <m:sup>
-                                <m:r>
-                                  <a:rPr lang="en-US" i="1">
-                                    <a:latin typeface="Cambria Math" panose="02040503050406030204" pitchFamily="18" charset="0"/>
-                                  </a:rPr>
-                                  <m:t>𝑇𝐺𝑇</m:t>
-                                </m:r>
-                              </m:sup>
-                            </m:sSubSup>
-                          </m:e>
-                        </m:func>
-                      </m:num>
-                      <m:den>
-                        <m:r>
-                          <a:rPr lang="en-US" i="1">
-                            <a:latin typeface="Cambria Math" panose="02040503050406030204" pitchFamily="18" charset="0"/>
-                          </a:rPr>
-                          <m:t>𝑁</m:t>
-                        </m:r>
-                        <m:r>
-                          <a:rPr lang="en-US" i="1">
-                            <a:latin typeface="Cambria Math" panose="02040503050406030204" pitchFamily="18" charset="0"/>
-                          </a:rPr>
-                          <m:t>−1</m:t>
-                        </m:r>
-                      </m:den>
-                    </m:f>
-                  </m:oMath>
-                </a14:m>
-                <a:endParaRPr lang="en-US" dirty="0"/>
-              </a:p>
-              <a:p>
-                <a:pPr lvl="1"/>
-                <a:r>
-                  <a:rPr lang="en-US" dirty="0"/>
-                  <a:t>But </a:t>
-                </a:r>
-                <a14:m>
-                  <m:oMath xmlns:m="http://schemas.openxmlformats.org/officeDocument/2006/math">
-                    <m:sSup>
-                      <m:sSupPr>
-                        <m:ctrlPr>
-                          <a:rPr lang="en-US" b="1" i="1">
-                            <a:latin typeface="Cambria Math" panose="02040503050406030204" pitchFamily="18" charset="0"/>
-                          </a:rPr>
-                        </m:ctrlPr>
-                      </m:sSupPr>
-                      <m:e>
-                        <m:d>
-                          <m:dPr>
-                            <m:begChr m:val="‖"/>
-                            <m:endChr m:val="‖"/>
-                            <m:ctrlPr>
-                              <a:rPr lang="en-US" b="1" i="1">
-                                <a:latin typeface="Cambria Math" panose="02040503050406030204" pitchFamily="18" charset="0"/>
-                              </a:rPr>
-                            </m:ctrlPr>
-                          </m:dPr>
-                          <m:e>
-                            <m:r>
-                              <a:rPr lang="en-US" b="1" i="1">
-                                <a:latin typeface="Cambria Math" panose="02040503050406030204" pitchFamily="18" charset="0"/>
-                              </a:rPr>
-                              <m:t>𝒅</m:t>
-                            </m:r>
-                          </m:e>
-                        </m:d>
-                      </m:e>
-                      <m:sup>
-                        <m:r>
-                          <a:rPr lang="en-US" i="1">
-                            <a:latin typeface="Cambria Math" panose="02040503050406030204" pitchFamily="18" charset="0"/>
-                          </a:rPr>
-                          <m:t>2</m:t>
-                        </m:r>
-                      </m:sup>
-                    </m:sSup>
-                    <m:r>
-                      <a:rPr lang="en-US" b="1" i="1" smtClean="0">
-                        <a:latin typeface="Cambria Math" panose="02040503050406030204" pitchFamily="18" charset="0"/>
-                      </a:rPr>
-                      <m:t>=</m:t>
-                    </m:r>
-                    <m:sSup>
-                      <m:sSupPr>
-                        <m:ctrlPr>
-                          <a:rPr lang="en-US" b="1" i="1">
-                            <a:latin typeface="Cambria Math" panose="02040503050406030204" pitchFamily="18" charset="0"/>
-                          </a:rPr>
-                        </m:ctrlPr>
-                      </m:sSupPr>
-                      <m:e>
-                        <m:d>
-                          <m:dPr>
-                            <m:begChr m:val="‖"/>
-                            <m:endChr m:val="‖"/>
-                            <m:ctrlPr>
-                              <a:rPr lang="en-US" b="1" i="1">
-                                <a:latin typeface="Cambria Math" panose="02040503050406030204" pitchFamily="18" charset="0"/>
-                              </a:rPr>
-                            </m:ctrlPr>
-                          </m:dPr>
-                          <m:e>
-                            <m:r>
-                              <a:rPr lang="en-US" b="1" i="1" smtClean="0">
-                                <a:latin typeface="Cambria Math" panose="02040503050406030204" pitchFamily="18" charset="0"/>
-                              </a:rPr>
-                              <m:t>𝒓</m:t>
-                            </m:r>
-                          </m:e>
-                        </m:d>
-                      </m:e>
-                      <m:sup>
-                        <m:r>
-                          <a:rPr lang="en-US" i="1">
-                            <a:latin typeface="Cambria Math" panose="02040503050406030204" pitchFamily="18" charset="0"/>
-                          </a:rPr>
-                          <m:t>2</m:t>
-                        </m:r>
-                      </m:sup>
-                    </m:sSup>
-                    <m:r>
-                      <a:rPr lang="en-US" b="1" i="1" smtClean="0">
-                        <a:latin typeface="Cambria Math" panose="02040503050406030204" pitchFamily="18" charset="0"/>
-                      </a:rPr>
-                      <m:t>−</m:t>
-                    </m:r>
-                    <m:sSup>
-                      <m:sSupPr>
-                        <m:ctrlPr>
-                          <a:rPr lang="en-US" i="1" smtClean="0">
-                            <a:latin typeface="Cambria Math" panose="02040503050406030204" pitchFamily="18" charset="0"/>
-                          </a:rPr>
-                        </m:ctrlPr>
-                      </m:sSupPr>
-                      <m:e>
-                        <m:d>
-                          <m:dPr>
-                            <m:begChr m:val="|"/>
-                            <m:endChr m:val="|"/>
-                            <m:ctrlPr>
-                              <a:rPr lang="en-US" i="1" smtClean="0">
-                                <a:latin typeface="Cambria Math" panose="02040503050406030204" pitchFamily="18" charset="0"/>
-                              </a:rPr>
-                            </m:ctrlPr>
-                          </m:dPr>
-                          <m:e>
-                            <m:r>
-                              <a:rPr lang="en-US" b="0" i="1" smtClean="0">
-                                <a:latin typeface="Cambria Math" panose="02040503050406030204" pitchFamily="18" charset="0"/>
-                              </a:rPr>
-                              <m:t>𝑧</m:t>
-                            </m:r>
-                          </m:e>
-                        </m:d>
-                      </m:e>
-                      <m:sup>
-                        <m:r>
-                          <a:rPr lang="en-US" b="0" i="1" smtClean="0">
-                            <a:latin typeface="Cambria Math" panose="02040503050406030204" pitchFamily="18" charset="0"/>
-                          </a:rPr>
-                          <m:t>2</m:t>
-                        </m:r>
-                      </m:sup>
-                    </m:sSup>
-                  </m:oMath>
-                </a14:m>
-                <a:endParaRPr lang="en-US" dirty="0"/>
-              </a:p>
-              <a:p>
-                <a:pPr lvl="1"/>
-                <a:r>
-                  <a:rPr lang="en-US" dirty="0"/>
-                  <a:t>So test is equivalent to:</a:t>
-                </a:r>
-                <a:br>
-                  <a:rPr lang="en-US" dirty="0"/>
-                </a:br>
-                <a14:m>
-                  <m:oMath xmlns:m="http://schemas.openxmlformats.org/officeDocument/2006/math">
-                    <m:f>
-                      <m:fPr>
-                        <m:ctrlPr>
-                          <a:rPr lang="en-US" b="0" i="1" smtClean="0">
-                            <a:latin typeface="Cambria Math" panose="02040503050406030204" pitchFamily="18" charset="0"/>
-                          </a:rPr>
-                        </m:ctrlPr>
-                      </m:fPr>
-                      <m:num>
-                        <m:sSup>
-                          <m:sSupPr>
-                            <m:ctrlPr>
-                              <a:rPr lang="en-US" i="1">
-                                <a:latin typeface="Cambria Math" panose="02040503050406030204" pitchFamily="18" charset="0"/>
-                              </a:rPr>
-                            </m:ctrlPr>
-                          </m:sSupPr>
-                          <m:e>
-                            <m:d>
-                              <m:dPr>
-                                <m:begChr m:val="|"/>
-                                <m:endChr m:val="|"/>
-                                <m:ctrlPr>
-                                  <a:rPr lang="en-US" i="1">
-                                    <a:latin typeface="Cambria Math" panose="02040503050406030204" pitchFamily="18" charset="0"/>
-                                  </a:rPr>
-                                </m:ctrlPr>
-                              </m:dPr>
-                              <m:e>
-                                <m:r>
-                                  <a:rPr lang="en-US" i="1">
-                                    <a:latin typeface="Cambria Math" panose="02040503050406030204" pitchFamily="18" charset="0"/>
-                                  </a:rPr>
-                                  <m:t>𝑧</m:t>
-                                </m:r>
-                              </m:e>
-                            </m:d>
-                          </m:e>
-                          <m:sup>
-                            <m:r>
-                              <a:rPr lang="en-US" i="1">
-                                <a:latin typeface="Cambria Math" panose="02040503050406030204" pitchFamily="18" charset="0"/>
-                              </a:rPr>
-                              <m:t>2</m:t>
-                            </m:r>
-                          </m:sup>
-                        </m:sSup>
-                      </m:num>
-                      <m:den>
-                        <m:sSup>
-                          <m:sSupPr>
-                            <m:ctrlPr>
-                              <a:rPr lang="en-US" b="1" i="1">
-                                <a:latin typeface="Cambria Math" panose="02040503050406030204" pitchFamily="18" charset="0"/>
-                              </a:rPr>
-                            </m:ctrlPr>
-                          </m:sSupPr>
-                          <m:e>
-                            <m:d>
-                              <m:dPr>
-                                <m:begChr m:val="‖"/>
-                                <m:endChr m:val="‖"/>
-                                <m:ctrlPr>
-                                  <a:rPr lang="en-US" b="1" i="1">
-                                    <a:latin typeface="Cambria Math" panose="02040503050406030204" pitchFamily="18" charset="0"/>
-                                  </a:rPr>
-                                </m:ctrlPr>
-                              </m:dPr>
-                              <m:e>
-                                <m:r>
-                                  <a:rPr lang="en-US" b="1" i="1">
-                                    <a:latin typeface="Cambria Math" panose="02040503050406030204" pitchFamily="18" charset="0"/>
-                                  </a:rPr>
-                                  <m:t>𝒓</m:t>
-                                </m:r>
-                              </m:e>
-                            </m:d>
-                          </m:e>
-                          <m:sup>
-                            <m:r>
-                              <a:rPr lang="en-US" i="1">
-                                <a:latin typeface="Cambria Math" panose="02040503050406030204" pitchFamily="18" charset="0"/>
-                              </a:rPr>
-                              <m:t>2</m:t>
-                            </m:r>
-                          </m:sup>
-                        </m:sSup>
-                        <m:r>
-                          <a:rPr lang="en-US" b="1" i="1">
-                            <a:latin typeface="Cambria Math" panose="02040503050406030204" pitchFamily="18" charset="0"/>
-                          </a:rPr>
-                          <m:t>−</m:t>
-                        </m:r>
-                        <m:sSup>
-                          <m:sSupPr>
-                            <m:ctrlPr>
-                              <a:rPr lang="en-US" i="1">
-                                <a:latin typeface="Cambria Math" panose="02040503050406030204" pitchFamily="18" charset="0"/>
-                              </a:rPr>
-                            </m:ctrlPr>
-                          </m:sSupPr>
-                          <m:e>
-                            <m:d>
-                              <m:dPr>
-                                <m:begChr m:val="|"/>
-                                <m:endChr m:val="|"/>
-                                <m:ctrlPr>
-                                  <a:rPr lang="en-US" i="1">
-                                    <a:latin typeface="Cambria Math" panose="02040503050406030204" pitchFamily="18" charset="0"/>
-                                  </a:rPr>
-                                </m:ctrlPr>
-                              </m:dPr>
-                              <m:e>
-                                <m:r>
-                                  <a:rPr lang="en-US" i="1">
-                                    <a:latin typeface="Cambria Math" panose="02040503050406030204" pitchFamily="18" charset="0"/>
-                                  </a:rPr>
-                                  <m:t>𝑧</m:t>
-                                </m:r>
-                              </m:e>
-                            </m:d>
-                          </m:e>
-                          <m:sup>
-                            <m:r>
-                              <a:rPr lang="en-US" i="1">
-                                <a:latin typeface="Cambria Math" panose="02040503050406030204" pitchFamily="18" charset="0"/>
-                              </a:rPr>
-                              <m:t>2</m:t>
-                            </m:r>
-                          </m:sup>
-                        </m:sSup>
-                      </m:den>
-                    </m:f>
-                    <m:r>
-                      <a:rPr lang="en-US" b="0" i="1" smtClean="0">
-                        <a:latin typeface="Cambria Math" panose="02040503050406030204" pitchFamily="18" charset="0"/>
-                      </a:rPr>
-                      <m:t>≥</m:t>
-                    </m:r>
-                    <m:r>
-                      <a:rPr lang="en-US" b="0" i="1" smtClean="0">
-                        <a:latin typeface="Cambria Math" panose="02040503050406030204" pitchFamily="18" charset="0"/>
-                      </a:rPr>
-                      <m:t>𝑐</m:t>
-                    </m:r>
-                    <m:r>
-                      <a:rPr lang="en-US" b="0" i="1" smtClean="0">
-                        <a:latin typeface="Cambria Math" panose="02040503050406030204" pitchFamily="18" charset="0"/>
-                      </a:rPr>
-                      <m:t>⇔</m:t>
-                    </m:r>
-                    <m:r>
-                      <a:rPr lang="en-US" b="0" i="1" smtClean="0">
-                        <a:latin typeface="Cambria Math" panose="02040503050406030204" pitchFamily="18" charset="0"/>
-                      </a:rPr>
-                      <m:t>𝜌</m:t>
-                    </m:r>
-                    <m:r>
-                      <a:rPr lang="en-US" b="0" i="1" smtClean="0">
-                        <a:latin typeface="Cambria Math" panose="02040503050406030204" pitchFamily="18" charset="0"/>
-                      </a:rPr>
-                      <m:t>=</m:t>
-                    </m:r>
-                    <m:f>
-                      <m:fPr>
-                        <m:ctrlPr>
-                          <a:rPr lang="en-US" i="1">
-                            <a:latin typeface="Cambria Math" panose="02040503050406030204" pitchFamily="18" charset="0"/>
-                          </a:rPr>
-                        </m:ctrlPr>
-                      </m:fPr>
-                      <m:num>
-                        <m:sSup>
-                          <m:sSupPr>
-                            <m:ctrlPr>
-                              <a:rPr lang="en-US" i="1">
-                                <a:latin typeface="Cambria Math" panose="02040503050406030204" pitchFamily="18" charset="0"/>
-                              </a:rPr>
-                            </m:ctrlPr>
-                          </m:sSupPr>
-                          <m:e>
-                            <m:d>
-                              <m:dPr>
-                                <m:begChr m:val="|"/>
-                                <m:endChr m:val="|"/>
-                                <m:ctrlPr>
-                                  <a:rPr lang="en-US" i="1">
-                                    <a:latin typeface="Cambria Math" panose="02040503050406030204" pitchFamily="18" charset="0"/>
-                                  </a:rPr>
-                                </m:ctrlPr>
-                              </m:dPr>
-                              <m:e>
-                                <m:r>
-                                  <a:rPr lang="en-US" i="1">
-                                    <a:latin typeface="Cambria Math" panose="02040503050406030204" pitchFamily="18" charset="0"/>
-                                  </a:rPr>
-                                  <m:t>𝑧</m:t>
-                                </m:r>
-                              </m:e>
-                            </m:d>
-                          </m:e>
-                          <m:sup>
-                            <m:r>
-                              <a:rPr lang="en-US" i="1">
-                                <a:latin typeface="Cambria Math" panose="02040503050406030204" pitchFamily="18" charset="0"/>
-                              </a:rPr>
-                              <m:t>2</m:t>
-                            </m:r>
-                          </m:sup>
-                        </m:sSup>
-                      </m:num>
-                      <m:den>
-                        <m:sSup>
-                          <m:sSupPr>
-                            <m:ctrlPr>
-                              <a:rPr lang="en-US" b="1" i="1">
-                                <a:latin typeface="Cambria Math" panose="02040503050406030204" pitchFamily="18" charset="0"/>
-                              </a:rPr>
-                            </m:ctrlPr>
-                          </m:sSupPr>
-                          <m:e>
-                            <m:d>
-                              <m:dPr>
-                                <m:begChr m:val="‖"/>
-                                <m:endChr m:val="‖"/>
-                                <m:ctrlPr>
-                                  <a:rPr lang="en-US" b="1" i="1">
-                                    <a:latin typeface="Cambria Math" panose="02040503050406030204" pitchFamily="18" charset="0"/>
-                                  </a:rPr>
-                                </m:ctrlPr>
-                              </m:dPr>
-                              <m:e>
-                                <m:r>
-                                  <a:rPr lang="en-US" b="1" i="1">
-                                    <a:latin typeface="Cambria Math" panose="02040503050406030204" pitchFamily="18" charset="0"/>
-                                  </a:rPr>
-                                  <m:t>𝒓</m:t>
-                                </m:r>
-                              </m:e>
-                            </m:d>
-                          </m:e>
-                          <m:sup>
-                            <m:r>
-                              <a:rPr lang="en-US" i="1">
-                                <a:latin typeface="Cambria Math" panose="02040503050406030204" pitchFamily="18" charset="0"/>
-                              </a:rPr>
-                              <m:t>2</m:t>
-                            </m:r>
-                          </m:sup>
-                        </m:sSup>
-                      </m:den>
-                    </m:f>
-                    <m:r>
-                      <a:rPr lang="en-US" b="0" i="1" smtClean="0">
-                        <a:latin typeface="Cambria Math" panose="02040503050406030204" pitchFamily="18" charset="0"/>
-                      </a:rPr>
-                      <m:t>≥</m:t>
-                    </m:r>
-                    <m:f>
-                      <m:fPr>
-                        <m:ctrlPr>
-                          <a:rPr lang="en-US" b="0" i="1" smtClean="0">
-                            <a:latin typeface="Cambria Math" panose="02040503050406030204" pitchFamily="18" charset="0"/>
-                          </a:rPr>
-                        </m:ctrlPr>
-                      </m:fPr>
-                      <m:num>
-                        <m:r>
-                          <a:rPr lang="en-US" b="0" i="1" smtClean="0">
-                            <a:latin typeface="Cambria Math" panose="02040503050406030204" pitchFamily="18" charset="0"/>
-                          </a:rPr>
-                          <m:t>𝑐</m:t>
-                        </m:r>
-                      </m:num>
-                      <m:den>
-                        <m:r>
-                          <a:rPr lang="en-US" b="0" i="1" smtClean="0">
-                            <a:latin typeface="Cambria Math" panose="02040503050406030204" pitchFamily="18" charset="0"/>
-                          </a:rPr>
-                          <m:t>1+</m:t>
-                        </m:r>
-                        <m:r>
-                          <a:rPr lang="en-US" b="0" i="1" smtClean="0">
-                            <a:latin typeface="Cambria Math" panose="02040503050406030204" pitchFamily="18" charset="0"/>
-                          </a:rPr>
-                          <m:t>𝑐</m:t>
-                        </m:r>
-                      </m:den>
-                    </m:f>
-                    <m:r>
-                      <a:rPr lang="en-US" b="0" i="1" smtClean="0">
-                        <a:latin typeface="Cambria Math" panose="02040503050406030204" pitchFamily="18" charset="0"/>
-                      </a:rPr>
-                      <m:t>=</m:t>
-                    </m:r>
-                    <m:r>
-                      <a:rPr lang="en-US" b="0" i="1" smtClean="0">
-                        <a:latin typeface="Cambria Math" panose="02040503050406030204" pitchFamily="18" charset="0"/>
-                      </a:rPr>
-                      <m:t>𝛾</m:t>
-                    </m:r>
-                  </m:oMath>
-                </a14:m>
-                <a:endParaRPr lang="en-US" dirty="0"/>
-              </a:p>
-              <a:p>
-                <a:pPr lvl="1"/>
-                <a:r>
-                  <a:rPr lang="en-US" dirty="0"/>
-                  <a:t>Note </a:t>
-                </a:r>
-                <a14:m>
-                  <m:oMath xmlns:m="http://schemas.openxmlformats.org/officeDocument/2006/math">
-                    <m:r>
-                      <a:rPr lang="en-US" b="0" i="1" smtClean="0">
-                        <a:latin typeface="Cambria Math" panose="02040503050406030204" pitchFamily="18" charset="0"/>
-                      </a:rPr>
-                      <m:t>𝜌</m:t>
-                    </m:r>
-                    <m:r>
-                      <a:rPr lang="en-US" b="0" i="1" smtClean="0">
-                        <a:latin typeface="Cambria Math" panose="02040503050406030204" pitchFamily="18" charset="0"/>
-                      </a:rPr>
-                      <m:t>=</m:t>
-                    </m:r>
-                    <m:f>
-                      <m:fPr>
-                        <m:ctrlPr>
-                          <a:rPr lang="en-US" i="1">
-                            <a:latin typeface="Cambria Math" panose="02040503050406030204" pitchFamily="18" charset="0"/>
-                          </a:rPr>
-                        </m:ctrlPr>
-                      </m:fPr>
-                      <m:num>
-                        <m:sSup>
-                          <m:sSupPr>
-                            <m:ctrlPr>
-                              <a:rPr lang="en-US" i="1">
-                                <a:latin typeface="Cambria Math" panose="02040503050406030204" pitchFamily="18" charset="0"/>
-                              </a:rPr>
-                            </m:ctrlPr>
-                          </m:sSupPr>
-                          <m:e>
-                            <m:d>
-                              <m:dPr>
-                                <m:begChr m:val="|"/>
-                                <m:endChr m:val="|"/>
-                                <m:ctrlPr>
-                                  <a:rPr lang="en-US" i="1">
-                                    <a:latin typeface="Cambria Math" panose="02040503050406030204" pitchFamily="18" charset="0"/>
-                                  </a:rPr>
-                                </m:ctrlPr>
-                              </m:dPr>
-                              <m:e>
-                                <m:r>
-                                  <a:rPr lang="en-US" i="1">
-                                    <a:latin typeface="Cambria Math" panose="02040503050406030204" pitchFamily="18" charset="0"/>
-                                  </a:rPr>
-                                  <m:t>𝑧</m:t>
-                                </m:r>
-                              </m:e>
-                            </m:d>
-                          </m:e>
-                          <m:sup>
-                            <m:r>
-                              <a:rPr lang="en-US" i="1">
-                                <a:latin typeface="Cambria Math" panose="02040503050406030204" pitchFamily="18" charset="0"/>
-                              </a:rPr>
-                              <m:t>2</m:t>
-                            </m:r>
-                          </m:sup>
-                        </m:sSup>
-                      </m:num>
-                      <m:den>
-                        <m:sSup>
-                          <m:sSupPr>
-                            <m:ctrlPr>
-                              <a:rPr lang="en-US" b="1" i="1">
-                                <a:latin typeface="Cambria Math" panose="02040503050406030204" pitchFamily="18" charset="0"/>
-                              </a:rPr>
-                            </m:ctrlPr>
-                          </m:sSupPr>
-                          <m:e>
-                            <m:d>
-                              <m:dPr>
-                                <m:begChr m:val="‖"/>
-                                <m:endChr m:val="‖"/>
-                                <m:ctrlPr>
-                                  <a:rPr lang="en-US" b="1" i="1">
-                                    <a:latin typeface="Cambria Math" panose="02040503050406030204" pitchFamily="18" charset="0"/>
-                                  </a:rPr>
-                                </m:ctrlPr>
-                              </m:dPr>
-                              <m:e>
-                                <m:r>
-                                  <a:rPr lang="en-US" b="1" i="1">
-                                    <a:latin typeface="Cambria Math" panose="02040503050406030204" pitchFamily="18" charset="0"/>
-                                  </a:rPr>
-                                  <m:t>𝒓</m:t>
-                                </m:r>
-                              </m:e>
-                            </m:d>
-                          </m:e>
-                          <m:sup>
-                            <m:r>
-                              <a:rPr lang="en-US" i="1">
-                                <a:latin typeface="Cambria Math" panose="02040503050406030204" pitchFamily="18" charset="0"/>
-                              </a:rPr>
-                              <m:t>2</m:t>
-                            </m:r>
-                          </m:sup>
-                        </m:sSup>
-                      </m:den>
-                    </m:f>
-                    <m:r>
-                      <a:rPr lang="en-US" b="1" i="1" smtClean="0">
-                        <a:latin typeface="Cambria Math" panose="02040503050406030204" pitchFamily="18" charset="0"/>
-                      </a:rPr>
-                      <m:t>=</m:t>
-                    </m:r>
-                    <m:f>
-                      <m:fPr>
-                        <m:ctrlPr>
-                          <a:rPr lang="en-US" i="1">
-                            <a:latin typeface="Cambria Math" panose="02040503050406030204" pitchFamily="18" charset="0"/>
-                          </a:rPr>
-                        </m:ctrlPr>
-                      </m:fPr>
-                      <m:num>
-                        <m:sSup>
-                          <m:sSupPr>
-                            <m:ctrlPr>
-                              <a:rPr lang="en-US" i="1">
-                                <a:latin typeface="Cambria Math" panose="02040503050406030204" pitchFamily="18" charset="0"/>
-                              </a:rPr>
-                            </m:ctrlPr>
-                          </m:sSupPr>
-                          <m:e>
-                            <m:d>
-                              <m:dPr>
-                                <m:begChr m:val="|"/>
-                                <m:endChr m:val="|"/>
-                                <m:ctrlPr>
-                                  <a:rPr lang="en-US" i="1">
-                                    <a:latin typeface="Cambria Math" panose="02040503050406030204" pitchFamily="18" charset="0"/>
-                                  </a:rPr>
-                                </m:ctrlPr>
-                              </m:dPr>
-                              <m:e>
-                                <m:sSup>
-                                  <m:sSupPr>
-                                    <m:ctrlPr>
-                                      <a:rPr lang="en-US" b="1" i="1" smtClean="0">
-                                        <a:latin typeface="Cambria Math" panose="02040503050406030204" pitchFamily="18" charset="0"/>
-                                      </a:rPr>
-                                    </m:ctrlPr>
-                                  </m:sSupPr>
-                                  <m:e>
-                                    <m:r>
-                                      <a:rPr lang="en-US" b="1" i="1" smtClean="0">
-                                        <a:latin typeface="Cambria Math" panose="02040503050406030204" pitchFamily="18" charset="0"/>
-                                      </a:rPr>
-                                      <m:t>𝒙</m:t>
-                                    </m:r>
-                                  </m:e>
-                                  <m:sup>
-                                    <m:r>
-                                      <a:rPr lang="en-US" b="1" i="1" smtClean="0">
-                                        <a:latin typeface="Cambria Math" panose="02040503050406030204" pitchFamily="18" charset="0"/>
-                                      </a:rPr>
-                                      <m:t>∗</m:t>
-                                    </m:r>
-                                  </m:sup>
-                                </m:sSup>
-                                <m:r>
-                                  <a:rPr lang="en-US" b="1" i="1" smtClean="0">
-                                    <a:latin typeface="Cambria Math" panose="02040503050406030204" pitchFamily="18" charset="0"/>
-                                  </a:rPr>
-                                  <m:t>𝒓</m:t>
-                                </m:r>
-                              </m:e>
-                            </m:d>
-                          </m:e>
-                          <m:sup>
-                            <m:r>
-                              <a:rPr lang="en-US" i="1">
-                                <a:latin typeface="Cambria Math" panose="02040503050406030204" pitchFamily="18" charset="0"/>
-                              </a:rPr>
-                              <m:t>2</m:t>
-                            </m:r>
-                          </m:sup>
-                        </m:sSup>
-                      </m:num>
-                      <m:den>
-                        <m:sSup>
-                          <m:sSupPr>
-                            <m:ctrlPr>
-                              <a:rPr lang="en-US" b="1" i="1">
-                                <a:latin typeface="Cambria Math" panose="02040503050406030204" pitchFamily="18" charset="0"/>
-                              </a:rPr>
-                            </m:ctrlPr>
-                          </m:sSupPr>
-                          <m:e>
-                            <m:d>
-                              <m:dPr>
-                                <m:begChr m:val="‖"/>
-                                <m:endChr m:val="‖"/>
-                                <m:ctrlPr>
-                                  <a:rPr lang="en-US" b="1" i="1">
-                                    <a:latin typeface="Cambria Math" panose="02040503050406030204" pitchFamily="18" charset="0"/>
-                                  </a:rPr>
-                                </m:ctrlPr>
-                              </m:dPr>
-                              <m:e>
-                                <m:r>
-                                  <a:rPr lang="en-US" b="1" i="1">
-                                    <a:latin typeface="Cambria Math" panose="02040503050406030204" pitchFamily="18" charset="0"/>
-                                  </a:rPr>
-                                  <m:t>𝒓</m:t>
-                                </m:r>
-                              </m:e>
-                            </m:d>
-                          </m:e>
-                          <m:sup>
-                            <m:r>
-                              <a:rPr lang="en-US" i="1">
-                                <a:latin typeface="Cambria Math" panose="02040503050406030204" pitchFamily="18" charset="0"/>
-                              </a:rPr>
-                              <m:t>2</m:t>
-                            </m:r>
-                          </m:sup>
-                        </m:sSup>
-                        <m:sSup>
-                          <m:sSupPr>
-                            <m:ctrlPr>
-                              <a:rPr lang="en-US" b="1" i="1">
-                                <a:latin typeface="Cambria Math" panose="02040503050406030204" pitchFamily="18" charset="0"/>
-                              </a:rPr>
-                            </m:ctrlPr>
-                          </m:sSupPr>
-                          <m:e>
-                            <m:d>
-                              <m:dPr>
-                                <m:begChr m:val="‖"/>
-                                <m:endChr m:val="‖"/>
-                                <m:ctrlPr>
-                                  <a:rPr lang="en-US" b="1" i="1">
-                                    <a:latin typeface="Cambria Math" panose="02040503050406030204" pitchFamily="18" charset="0"/>
-                                  </a:rPr>
-                                </m:ctrlPr>
-                              </m:dPr>
-                              <m:e>
-                                <m:r>
-                                  <a:rPr lang="en-US" b="1" i="1" smtClean="0">
-                                    <a:latin typeface="Cambria Math" panose="02040503050406030204" pitchFamily="18" charset="0"/>
-                                  </a:rPr>
-                                  <m:t>𝒙</m:t>
-                                </m:r>
-                              </m:e>
-                            </m:d>
-                          </m:e>
-                          <m:sup>
-                            <m:r>
-                              <a:rPr lang="en-US" i="1">
-                                <a:latin typeface="Cambria Math" panose="02040503050406030204" pitchFamily="18" charset="0"/>
-                              </a:rPr>
-                              <m:t>2</m:t>
-                            </m:r>
-                          </m:sup>
-                        </m:sSup>
-                      </m:den>
-                    </m:f>
-                    <m:r>
-                      <a:rPr lang="en-US" b="1" i="1" smtClean="0">
-                        <a:latin typeface="Cambria Math" panose="02040503050406030204" pitchFamily="18" charset="0"/>
-                      </a:rPr>
-                      <m:t>=</m:t>
-                    </m:r>
-                  </m:oMath>
-                </a14:m>
-                <a:r>
-                  <a:rPr lang="en-US" dirty="0"/>
-                  <a:t>fraction of energy in direction </a:t>
-                </a:r>
-                <a14:m>
-                  <m:oMath xmlns:m="http://schemas.openxmlformats.org/officeDocument/2006/math">
-                    <m:r>
-                      <a:rPr lang="en-US" b="1" i="1" smtClean="0">
-                        <a:latin typeface="Cambria Math" panose="02040503050406030204" pitchFamily="18" charset="0"/>
-                      </a:rPr>
-                      <m:t>𝒙</m:t>
-                    </m:r>
-                  </m:oMath>
-                </a14:m>
-                <a:endParaRPr lang="en-US" b="1" dirty="0"/>
-              </a:p>
-              <a:p>
-                <a:r>
-                  <a:rPr lang="en-US" dirty="0"/>
-                  <a:t>Conclusion:  With noise estimation MF is equivalent to </a:t>
-                </a:r>
-                <a:br>
-                  <a:rPr lang="en-US" dirty="0"/>
-                </a:br>
-                <a:endParaRPr lang="en-US" dirty="0"/>
-              </a:p>
-              <a:p>
-                <a:pPr lvl="1"/>
-                <a:endParaRPr lang="en-US" dirty="0"/>
-              </a:p>
-              <a:p>
-                <a:pPr lvl="1"/>
-                <a:endParaRPr lang="en-US" dirty="0"/>
-              </a:p>
-            </p:txBody>
-          </p:sp>
-        </mc:Choice>
-        <mc:Fallback xmlns="">
-          <p:sp>
-            <p:nvSpPr>
-              <p:cNvPr id="3" name="Content Placeholder 2">
-                <a:extLst>
-                  <a:ext uri="{FF2B5EF4-FFF2-40B4-BE49-F238E27FC236}">
-                    <a16:creationId xmlns:a16="http://schemas.microsoft.com/office/drawing/2014/main" id="{46641482-A5A4-4071-A2B2-589525A68542}"/>
-                  </a:ext>
-                </a:extLst>
-              </p:cNvPr>
-              <p:cNvSpPr>
-                <a:spLocks noGrp="1" noRot="1" noChangeAspect="1" noMove="1" noResize="1" noEditPoints="1" noAdjustHandles="1" noChangeArrowheads="1" noChangeShapeType="1" noTextEdit="1"/>
-              </p:cNvSpPr>
-              <p:nvPr>
-                <p:ph idx="1"/>
-              </p:nvPr>
-            </p:nvSpPr>
-            <p:spPr>
-              <a:xfrm>
-                <a:off x="1097279" y="1539279"/>
-                <a:ext cx="6568521" cy="4329817"/>
-              </a:xfrm>
-              <a:blipFill>
-                <a:blip r:embed="rId8"/>
-                <a:stretch>
-                  <a:fillRect l="-2226" t="-1549"/>
                 </a:stretch>
               </a:blipFill>
             </p:spPr>
@@ -25473,6 +23480,2148 @@
                 <a:avLst/>
               </a:prstGeom>
               <a:blipFill>
+                <a:blip r:embed="rId7"/>
+                <a:stretch>
+                  <a:fillRect r="-1887"/>
+                </a:stretch>
+              </a:blipFill>
+            </p:spPr>
+            <p:txBody>
+              <a:bodyPr/>
+              <a:lstStyle/>
+              <a:p>
+                <a:r>
+                  <a:rPr lang="en-US">
+                    <a:noFill/>
+                  </a:rPr>
+                  <a:t> </a:t>
+                </a:r>
+              </a:p>
+            </p:txBody>
+          </p:sp>
+        </mc:Fallback>
+      </mc:AlternateContent>
+    </p:spTree>
+    <p:extLst>
+      <p:ext uri="{BB962C8B-B14F-4D97-AF65-F5344CB8AC3E}">
+        <p14:creationId xmlns:p14="http://schemas.microsoft.com/office/powerpoint/2010/main" val="2552192492"/>
+      </p:ext>
+    </p:extLst>
+  </p:cSld>
+  <p:clrMapOvr>
+    <a:masterClrMapping/>
+  </p:clrMapOvr>
+</p:sld>
+</file>
+
+<file path=ppt/slides/slide32.xml><?xml version="1.0" encoding="utf-8"?>
+<p:sld xmlns:a="http://schemas.openxmlformats.org/drawingml/2006/main" xmlns:r="http://schemas.openxmlformats.org/officeDocument/2006/relationships" xmlns:p="http://schemas.openxmlformats.org/presentationml/2006/main">
+  <p:cSld>
+    <p:spTree>
+      <p:nvGrpSpPr>
+        <p:cNvPr id="1" name=""/>
+        <p:cNvGrpSpPr/>
+        <p:nvPr/>
+      </p:nvGrpSpPr>
+      <p:grpSpPr>
+        <a:xfrm>
+          <a:off x="0" y="0"/>
+          <a:ext cx="0" cy="0"/>
+          <a:chOff x="0" y="0"/>
+          <a:chExt cx="0" cy="0"/>
+        </a:xfrm>
+      </p:grpSpPr>
+      <p:sp>
+        <p:nvSpPr>
+          <p:cNvPr id="2" name="Title 1">
+            <a:extLst>
+              <a:ext uri="{FF2B5EF4-FFF2-40B4-BE49-F238E27FC236}">
+                <a16:creationId xmlns:a16="http://schemas.microsoft.com/office/drawing/2014/main" id="{0E6DC8D0-3B1E-409B-995C-4BB7D2ABDC37}"/>
+              </a:ext>
+            </a:extLst>
+          </p:cNvPr>
+          <p:cNvSpPr>
+            <a:spLocks noGrp="1"/>
+          </p:cNvSpPr>
+          <p:nvPr>
+            <p:ph type="title"/>
+          </p:nvPr>
+        </p:nvSpPr>
+        <p:spPr/>
+        <p:txBody>
+          <a:bodyPr/>
+          <a:lstStyle/>
+          <a:p>
+            <a:r>
+              <a:rPr lang="en-US" dirty="0"/>
+              <a:t>Noise Estimation 2</a:t>
+            </a:r>
+          </a:p>
+        </p:txBody>
+      </p:sp>
+      <mc:AlternateContent xmlns:mc="http://schemas.openxmlformats.org/markup-compatibility/2006" xmlns:a14="http://schemas.microsoft.com/office/drawing/2010/main">
+        <mc:Choice Requires="a14">
+          <p:sp>
+            <p:nvSpPr>
+              <p:cNvPr id="3" name="Content Placeholder 2">
+                <a:extLst>
+                  <a:ext uri="{FF2B5EF4-FFF2-40B4-BE49-F238E27FC236}">
+                    <a16:creationId xmlns:a16="http://schemas.microsoft.com/office/drawing/2014/main" id="{46641482-A5A4-4071-A2B2-589525A68542}"/>
+                  </a:ext>
+                </a:extLst>
+              </p:cNvPr>
+              <p:cNvSpPr>
+                <a:spLocks noGrp="1"/>
+              </p:cNvSpPr>
+              <p:nvPr>
+                <p:ph idx="1"/>
+              </p:nvPr>
+            </p:nvSpPr>
+            <p:spPr>
+              <a:xfrm>
+                <a:off x="1097279" y="1539279"/>
+                <a:ext cx="6568521" cy="4329817"/>
+              </a:xfrm>
+            </p:spPr>
+            <p:txBody>
+              <a:bodyPr/>
+              <a:lstStyle/>
+              <a:p>
+                <a:r>
+                  <a:rPr lang="en-US" dirty="0"/>
+                  <a:t>Use threshold with estimate noise </a:t>
+                </a:r>
+                <a14:m>
+                  <m:oMath xmlns:m="http://schemas.openxmlformats.org/officeDocument/2006/math">
+                    <m:r>
+                      <a:rPr lang="en-US" b="0" i="1" smtClean="0">
+                        <a:latin typeface="Cambria Math" panose="02040503050406030204" pitchFamily="18" charset="0"/>
+                      </a:rPr>
+                      <m:t>𝑡</m:t>
+                    </m:r>
+                    <m:r>
+                      <a:rPr lang="en-US" b="0" i="1" smtClean="0">
+                        <a:latin typeface="Cambria Math" panose="02040503050406030204" pitchFamily="18" charset="0"/>
+                      </a:rPr>
+                      <m:t>=−</m:t>
+                    </m:r>
+                    <m:sSub>
+                      <m:sSubPr>
+                        <m:ctrlPr>
+                          <a:rPr lang="en-US" i="1">
+                            <a:latin typeface="Cambria Math" panose="02040503050406030204" pitchFamily="18" charset="0"/>
+                          </a:rPr>
+                        </m:ctrlPr>
+                      </m:sSubPr>
+                      <m:e>
+                        <m:acc>
+                          <m:accPr>
+                            <m:chr m:val="̂"/>
+                            <m:ctrlPr>
+                              <a:rPr lang="en-US" i="1">
+                                <a:latin typeface="Cambria Math" panose="02040503050406030204" pitchFamily="18" charset="0"/>
+                              </a:rPr>
+                            </m:ctrlPr>
+                          </m:accPr>
+                          <m:e>
+                            <m:r>
+                              <a:rPr lang="en-US" i="1">
+                                <a:latin typeface="Cambria Math" panose="02040503050406030204" pitchFamily="18" charset="0"/>
+                              </a:rPr>
+                              <m:t>𝑁</m:t>
+                            </m:r>
+                          </m:e>
+                        </m:acc>
+                      </m:e>
+                      <m:sub>
+                        <m:r>
+                          <a:rPr lang="en-US" i="1">
+                            <a:latin typeface="Cambria Math" panose="02040503050406030204" pitchFamily="18" charset="0"/>
+                          </a:rPr>
+                          <m:t>0</m:t>
+                        </m:r>
+                      </m:sub>
+                    </m:sSub>
+                    <m:func>
+                      <m:funcPr>
+                        <m:ctrlPr>
+                          <a:rPr lang="en-US" b="0" i="1" smtClean="0">
+                            <a:latin typeface="Cambria Math" panose="02040503050406030204" pitchFamily="18" charset="0"/>
+                          </a:rPr>
+                        </m:ctrlPr>
+                      </m:funcPr>
+                      <m:fName>
+                        <m:r>
+                          <m:rPr>
+                            <m:sty m:val="p"/>
+                          </m:rPr>
+                          <a:rPr lang="en-US" b="0" i="0" smtClean="0">
+                            <a:latin typeface="Cambria Math" panose="02040503050406030204" pitchFamily="18" charset="0"/>
+                          </a:rPr>
+                          <m:t>ln</m:t>
+                        </m:r>
+                      </m:fName>
+                      <m:e>
+                        <m:sSubSup>
+                          <m:sSubSupPr>
+                            <m:ctrlPr>
+                              <a:rPr lang="en-US" b="0" i="1" smtClean="0">
+                                <a:latin typeface="Cambria Math" panose="02040503050406030204" pitchFamily="18" charset="0"/>
+                              </a:rPr>
+                            </m:ctrlPr>
+                          </m:sSubSupPr>
+                          <m:e>
+                            <m:r>
+                              <a:rPr lang="en-US" b="0" i="1" smtClean="0">
+                                <a:latin typeface="Cambria Math" panose="02040503050406030204" pitchFamily="18" charset="0"/>
+                              </a:rPr>
+                              <m:t>𝑃</m:t>
+                            </m:r>
+                          </m:e>
+                          <m:sub>
+                            <m:r>
+                              <a:rPr lang="en-US" b="0" i="1" smtClean="0">
+                                <a:latin typeface="Cambria Math" panose="02040503050406030204" pitchFamily="18" charset="0"/>
+                              </a:rPr>
+                              <m:t>𝐹𝐴</m:t>
+                            </m:r>
+                          </m:sub>
+                          <m:sup>
+                            <m:r>
+                              <a:rPr lang="en-US" b="0" i="1" smtClean="0">
+                                <a:latin typeface="Cambria Math" panose="02040503050406030204" pitchFamily="18" charset="0"/>
+                              </a:rPr>
+                              <m:t>𝑇𝐺𝑇</m:t>
+                            </m:r>
+                          </m:sup>
+                        </m:sSubSup>
+                      </m:e>
+                    </m:func>
+                  </m:oMath>
+                </a14:m>
+                <a:endParaRPr lang="en-US" dirty="0"/>
+              </a:p>
+              <a:p>
+                <a:r>
+                  <a:rPr lang="en-US" dirty="0"/>
+                  <a:t>Detector takes </a:t>
+                </a:r>
+                <a14:m>
+                  <m:oMath xmlns:m="http://schemas.openxmlformats.org/officeDocument/2006/math">
+                    <m:acc>
+                      <m:accPr>
+                        <m:chr m:val="̂"/>
+                        <m:ctrlPr>
+                          <a:rPr lang="en-US" i="1" smtClean="0">
+                            <a:latin typeface="Cambria Math" panose="02040503050406030204" pitchFamily="18" charset="0"/>
+                          </a:rPr>
+                        </m:ctrlPr>
+                      </m:accPr>
+                      <m:e>
+                        <m:r>
+                          <a:rPr lang="en-US" b="0" i="1" smtClean="0">
+                            <a:latin typeface="Cambria Math" panose="02040503050406030204" pitchFamily="18" charset="0"/>
+                          </a:rPr>
+                          <m:t>𝐻</m:t>
+                        </m:r>
+                      </m:e>
+                    </m:acc>
+                    <m:r>
+                      <a:rPr lang="en-US" b="0" i="1" smtClean="0">
+                        <a:latin typeface="Cambria Math" panose="02040503050406030204" pitchFamily="18" charset="0"/>
+                      </a:rPr>
+                      <m:t>=1</m:t>
+                    </m:r>
+                  </m:oMath>
+                </a14:m>
+                <a:r>
+                  <a:rPr lang="en-US" dirty="0"/>
+                  <a:t> if </a:t>
+                </a:r>
+              </a:p>
+              <a:p>
+                <a:pPr marL="201168" lvl="1" indent="0">
+                  <a:buNone/>
+                </a:pPr>
+                <a14:m>
+                  <m:oMathPara xmlns:m="http://schemas.openxmlformats.org/officeDocument/2006/math">
+                    <m:oMathParaPr>
+                      <m:jc m:val="centerGroup"/>
+                    </m:oMathParaPr>
+                    <m:oMath xmlns:m="http://schemas.openxmlformats.org/officeDocument/2006/math">
+                      <m:sSup>
+                        <m:sSupPr>
+                          <m:ctrlPr>
+                            <a:rPr lang="en-US" b="0" i="1" smtClean="0">
+                              <a:latin typeface="Cambria Math" panose="02040503050406030204" pitchFamily="18" charset="0"/>
+                            </a:rPr>
+                          </m:ctrlPr>
+                        </m:sSupPr>
+                        <m:e>
+                          <m:d>
+                            <m:dPr>
+                              <m:begChr m:val="|"/>
+                              <m:endChr m:val="|"/>
+                              <m:ctrlPr>
+                                <a:rPr lang="en-US" b="0" i="1" smtClean="0">
+                                  <a:latin typeface="Cambria Math" panose="02040503050406030204" pitchFamily="18" charset="0"/>
+                                </a:rPr>
+                              </m:ctrlPr>
+                            </m:dPr>
+                            <m:e>
+                              <m:r>
+                                <a:rPr lang="en-US" b="0" i="1" smtClean="0">
+                                  <a:latin typeface="Cambria Math" panose="02040503050406030204" pitchFamily="18" charset="0"/>
+                                </a:rPr>
+                                <m:t>𝑧</m:t>
+                              </m:r>
+                            </m:e>
+                          </m:d>
+                        </m:e>
+                        <m:sup>
+                          <m:r>
+                            <a:rPr lang="en-US" b="0" i="1" smtClean="0">
+                              <a:latin typeface="Cambria Math" panose="02040503050406030204" pitchFamily="18" charset="0"/>
+                            </a:rPr>
+                            <m:t>2</m:t>
+                          </m:r>
+                        </m:sup>
+                      </m:sSup>
+                      <m:r>
+                        <a:rPr lang="en-US" b="0" i="1" smtClean="0">
+                          <a:latin typeface="Cambria Math" panose="02040503050406030204" pitchFamily="18" charset="0"/>
+                        </a:rPr>
+                        <m:t>≥</m:t>
+                      </m:r>
+                      <m:r>
+                        <a:rPr lang="en-US" b="0" i="1" smtClean="0">
+                          <a:latin typeface="Cambria Math" panose="02040503050406030204" pitchFamily="18" charset="0"/>
+                        </a:rPr>
+                        <m:t>𝑡</m:t>
+                      </m:r>
+                      <m:r>
+                        <a:rPr lang="en-US" b="0" i="1" smtClean="0">
+                          <a:latin typeface="Cambria Math" panose="02040503050406030204" pitchFamily="18" charset="0"/>
+                        </a:rPr>
+                        <m:t>=−</m:t>
+                      </m:r>
+                      <m:sSub>
+                        <m:sSubPr>
+                          <m:ctrlPr>
+                            <a:rPr lang="en-US" i="1">
+                              <a:latin typeface="Cambria Math" panose="02040503050406030204" pitchFamily="18" charset="0"/>
+                            </a:rPr>
+                          </m:ctrlPr>
+                        </m:sSubPr>
+                        <m:e>
+                          <m:acc>
+                            <m:accPr>
+                              <m:chr m:val="̂"/>
+                              <m:ctrlPr>
+                                <a:rPr lang="en-US" i="1">
+                                  <a:latin typeface="Cambria Math" panose="02040503050406030204" pitchFamily="18" charset="0"/>
+                                </a:rPr>
+                              </m:ctrlPr>
+                            </m:accPr>
+                            <m:e>
+                              <m:r>
+                                <a:rPr lang="en-US" i="1">
+                                  <a:latin typeface="Cambria Math" panose="02040503050406030204" pitchFamily="18" charset="0"/>
+                                </a:rPr>
+                                <m:t>𝑁</m:t>
+                              </m:r>
+                            </m:e>
+                          </m:acc>
+                        </m:e>
+                        <m:sub>
+                          <m:r>
+                            <a:rPr lang="en-US" i="1">
+                              <a:latin typeface="Cambria Math" panose="02040503050406030204" pitchFamily="18" charset="0"/>
+                            </a:rPr>
+                            <m:t>0</m:t>
+                          </m:r>
+                        </m:sub>
+                      </m:sSub>
+                      <m:func>
+                        <m:funcPr>
+                          <m:ctrlPr>
+                            <a:rPr lang="en-US" b="0" i="1" smtClean="0">
+                              <a:latin typeface="Cambria Math" panose="02040503050406030204" pitchFamily="18" charset="0"/>
+                            </a:rPr>
+                          </m:ctrlPr>
+                        </m:funcPr>
+                        <m:fName>
+                          <m:r>
+                            <m:rPr>
+                              <m:sty m:val="p"/>
+                            </m:rPr>
+                            <a:rPr lang="en-US" b="0" i="0" smtClean="0">
+                              <a:latin typeface="Cambria Math" panose="02040503050406030204" pitchFamily="18" charset="0"/>
+                            </a:rPr>
+                            <m:t>ln</m:t>
+                          </m:r>
+                        </m:fName>
+                        <m:e>
+                          <m:sSubSup>
+                            <m:sSubSupPr>
+                              <m:ctrlPr>
+                                <a:rPr lang="en-US" b="0" i="1" smtClean="0">
+                                  <a:latin typeface="Cambria Math" panose="02040503050406030204" pitchFamily="18" charset="0"/>
+                                </a:rPr>
+                              </m:ctrlPr>
+                            </m:sSubSupPr>
+                            <m:e>
+                              <m:r>
+                                <a:rPr lang="en-US" b="0" i="1" smtClean="0">
+                                  <a:latin typeface="Cambria Math" panose="02040503050406030204" pitchFamily="18" charset="0"/>
+                                </a:rPr>
+                                <m:t>𝑃</m:t>
+                              </m:r>
+                            </m:e>
+                            <m:sub>
+                              <m:r>
+                                <a:rPr lang="en-US" b="0" i="1" smtClean="0">
+                                  <a:latin typeface="Cambria Math" panose="02040503050406030204" pitchFamily="18" charset="0"/>
+                                </a:rPr>
+                                <m:t>𝐹𝐴</m:t>
+                              </m:r>
+                            </m:sub>
+                            <m:sup>
+                              <m:r>
+                                <a:rPr lang="en-US" b="0" i="1" smtClean="0">
+                                  <a:latin typeface="Cambria Math" panose="02040503050406030204" pitchFamily="18" charset="0"/>
+                                </a:rPr>
+                                <m:t>𝑇𝐺𝑇</m:t>
+                              </m:r>
+                            </m:sup>
+                          </m:sSubSup>
+                        </m:e>
+                      </m:func>
+                      <m:r>
+                        <a:rPr lang="en-US" i="1">
+                          <a:latin typeface="Cambria Math" panose="02040503050406030204" pitchFamily="18" charset="0"/>
+                        </a:rPr>
+                        <m:t>=</m:t>
+                      </m:r>
+                      <m:sSup>
+                        <m:sSupPr>
+                          <m:ctrlPr>
+                            <a:rPr lang="en-US" b="1" i="1">
+                              <a:latin typeface="Cambria Math" panose="02040503050406030204" pitchFamily="18" charset="0"/>
+                            </a:rPr>
+                          </m:ctrlPr>
+                        </m:sSupPr>
+                        <m:e>
+                          <m:r>
+                            <a:rPr lang="en-US" b="0" i="1" smtClean="0">
+                              <a:latin typeface="Cambria Math" panose="02040503050406030204" pitchFamily="18" charset="0"/>
+                            </a:rPr>
+                            <m:t>𝑐</m:t>
+                          </m:r>
+                          <m:d>
+                            <m:dPr>
+                              <m:begChr m:val="‖"/>
+                              <m:endChr m:val="‖"/>
+                              <m:ctrlPr>
+                                <a:rPr lang="en-US" b="1" i="1">
+                                  <a:latin typeface="Cambria Math" panose="02040503050406030204" pitchFamily="18" charset="0"/>
+                                </a:rPr>
+                              </m:ctrlPr>
+                            </m:dPr>
+                            <m:e>
+                              <m:r>
+                                <a:rPr lang="en-US" b="1" i="1">
+                                  <a:latin typeface="Cambria Math" panose="02040503050406030204" pitchFamily="18" charset="0"/>
+                                </a:rPr>
+                                <m:t>𝒅</m:t>
+                              </m:r>
+                            </m:e>
+                          </m:d>
+                        </m:e>
+                        <m:sup>
+                          <m:r>
+                            <a:rPr lang="en-US" i="1">
+                              <a:latin typeface="Cambria Math" panose="02040503050406030204" pitchFamily="18" charset="0"/>
+                            </a:rPr>
+                            <m:t>2</m:t>
+                          </m:r>
+                        </m:sup>
+                      </m:sSup>
+                      <m:r>
+                        <a:rPr lang="en-US" b="1" i="1" smtClean="0">
+                          <a:latin typeface="Cambria Math" panose="02040503050406030204" pitchFamily="18" charset="0"/>
+                        </a:rPr>
+                        <m:t>,</m:t>
+                      </m:r>
+                    </m:oMath>
+                  </m:oMathPara>
+                </a14:m>
+                <a:endParaRPr lang="en-US" b="1" i="1" dirty="0">
+                  <a:latin typeface="Cambria Math" panose="02040503050406030204" pitchFamily="18" charset="0"/>
+                </a:endParaRPr>
+              </a:p>
+              <a:p>
+                <a:pPr lvl="1"/>
+                <a14:m>
+                  <m:oMath xmlns:m="http://schemas.openxmlformats.org/officeDocument/2006/math">
+                    <m:r>
+                      <a:rPr lang="en-US" b="0" i="1" smtClean="0">
+                        <a:latin typeface="Cambria Math" panose="02040503050406030204" pitchFamily="18" charset="0"/>
+                      </a:rPr>
+                      <m:t>𝑐</m:t>
+                    </m:r>
+                    <m:r>
+                      <a:rPr lang="en-US" b="0" i="1" smtClean="0">
+                        <a:latin typeface="Cambria Math" panose="02040503050406030204" pitchFamily="18" charset="0"/>
+                      </a:rPr>
+                      <m:t>=−</m:t>
+                    </m:r>
+                    <m:f>
+                      <m:fPr>
+                        <m:ctrlPr>
+                          <a:rPr lang="en-US" i="1">
+                            <a:latin typeface="Cambria Math" panose="02040503050406030204" pitchFamily="18" charset="0"/>
+                          </a:rPr>
+                        </m:ctrlPr>
+                      </m:fPr>
+                      <m:num>
+                        <m:func>
+                          <m:funcPr>
+                            <m:ctrlPr>
+                              <a:rPr lang="en-US" i="1">
+                                <a:latin typeface="Cambria Math" panose="02040503050406030204" pitchFamily="18" charset="0"/>
+                              </a:rPr>
+                            </m:ctrlPr>
+                          </m:funcPr>
+                          <m:fName>
+                            <m:r>
+                              <m:rPr>
+                                <m:sty m:val="p"/>
+                              </m:rPr>
+                              <a:rPr lang="en-US">
+                                <a:latin typeface="Cambria Math" panose="02040503050406030204" pitchFamily="18" charset="0"/>
+                              </a:rPr>
+                              <m:t>ln</m:t>
+                            </m:r>
+                          </m:fName>
+                          <m:e>
+                            <m:sSubSup>
+                              <m:sSubSupPr>
+                                <m:ctrlPr>
+                                  <a:rPr lang="en-US" i="1">
+                                    <a:latin typeface="Cambria Math" panose="02040503050406030204" pitchFamily="18" charset="0"/>
+                                  </a:rPr>
+                                </m:ctrlPr>
+                              </m:sSubSupPr>
+                              <m:e>
+                                <m:r>
+                                  <a:rPr lang="en-US" i="1">
+                                    <a:latin typeface="Cambria Math" panose="02040503050406030204" pitchFamily="18" charset="0"/>
+                                  </a:rPr>
+                                  <m:t>𝑃</m:t>
+                                </m:r>
+                              </m:e>
+                              <m:sub>
+                                <m:r>
+                                  <a:rPr lang="en-US" i="1">
+                                    <a:latin typeface="Cambria Math" panose="02040503050406030204" pitchFamily="18" charset="0"/>
+                                  </a:rPr>
+                                  <m:t>𝐹𝐴</m:t>
+                                </m:r>
+                              </m:sub>
+                              <m:sup>
+                                <m:r>
+                                  <a:rPr lang="en-US" i="1">
+                                    <a:latin typeface="Cambria Math" panose="02040503050406030204" pitchFamily="18" charset="0"/>
+                                  </a:rPr>
+                                  <m:t>𝑇𝐺𝑇</m:t>
+                                </m:r>
+                              </m:sup>
+                            </m:sSubSup>
+                          </m:e>
+                        </m:func>
+                      </m:num>
+                      <m:den>
+                        <m:r>
+                          <a:rPr lang="en-US" i="1">
+                            <a:latin typeface="Cambria Math" panose="02040503050406030204" pitchFamily="18" charset="0"/>
+                          </a:rPr>
+                          <m:t>𝑁</m:t>
+                        </m:r>
+                        <m:r>
+                          <a:rPr lang="en-US" i="1">
+                            <a:latin typeface="Cambria Math" panose="02040503050406030204" pitchFamily="18" charset="0"/>
+                          </a:rPr>
+                          <m:t>−1</m:t>
+                        </m:r>
+                      </m:den>
+                    </m:f>
+                  </m:oMath>
+                </a14:m>
+                <a:endParaRPr lang="en-US" dirty="0"/>
+              </a:p>
+              <a:p>
+                <a:pPr lvl="1"/>
+                <a:r>
+                  <a:rPr lang="en-US" dirty="0"/>
+                  <a:t>But </a:t>
+                </a:r>
+                <a14:m>
+                  <m:oMath xmlns:m="http://schemas.openxmlformats.org/officeDocument/2006/math">
+                    <m:sSup>
+                      <m:sSupPr>
+                        <m:ctrlPr>
+                          <a:rPr lang="en-US" b="1" i="1">
+                            <a:latin typeface="Cambria Math" panose="02040503050406030204" pitchFamily="18" charset="0"/>
+                          </a:rPr>
+                        </m:ctrlPr>
+                      </m:sSupPr>
+                      <m:e>
+                        <m:d>
+                          <m:dPr>
+                            <m:begChr m:val="‖"/>
+                            <m:endChr m:val="‖"/>
+                            <m:ctrlPr>
+                              <a:rPr lang="en-US" b="1" i="1">
+                                <a:latin typeface="Cambria Math" panose="02040503050406030204" pitchFamily="18" charset="0"/>
+                              </a:rPr>
+                            </m:ctrlPr>
+                          </m:dPr>
+                          <m:e>
+                            <m:r>
+                              <a:rPr lang="en-US" b="1" i="1">
+                                <a:latin typeface="Cambria Math" panose="02040503050406030204" pitchFamily="18" charset="0"/>
+                              </a:rPr>
+                              <m:t>𝒅</m:t>
+                            </m:r>
+                          </m:e>
+                        </m:d>
+                      </m:e>
+                      <m:sup>
+                        <m:r>
+                          <a:rPr lang="en-US" i="1">
+                            <a:latin typeface="Cambria Math" panose="02040503050406030204" pitchFamily="18" charset="0"/>
+                          </a:rPr>
+                          <m:t>2</m:t>
+                        </m:r>
+                      </m:sup>
+                    </m:sSup>
+                    <m:r>
+                      <a:rPr lang="en-US" b="1" i="1" smtClean="0">
+                        <a:latin typeface="Cambria Math" panose="02040503050406030204" pitchFamily="18" charset="0"/>
+                      </a:rPr>
+                      <m:t>=</m:t>
+                    </m:r>
+                    <m:sSup>
+                      <m:sSupPr>
+                        <m:ctrlPr>
+                          <a:rPr lang="en-US" b="1" i="1">
+                            <a:latin typeface="Cambria Math" panose="02040503050406030204" pitchFamily="18" charset="0"/>
+                          </a:rPr>
+                        </m:ctrlPr>
+                      </m:sSupPr>
+                      <m:e>
+                        <m:d>
+                          <m:dPr>
+                            <m:begChr m:val="‖"/>
+                            <m:endChr m:val="‖"/>
+                            <m:ctrlPr>
+                              <a:rPr lang="en-US" b="1" i="1">
+                                <a:latin typeface="Cambria Math" panose="02040503050406030204" pitchFamily="18" charset="0"/>
+                              </a:rPr>
+                            </m:ctrlPr>
+                          </m:dPr>
+                          <m:e>
+                            <m:r>
+                              <a:rPr lang="en-US" b="1" i="1" smtClean="0">
+                                <a:latin typeface="Cambria Math" panose="02040503050406030204" pitchFamily="18" charset="0"/>
+                              </a:rPr>
+                              <m:t>𝒓</m:t>
+                            </m:r>
+                          </m:e>
+                        </m:d>
+                      </m:e>
+                      <m:sup>
+                        <m:r>
+                          <a:rPr lang="en-US" i="1">
+                            <a:latin typeface="Cambria Math" panose="02040503050406030204" pitchFamily="18" charset="0"/>
+                          </a:rPr>
+                          <m:t>2</m:t>
+                        </m:r>
+                      </m:sup>
+                    </m:sSup>
+                    <m:r>
+                      <a:rPr lang="en-US" b="1" i="1" smtClean="0">
+                        <a:latin typeface="Cambria Math" panose="02040503050406030204" pitchFamily="18" charset="0"/>
+                      </a:rPr>
+                      <m:t>−</m:t>
+                    </m:r>
+                    <m:sSup>
+                      <m:sSupPr>
+                        <m:ctrlPr>
+                          <a:rPr lang="en-US" i="1" smtClean="0">
+                            <a:latin typeface="Cambria Math" panose="02040503050406030204" pitchFamily="18" charset="0"/>
+                          </a:rPr>
+                        </m:ctrlPr>
+                      </m:sSupPr>
+                      <m:e>
+                        <m:d>
+                          <m:dPr>
+                            <m:begChr m:val="|"/>
+                            <m:endChr m:val="|"/>
+                            <m:ctrlPr>
+                              <a:rPr lang="en-US" i="1" smtClean="0">
+                                <a:latin typeface="Cambria Math" panose="02040503050406030204" pitchFamily="18" charset="0"/>
+                              </a:rPr>
+                            </m:ctrlPr>
+                          </m:dPr>
+                          <m:e>
+                            <m:r>
+                              <a:rPr lang="en-US" b="0" i="1" smtClean="0">
+                                <a:latin typeface="Cambria Math" panose="02040503050406030204" pitchFamily="18" charset="0"/>
+                              </a:rPr>
+                              <m:t>𝑧</m:t>
+                            </m:r>
+                          </m:e>
+                        </m:d>
+                      </m:e>
+                      <m:sup>
+                        <m:r>
+                          <a:rPr lang="en-US" b="0" i="1" smtClean="0">
+                            <a:latin typeface="Cambria Math" panose="02040503050406030204" pitchFamily="18" charset="0"/>
+                          </a:rPr>
+                          <m:t>2</m:t>
+                        </m:r>
+                      </m:sup>
+                    </m:sSup>
+                  </m:oMath>
+                </a14:m>
+                <a:endParaRPr lang="en-US" dirty="0"/>
+              </a:p>
+              <a:p>
+                <a:pPr lvl="1"/>
+                <a:r>
+                  <a:rPr lang="en-US" dirty="0"/>
+                  <a:t>So test is equivalent to:</a:t>
+                </a:r>
+                <a:br>
+                  <a:rPr lang="en-US" dirty="0"/>
+                </a:br>
+                <a14:m>
+                  <m:oMath xmlns:m="http://schemas.openxmlformats.org/officeDocument/2006/math">
+                    <m:f>
+                      <m:fPr>
+                        <m:ctrlPr>
+                          <a:rPr lang="en-US" b="0" i="1" smtClean="0">
+                            <a:latin typeface="Cambria Math" panose="02040503050406030204" pitchFamily="18" charset="0"/>
+                          </a:rPr>
+                        </m:ctrlPr>
+                      </m:fPr>
+                      <m:num>
+                        <m:sSup>
+                          <m:sSupPr>
+                            <m:ctrlPr>
+                              <a:rPr lang="en-US" i="1">
+                                <a:latin typeface="Cambria Math" panose="02040503050406030204" pitchFamily="18" charset="0"/>
+                              </a:rPr>
+                            </m:ctrlPr>
+                          </m:sSupPr>
+                          <m:e>
+                            <m:d>
+                              <m:dPr>
+                                <m:begChr m:val="|"/>
+                                <m:endChr m:val="|"/>
+                                <m:ctrlPr>
+                                  <a:rPr lang="en-US" i="1">
+                                    <a:latin typeface="Cambria Math" panose="02040503050406030204" pitchFamily="18" charset="0"/>
+                                  </a:rPr>
+                                </m:ctrlPr>
+                              </m:dPr>
+                              <m:e>
+                                <m:r>
+                                  <a:rPr lang="en-US" i="1">
+                                    <a:latin typeface="Cambria Math" panose="02040503050406030204" pitchFamily="18" charset="0"/>
+                                  </a:rPr>
+                                  <m:t>𝑧</m:t>
+                                </m:r>
+                              </m:e>
+                            </m:d>
+                          </m:e>
+                          <m:sup>
+                            <m:r>
+                              <a:rPr lang="en-US" i="1">
+                                <a:latin typeface="Cambria Math" panose="02040503050406030204" pitchFamily="18" charset="0"/>
+                              </a:rPr>
+                              <m:t>2</m:t>
+                            </m:r>
+                          </m:sup>
+                        </m:sSup>
+                      </m:num>
+                      <m:den>
+                        <m:sSup>
+                          <m:sSupPr>
+                            <m:ctrlPr>
+                              <a:rPr lang="en-US" b="1" i="1">
+                                <a:latin typeface="Cambria Math" panose="02040503050406030204" pitchFamily="18" charset="0"/>
+                              </a:rPr>
+                            </m:ctrlPr>
+                          </m:sSupPr>
+                          <m:e>
+                            <m:d>
+                              <m:dPr>
+                                <m:begChr m:val="‖"/>
+                                <m:endChr m:val="‖"/>
+                                <m:ctrlPr>
+                                  <a:rPr lang="en-US" b="1" i="1">
+                                    <a:latin typeface="Cambria Math" panose="02040503050406030204" pitchFamily="18" charset="0"/>
+                                  </a:rPr>
+                                </m:ctrlPr>
+                              </m:dPr>
+                              <m:e>
+                                <m:r>
+                                  <a:rPr lang="en-US" b="1" i="1">
+                                    <a:latin typeface="Cambria Math" panose="02040503050406030204" pitchFamily="18" charset="0"/>
+                                  </a:rPr>
+                                  <m:t>𝒓</m:t>
+                                </m:r>
+                              </m:e>
+                            </m:d>
+                          </m:e>
+                          <m:sup>
+                            <m:r>
+                              <a:rPr lang="en-US" i="1">
+                                <a:latin typeface="Cambria Math" panose="02040503050406030204" pitchFamily="18" charset="0"/>
+                              </a:rPr>
+                              <m:t>2</m:t>
+                            </m:r>
+                          </m:sup>
+                        </m:sSup>
+                        <m:r>
+                          <a:rPr lang="en-US" b="1" i="1">
+                            <a:latin typeface="Cambria Math" panose="02040503050406030204" pitchFamily="18" charset="0"/>
+                          </a:rPr>
+                          <m:t>−</m:t>
+                        </m:r>
+                        <m:sSup>
+                          <m:sSupPr>
+                            <m:ctrlPr>
+                              <a:rPr lang="en-US" i="1">
+                                <a:latin typeface="Cambria Math" panose="02040503050406030204" pitchFamily="18" charset="0"/>
+                              </a:rPr>
+                            </m:ctrlPr>
+                          </m:sSupPr>
+                          <m:e>
+                            <m:d>
+                              <m:dPr>
+                                <m:begChr m:val="|"/>
+                                <m:endChr m:val="|"/>
+                                <m:ctrlPr>
+                                  <a:rPr lang="en-US" i="1">
+                                    <a:latin typeface="Cambria Math" panose="02040503050406030204" pitchFamily="18" charset="0"/>
+                                  </a:rPr>
+                                </m:ctrlPr>
+                              </m:dPr>
+                              <m:e>
+                                <m:r>
+                                  <a:rPr lang="en-US" i="1">
+                                    <a:latin typeface="Cambria Math" panose="02040503050406030204" pitchFamily="18" charset="0"/>
+                                  </a:rPr>
+                                  <m:t>𝑧</m:t>
+                                </m:r>
+                              </m:e>
+                            </m:d>
+                          </m:e>
+                          <m:sup>
+                            <m:r>
+                              <a:rPr lang="en-US" i="1">
+                                <a:latin typeface="Cambria Math" panose="02040503050406030204" pitchFamily="18" charset="0"/>
+                              </a:rPr>
+                              <m:t>2</m:t>
+                            </m:r>
+                          </m:sup>
+                        </m:sSup>
+                      </m:den>
+                    </m:f>
+                    <m:r>
+                      <a:rPr lang="en-US" b="0" i="1" smtClean="0">
+                        <a:latin typeface="Cambria Math" panose="02040503050406030204" pitchFamily="18" charset="0"/>
+                      </a:rPr>
+                      <m:t>≥</m:t>
+                    </m:r>
+                    <m:r>
+                      <a:rPr lang="en-US" b="0" i="1" smtClean="0">
+                        <a:latin typeface="Cambria Math" panose="02040503050406030204" pitchFamily="18" charset="0"/>
+                      </a:rPr>
+                      <m:t>𝑐</m:t>
+                    </m:r>
+                    <m:r>
+                      <a:rPr lang="en-US" b="0" i="1" smtClean="0">
+                        <a:latin typeface="Cambria Math" panose="02040503050406030204" pitchFamily="18" charset="0"/>
+                      </a:rPr>
+                      <m:t>⇔</m:t>
+                    </m:r>
+                    <m:r>
+                      <a:rPr lang="en-US" b="0" i="1" smtClean="0">
+                        <a:latin typeface="Cambria Math" panose="02040503050406030204" pitchFamily="18" charset="0"/>
+                      </a:rPr>
+                      <m:t>𝜌</m:t>
+                    </m:r>
+                    <m:r>
+                      <a:rPr lang="en-US" b="0" i="1" smtClean="0">
+                        <a:latin typeface="Cambria Math" panose="02040503050406030204" pitchFamily="18" charset="0"/>
+                      </a:rPr>
+                      <m:t>=</m:t>
+                    </m:r>
+                    <m:f>
+                      <m:fPr>
+                        <m:ctrlPr>
+                          <a:rPr lang="en-US" i="1">
+                            <a:latin typeface="Cambria Math" panose="02040503050406030204" pitchFamily="18" charset="0"/>
+                          </a:rPr>
+                        </m:ctrlPr>
+                      </m:fPr>
+                      <m:num>
+                        <m:sSup>
+                          <m:sSupPr>
+                            <m:ctrlPr>
+                              <a:rPr lang="en-US" i="1">
+                                <a:latin typeface="Cambria Math" panose="02040503050406030204" pitchFamily="18" charset="0"/>
+                              </a:rPr>
+                            </m:ctrlPr>
+                          </m:sSupPr>
+                          <m:e>
+                            <m:d>
+                              <m:dPr>
+                                <m:begChr m:val="|"/>
+                                <m:endChr m:val="|"/>
+                                <m:ctrlPr>
+                                  <a:rPr lang="en-US" i="1">
+                                    <a:latin typeface="Cambria Math" panose="02040503050406030204" pitchFamily="18" charset="0"/>
+                                  </a:rPr>
+                                </m:ctrlPr>
+                              </m:dPr>
+                              <m:e>
+                                <m:r>
+                                  <a:rPr lang="en-US" i="1">
+                                    <a:latin typeface="Cambria Math" panose="02040503050406030204" pitchFamily="18" charset="0"/>
+                                  </a:rPr>
+                                  <m:t>𝑧</m:t>
+                                </m:r>
+                              </m:e>
+                            </m:d>
+                          </m:e>
+                          <m:sup>
+                            <m:r>
+                              <a:rPr lang="en-US" i="1">
+                                <a:latin typeface="Cambria Math" panose="02040503050406030204" pitchFamily="18" charset="0"/>
+                              </a:rPr>
+                              <m:t>2</m:t>
+                            </m:r>
+                          </m:sup>
+                        </m:sSup>
+                      </m:num>
+                      <m:den>
+                        <m:sSup>
+                          <m:sSupPr>
+                            <m:ctrlPr>
+                              <a:rPr lang="en-US" b="1" i="1">
+                                <a:latin typeface="Cambria Math" panose="02040503050406030204" pitchFamily="18" charset="0"/>
+                              </a:rPr>
+                            </m:ctrlPr>
+                          </m:sSupPr>
+                          <m:e>
+                            <m:d>
+                              <m:dPr>
+                                <m:begChr m:val="‖"/>
+                                <m:endChr m:val="‖"/>
+                                <m:ctrlPr>
+                                  <a:rPr lang="en-US" b="1" i="1">
+                                    <a:latin typeface="Cambria Math" panose="02040503050406030204" pitchFamily="18" charset="0"/>
+                                  </a:rPr>
+                                </m:ctrlPr>
+                              </m:dPr>
+                              <m:e>
+                                <m:r>
+                                  <a:rPr lang="en-US" b="1" i="1">
+                                    <a:latin typeface="Cambria Math" panose="02040503050406030204" pitchFamily="18" charset="0"/>
+                                  </a:rPr>
+                                  <m:t>𝒓</m:t>
+                                </m:r>
+                              </m:e>
+                            </m:d>
+                          </m:e>
+                          <m:sup>
+                            <m:r>
+                              <a:rPr lang="en-US" i="1">
+                                <a:latin typeface="Cambria Math" panose="02040503050406030204" pitchFamily="18" charset="0"/>
+                              </a:rPr>
+                              <m:t>2</m:t>
+                            </m:r>
+                          </m:sup>
+                        </m:sSup>
+                      </m:den>
+                    </m:f>
+                    <m:r>
+                      <a:rPr lang="en-US" b="0" i="1" smtClean="0">
+                        <a:latin typeface="Cambria Math" panose="02040503050406030204" pitchFamily="18" charset="0"/>
+                      </a:rPr>
+                      <m:t>≥</m:t>
+                    </m:r>
+                    <m:f>
+                      <m:fPr>
+                        <m:ctrlPr>
+                          <a:rPr lang="en-US" b="0" i="1" smtClean="0">
+                            <a:latin typeface="Cambria Math" panose="02040503050406030204" pitchFamily="18" charset="0"/>
+                          </a:rPr>
+                        </m:ctrlPr>
+                      </m:fPr>
+                      <m:num>
+                        <m:r>
+                          <a:rPr lang="en-US" b="0" i="1" smtClean="0">
+                            <a:latin typeface="Cambria Math" panose="02040503050406030204" pitchFamily="18" charset="0"/>
+                          </a:rPr>
+                          <m:t>𝑐</m:t>
+                        </m:r>
+                      </m:num>
+                      <m:den>
+                        <m:r>
+                          <a:rPr lang="en-US" b="0" i="1" smtClean="0">
+                            <a:latin typeface="Cambria Math" panose="02040503050406030204" pitchFamily="18" charset="0"/>
+                          </a:rPr>
+                          <m:t>1+</m:t>
+                        </m:r>
+                        <m:r>
+                          <a:rPr lang="en-US" b="0" i="1" smtClean="0">
+                            <a:latin typeface="Cambria Math" panose="02040503050406030204" pitchFamily="18" charset="0"/>
+                          </a:rPr>
+                          <m:t>𝑐</m:t>
+                        </m:r>
+                      </m:den>
+                    </m:f>
+                    <m:r>
+                      <a:rPr lang="en-US" b="0" i="1" smtClean="0">
+                        <a:latin typeface="Cambria Math" panose="02040503050406030204" pitchFamily="18" charset="0"/>
+                      </a:rPr>
+                      <m:t>=</m:t>
+                    </m:r>
+                    <m:r>
+                      <a:rPr lang="en-US" b="0" i="1" smtClean="0">
+                        <a:latin typeface="Cambria Math" panose="02040503050406030204" pitchFamily="18" charset="0"/>
+                      </a:rPr>
+                      <m:t>𝛾</m:t>
+                    </m:r>
+                  </m:oMath>
+                </a14:m>
+                <a:endParaRPr lang="en-US" dirty="0"/>
+              </a:p>
+              <a:p>
+                <a:pPr lvl="1"/>
+                <a:r>
+                  <a:rPr lang="en-US" dirty="0"/>
+                  <a:t>Note </a:t>
+                </a:r>
+                <a14:m>
+                  <m:oMath xmlns:m="http://schemas.openxmlformats.org/officeDocument/2006/math">
+                    <m:r>
+                      <a:rPr lang="en-US" b="0" i="1" smtClean="0">
+                        <a:latin typeface="Cambria Math" panose="02040503050406030204" pitchFamily="18" charset="0"/>
+                      </a:rPr>
+                      <m:t>𝜌</m:t>
+                    </m:r>
+                    <m:r>
+                      <a:rPr lang="en-US" b="0" i="1" smtClean="0">
+                        <a:latin typeface="Cambria Math" panose="02040503050406030204" pitchFamily="18" charset="0"/>
+                      </a:rPr>
+                      <m:t>=</m:t>
+                    </m:r>
+                    <m:f>
+                      <m:fPr>
+                        <m:ctrlPr>
+                          <a:rPr lang="en-US" i="1">
+                            <a:latin typeface="Cambria Math" panose="02040503050406030204" pitchFamily="18" charset="0"/>
+                          </a:rPr>
+                        </m:ctrlPr>
+                      </m:fPr>
+                      <m:num>
+                        <m:sSup>
+                          <m:sSupPr>
+                            <m:ctrlPr>
+                              <a:rPr lang="en-US" i="1">
+                                <a:latin typeface="Cambria Math" panose="02040503050406030204" pitchFamily="18" charset="0"/>
+                              </a:rPr>
+                            </m:ctrlPr>
+                          </m:sSupPr>
+                          <m:e>
+                            <m:d>
+                              <m:dPr>
+                                <m:begChr m:val="|"/>
+                                <m:endChr m:val="|"/>
+                                <m:ctrlPr>
+                                  <a:rPr lang="en-US" i="1">
+                                    <a:latin typeface="Cambria Math" panose="02040503050406030204" pitchFamily="18" charset="0"/>
+                                  </a:rPr>
+                                </m:ctrlPr>
+                              </m:dPr>
+                              <m:e>
+                                <m:r>
+                                  <a:rPr lang="en-US" i="1">
+                                    <a:latin typeface="Cambria Math" panose="02040503050406030204" pitchFamily="18" charset="0"/>
+                                  </a:rPr>
+                                  <m:t>𝑧</m:t>
+                                </m:r>
+                              </m:e>
+                            </m:d>
+                          </m:e>
+                          <m:sup>
+                            <m:r>
+                              <a:rPr lang="en-US" i="1">
+                                <a:latin typeface="Cambria Math" panose="02040503050406030204" pitchFamily="18" charset="0"/>
+                              </a:rPr>
+                              <m:t>2</m:t>
+                            </m:r>
+                          </m:sup>
+                        </m:sSup>
+                      </m:num>
+                      <m:den>
+                        <m:sSup>
+                          <m:sSupPr>
+                            <m:ctrlPr>
+                              <a:rPr lang="en-US" b="1" i="1">
+                                <a:latin typeface="Cambria Math" panose="02040503050406030204" pitchFamily="18" charset="0"/>
+                              </a:rPr>
+                            </m:ctrlPr>
+                          </m:sSupPr>
+                          <m:e>
+                            <m:d>
+                              <m:dPr>
+                                <m:begChr m:val="‖"/>
+                                <m:endChr m:val="‖"/>
+                                <m:ctrlPr>
+                                  <a:rPr lang="en-US" b="1" i="1">
+                                    <a:latin typeface="Cambria Math" panose="02040503050406030204" pitchFamily="18" charset="0"/>
+                                  </a:rPr>
+                                </m:ctrlPr>
+                              </m:dPr>
+                              <m:e>
+                                <m:r>
+                                  <a:rPr lang="en-US" b="1" i="1">
+                                    <a:latin typeface="Cambria Math" panose="02040503050406030204" pitchFamily="18" charset="0"/>
+                                  </a:rPr>
+                                  <m:t>𝒓</m:t>
+                                </m:r>
+                              </m:e>
+                            </m:d>
+                          </m:e>
+                          <m:sup>
+                            <m:r>
+                              <a:rPr lang="en-US" i="1">
+                                <a:latin typeface="Cambria Math" panose="02040503050406030204" pitchFamily="18" charset="0"/>
+                              </a:rPr>
+                              <m:t>2</m:t>
+                            </m:r>
+                          </m:sup>
+                        </m:sSup>
+                      </m:den>
+                    </m:f>
+                    <m:r>
+                      <a:rPr lang="en-US" b="1" i="1" smtClean="0">
+                        <a:latin typeface="Cambria Math" panose="02040503050406030204" pitchFamily="18" charset="0"/>
+                      </a:rPr>
+                      <m:t>=</m:t>
+                    </m:r>
+                    <m:f>
+                      <m:fPr>
+                        <m:ctrlPr>
+                          <a:rPr lang="en-US" i="1">
+                            <a:latin typeface="Cambria Math" panose="02040503050406030204" pitchFamily="18" charset="0"/>
+                          </a:rPr>
+                        </m:ctrlPr>
+                      </m:fPr>
+                      <m:num>
+                        <m:sSup>
+                          <m:sSupPr>
+                            <m:ctrlPr>
+                              <a:rPr lang="en-US" i="1">
+                                <a:latin typeface="Cambria Math" panose="02040503050406030204" pitchFamily="18" charset="0"/>
+                              </a:rPr>
+                            </m:ctrlPr>
+                          </m:sSupPr>
+                          <m:e>
+                            <m:d>
+                              <m:dPr>
+                                <m:begChr m:val="|"/>
+                                <m:endChr m:val="|"/>
+                                <m:ctrlPr>
+                                  <a:rPr lang="en-US" i="1">
+                                    <a:latin typeface="Cambria Math" panose="02040503050406030204" pitchFamily="18" charset="0"/>
+                                  </a:rPr>
+                                </m:ctrlPr>
+                              </m:dPr>
+                              <m:e>
+                                <m:sSup>
+                                  <m:sSupPr>
+                                    <m:ctrlPr>
+                                      <a:rPr lang="en-US" b="1" i="1" smtClean="0">
+                                        <a:latin typeface="Cambria Math" panose="02040503050406030204" pitchFamily="18" charset="0"/>
+                                      </a:rPr>
+                                    </m:ctrlPr>
+                                  </m:sSupPr>
+                                  <m:e>
+                                    <m:r>
+                                      <a:rPr lang="en-US" b="1" i="1" smtClean="0">
+                                        <a:latin typeface="Cambria Math" panose="02040503050406030204" pitchFamily="18" charset="0"/>
+                                      </a:rPr>
+                                      <m:t>𝒙</m:t>
+                                    </m:r>
+                                  </m:e>
+                                  <m:sup>
+                                    <m:r>
+                                      <a:rPr lang="en-US" b="1" i="1" smtClean="0">
+                                        <a:latin typeface="Cambria Math" panose="02040503050406030204" pitchFamily="18" charset="0"/>
+                                      </a:rPr>
+                                      <m:t>∗</m:t>
+                                    </m:r>
+                                  </m:sup>
+                                </m:sSup>
+                                <m:r>
+                                  <a:rPr lang="en-US" b="1" i="1" smtClean="0">
+                                    <a:latin typeface="Cambria Math" panose="02040503050406030204" pitchFamily="18" charset="0"/>
+                                  </a:rPr>
+                                  <m:t>𝒓</m:t>
+                                </m:r>
+                              </m:e>
+                            </m:d>
+                          </m:e>
+                          <m:sup>
+                            <m:r>
+                              <a:rPr lang="en-US" i="1">
+                                <a:latin typeface="Cambria Math" panose="02040503050406030204" pitchFamily="18" charset="0"/>
+                              </a:rPr>
+                              <m:t>2</m:t>
+                            </m:r>
+                          </m:sup>
+                        </m:sSup>
+                      </m:num>
+                      <m:den>
+                        <m:sSup>
+                          <m:sSupPr>
+                            <m:ctrlPr>
+                              <a:rPr lang="en-US" b="1" i="1">
+                                <a:latin typeface="Cambria Math" panose="02040503050406030204" pitchFamily="18" charset="0"/>
+                              </a:rPr>
+                            </m:ctrlPr>
+                          </m:sSupPr>
+                          <m:e>
+                            <m:d>
+                              <m:dPr>
+                                <m:begChr m:val="‖"/>
+                                <m:endChr m:val="‖"/>
+                                <m:ctrlPr>
+                                  <a:rPr lang="en-US" b="1" i="1">
+                                    <a:latin typeface="Cambria Math" panose="02040503050406030204" pitchFamily="18" charset="0"/>
+                                  </a:rPr>
+                                </m:ctrlPr>
+                              </m:dPr>
+                              <m:e>
+                                <m:r>
+                                  <a:rPr lang="en-US" b="1" i="1">
+                                    <a:latin typeface="Cambria Math" panose="02040503050406030204" pitchFamily="18" charset="0"/>
+                                  </a:rPr>
+                                  <m:t>𝒓</m:t>
+                                </m:r>
+                              </m:e>
+                            </m:d>
+                          </m:e>
+                          <m:sup>
+                            <m:r>
+                              <a:rPr lang="en-US" i="1">
+                                <a:latin typeface="Cambria Math" panose="02040503050406030204" pitchFamily="18" charset="0"/>
+                              </a:rPr>
+                              <m:t>2</m:t>
+                            </m:r>
+                          </m:sup>
+                        </m:sSup>
+                        <m:sSup>
+                          <m:sSupPr>
+                            <m:ctrlPr>
+                              <a:rPr lang="en-US" b="1" i="1">
+                                <a:latin typeface="Cambria Math" panose="02040503050406030204" pitchFamily="18" charset="0"/>
+                              </a:rPr>
+                            </m:ctrlPr>
+                          </m:sSupPr>
+                          <m:e>
+                            <m:d>
+                              <m:dPr>
+                                <m:begChr m:val="‖"/>
+                                <m:endChr m:val="‖"/>
+                                <m:ctrlPr>
+                                  <a:rPr lang="en-US" b="1" i="1">
+                                    <a:latin typeface="Cambria Math" panose="02040503050406030204" pitchFamily="18" charset="0"/>
+                                  </a:rPr>
+                                </m:ctrlPr>
+                              </m:dPr>
+                              <m:e>
+                                <m:r>
+                                  <a:rPr lang="en-US" b="1" i="1" smtClean="0">
+                                    <a:latin typeface="Cambria Math" panose="02040503050406030204" pitchFamily="18" charset="0"/>
+                                  </a:rPr>
+                                  <m:t>𝒙</m:t>
+                                </m:r>
+                              </m:e>
+                            </m:d>
+                          </m:e>
+                          <m:sup>
+                            <m:r>
+                              <a:rPr lang="en-US" i="1">
+                                <a:latin typeface="Cambria Math" panose="02040503050406030204" pitchFamily="18" charset="0"/>
+                              </a:rPr>
+                              <m:t>2</m:t>
+                            </m:r>
+                          </m:sup>
+                        </m:sSup>
+                      </m:den>
+                    </m:f>
+                    <m:r>
+                      <a:rPr lang="en-US" b="1" i="1" smtClean="0">
+                        <a:latin typeface="Cambria Math" panose="02040503050406030204" pitchFamily="18" charset="0"/>
+                      </a:rPr>
+                      <m:t>=</m:t>
+                    </m:r>
+                  </m:oMath>
+                </a14:m>
+                <a:r>
+                  <a:rPr lang="en-US" dirty="0"/>
+                  <a:t>fraction of energy in direction </a:t>
+                </a:r>
+                <a14:m>
+                  <m:oMath xmlns:m="http://schemas.openxmlformats.org/officeDocument/2006/math">
+                    <m:r>
+                      <a:rPr lang="en-US" b="1" i="1" smtClean="0">
+                        <a:latin typeface="Cambria Math" panose="02040503050406030204" pitchFamily="18" charset="0"/>
+                      </a:rPr>
+                      <m:t>𝒙</m:t>
+                    </m:r>
+                  </m:oMath>
+                </a14:m>
+                <a:endParaRPr lang="en-US" b="1" dirty="0"/>
+              </a:p>
+              <a:p>
+                <a:r>
+                  <a:rPr lang="en-US" dirty="0"/>
+                  <a:t>Conclusion:  With noise estimation MF is equivalent to </a:t>
+                </a:r>
+                <a:br>
+                  <a:rPr lang="en-US" dirty="0"/>
+                </a:br>
+                <a:endParaRPr lang="en-US" dirty="0"/>
+              </a:p>
+              <a:p>
+                <a:pPr lvl="1"/>
+                <a:endParaRPr lang="en-US" dirty="0"/>
+              </a:p>
+              <a:p>
+                <a:pPr lvl="1"/>
+                <a:endParaRPr lang="en-US" dirty="0"/>
+              </a:p>
+            </p:txBody>
+          </p:sp>
+        </mc:Choice>
+        <mc:Fallback xmlns="">
+          <p:sp>
+            <p:nvSpPr>
+              <p:cNvPr id="3" name="Content Placeholder 2">
+                <a:extLst>
+                  <a:ext uri="{FF2B5EF4-FFF2-40B4-BE49-F238E27FC236}">
+                    <a16:creationId xmlns:a16="http://schemas.microsoft.com/office/drawing/2014/main" id="{46641482-A5A4-4071-A2B2-589525A68542}"/>
+                  </a:ext>
+                </a:extLst>
+              </p:cNvPr>
+              <p:cNvSpPr>
+                <a:spLocks noGrp="1" noRot="1" noChangeAspect="1" noMove="1" noResize="1" noEditPoints="1" noAdjustHandles="1" noChangeArrowheads="1" noChangeShapeType="1" noTextEdit="1"/>
+              </p:cNvSpPr>
+              <p:nvPr>
+                <p:ph idx="1"/>
+              </p:nvPr>
+            </p:nvSpPr>
+            <p:spPr>
+              <a:xfrm>
+                <a:off x="1097279" y="1539279"/>
+                <a:ext cx="6568521" cy="4329817"/>
+              </a:xfrm>
+              <a:blipFill>
+                <a:blip r:embed="rId8"/>
+                <a:stretch>
+                  <a:fillRect l="-2226" t="-1549"/>
+                </a:stretch>
+              </a:blipFill>
+            </p:spPr>
+            <p:txBody>
+              <a:bodyPr/>
+              <a:lstStyle/>
+              <a:p>
+                <a:r>
+                  <a:rPr lang="en-US">
+                    <a:noFill/>
+                  </a:rPr>
+                  <a:t> </a:t>
+                </a:r>
+              </a:p>
+            </p:txBody>
+          </p:sp>
+        </mc:Fallback>
+      </mc:AlternateContent>
+      <p:sp>
+        <p:nvSpPr>
+          <p:cNvPr id="4" name="Slide Number Placeholder 3">
+            <a:extLst>
+              <a:ext uri="{FF2B5EF4-FFF2-40B4-BE49-F238E27FC236}">
+                <a16:creationId xmlns:a16="http://schemas.microsoft.com/office/drawing/2014/main" id="{FD15E77F-B854-4036-9EBA-409BEBE8B45A}"/>
+              </a:ext>
+            </a:extLst>
+          </p:cNvPr>
+          <p:cNvSpPr>
+            <a:spLocks noGrp="1"/>
+          </p:cNvSpPr>
+          <p:nvPr>
+            <p:ph type="sldNum" sz="quarter" idx="12"/>
+          </p:nvPr>
+        </p:nvSpPr>
+        <p:spPr/>
+        <p:txBody>
+          <a:bodyPr/>
+          <a:lstStyle/>
+          <a:p>
+            <a:fld id="{629637A9-119A-49DA-BD12-AAC58B377D80}" type="slidenum">
+              <a:rPr lang="en-US" smtClean="0"/>
+              <a:t>32</a:t>
+            </a:fld>
+            <a:endParaRPr lang="en-US" dirty="0"/>
+          </a:p>
+        </p:txBody>
+      </p:sp>
+      <p:cxnSp>
+        <p:nvCxnSpPr>
+          <p:cNvPr id="5" name="Straight Connector 4">
+            <a:extLst>
+              <a:ext uri="{FF2B5EF4-FFF2-40B4-BE49-F238E27FC236}">
+                <a16:creationId xmlns:a16="http://schemas.microsoft.com/office/drawing/2014/main" id="{0A1A5681-998A-44AC-A6D8-5509676722CD}"/>
+              </a:ext>
+            </a:extLst>
+          </p:cNvPr>
+          <p:cNvCxnSpPr/>
+          <p:nvPr/>
+        </p:nvCxnSpPr>
+        <p:spPr>
+          <a:xfrm flipV="1">
+            <a:off x="8583829" y="1743429"/>
+            <a:ext cx="0" cy="3272971"/>
+          </a:xfrm>
+          <a:prstGeom prst="line">
+            <a:avLst/>
+          </a:prstGeom>
+        </p:spPr>
+        <p:style>
+          <a:lnRef idx="1">
+            <a:schemeClr val="accent1"/>
+          </a:lnRef>
+          <a:fillRef idx="0">
+            <a:schemeClr val="accent1"/>
+          </a:fillRef>
+          <a:effectRef idx="0">
+            <a:schemeClr val="accent1"/>
+          </a:effectRef>
+          <a:fontRef idx="minor">
+            <a:schemeClr val="tx1"/>
+          </a:fontRef>
+        </p:style>
+      </p:cxnSp>
+      <p:cxnSp>
+        <p:nvCxnSpPr>
+          <p:cNvPr id="6" name="Straight Connector 5">
+            <a:extLst>
+              <a:ext uri="{FF2B5EF4-FFF2-40B4-BE49-F238E27FC236}">
+                <a16:creationId xmlns:a16="http://schemas.microsoft.com/office/drawing/2014/main" id="{0F84C620-A6A6-4EDC-972F-77CF75F8C76D}"/>
+              </a:ext>
+            </a:extLst>
+          </p:cNvPr>
+          <p:cNvCxnSpPr>
+            <a:cxnSpLocks/>
+          </p:cNvCxnSpPr>
+          <p:nvPr/>
+        </p:nvCxnSpPr>
+        <p:spPr>
+          <a:xfrm flipV="1">
+            <a:off x="7807315" y="4131029"/>
+            <a:ext cx="3200399" cy="1"/>
+          </a:xfrm>
+          <a:prstGeom prst="line">
+            <a:avLst/>
+          </a:prstGeom>
+        </p:spPr>
+        <p:style>
+          <a:lnRef idx="1">
+            <a:schemeClr val="accent1"/>
+          </a:lnRef>
+          <a:fillRef idx="0">
+            <a:schemeClr val="accent1"/>
+          </a:fillRef>
+          <a:effectRef idx="0">
+            <a:schemeClr val="accent1"/>
+          </a:effectRef>
+          <a:fontRef idx="minor">
+            <a:schemeClr val="tx1"/>
+          </a:fontRef>
+        </p:style>
+      </p:cxnSp>
+      <p:cxnSp>
+        <p:nvCxnSpPr>
+          <p:cNvPr id="7" name="Straight Arrow Connector 6">
+            <a:extLst>
+              <a:ext uri="{FF2B5EF4-FFF2-40B4-BE49-F238E27FC236}">
+                <a16:creationId xmlns:a16="http://schemas.microsoft.com/office/drawing/2014/main" id="{4DFF6FFC-05F9-4F19-B249-59A41F84D776}"/>
+              </a:ext>
+            </a:extLst>
+          </p:cNvPr>
+          <p:cNvCxnSpPr/>
+          <p:nvPr/>
+        </p:nvCxnSpPr>
+        <p:spPr>
+          <a:xfrm flipV="1">
+            <a:off x="8583829" y="2367543"/>
+            <a:ext cx="1386114" cy="1756228"/>
+          </a:xfrm>
+          <a:prstGeom prst="straightConnector1">
+            <a:avLst/>
+          </a:prstGeom>
+          <a:ln w="25400">
+            <a:solidFill>
+              <a:srgbClr val="00B050"/>
+            </a:solidFill>
+            <a:tailEnd type="triangle"/>
+          </a:ln>
+        </p:spPr>
+        <p:style>
+          <a:lnRef idx="1">
+            <a:schemeClr val="accent1"/>
+          </a:lnRef>
+          <a:fillRef idx="0">
+            <a:schemeClr val="accent1"/>
+          </a:fillRef>
+          <a:effectRef idx="0">
+            <a:schemeClr val="accent1"/>
+          </a:effectRef>
+          <a:fontRef idx="minor">
+            <a:schemeClr val="tx1"/>
+          </a:fontRef>
+        </p:style>
+      </p:cxnSp>
+      <p:cxnSp>
+        <p:nvCxnSpPr>
+          <p:cNvPr id="8" name="Straight Arrow Connector 7">
+            <a:extLst>
+              <a:ext uri="{FF2B5EF4-FFF2-40B4-BE49-F238E27FC236}">
+                <a16:creationId xmlns:a16="http://schemas.microsoft.com/office/drawing/2014/main" id="{571B0DC2-0632-4877-BBFF-3EE33D9DB7DD}"/>
+              </a:ext>
+            </a:extLst>
+          </p:cNvPr>
+          <p:cNvCxnSpPr>
+            <a:cxnSpLocks/>
+          </p:cNvCxnSpPr>
+          <p:nvPr/>
+        </p:nvCxnSpPr>
+        <p:spPr>
+          <a:xfrm flipV="1">
+            <a:off x="8583828" y="3535943"/>
+            <a:ext cx="1248229" cy="595086"/>
+          </a:xfrm>
+          <a:prstGeom prst="straightConnector1">
+            <a:avLst/>
+          </a:prstGeom>
+          <a:ln w="31750">
+            <a:solidFill>
+              <a:schemeClr val="accent5">
+                <a:lumMod val="75000"/>
+              </a:schemeClr>
+            </a:solidFill>
+            <a:tailEnd type="triangle"/>
+          </a:ln>
+        </p:spPr>
+        <p:style>
+          <a:lnRef idx="1">
+            <a:schemeClr val="accent1"/>
+          </a:lnRef>
+          <a:fillRef idx="0">
+            <a:schemeClr val="accent1"/>
+          </a:fillRef>
+          <a:effectRef idx="0">
+            <a:schemeClr val="accent1"/>
+          </a:effectRef>
+          <a:fontRef idx="minor">
+            <a:schemeClr val="tx1"/>
+          </a:fontRef>
+        </p:style>
+      </p:cxnSp>
+      <p:cxnSp>
+        <p:nvCxnSpPr>
+          <p:cNvPr id="9" name="Straight Connector 8">
+            <a:extLst>
+              <a:ext uri="{FF2B5EF4-FFF2-40B4-BE49-F238E27FC236}">
+                <a16:creationId xmlns:a16="http://schemas.microsoft.com/office/drawing/2014/main" id="{EEDD10ED-1053-43F5-A16A-9A439B72A5F2}"/>
+              </a:ext>
+            </a:extLst>
+          </p:cNvPr>
+          <p:cNvCxnSpPr>
+            <a:cxnSpLocks/>
+          </p:cNvCxnSpPr>
+          <p:nvPr/>
+        </p:nvCxnSpPr>
+        <p:spPr>
+          <a:xfrm flipV="1">
+            <a:off x="7629514" y="2893686"/>
+            <a:ext cx="3556000" cy="1676400"/>
+          </a:xfrm>
+          <a:prstGeom prst="line">
+            <a:avLst/>
+          </a:prstGeom>
+        </p:spPr>
+        <p:style>
+          <a:lnRef idx="1">
+            <a:schemeClr val="accent1"/>
+          </a:lnRef>
+          <a:fillRef idx="0">
+            <a:schemeClr val="accent1"/>
+          </a:fillRef>
+          <a:effectRef idx="0">
+            <a:schemeClr val="accent1"/>
+          </a:effectRef>
+          <a:fontRef idx="minor">
+            <a:schemeClr val="tx1"/>
+          </a:fontRef>
+        </p:style>
+      </p:cxnSp>
+      <p:cxnSp>
+        <p:nvCxnSpPr>
+          <p:cNvPr id="10" name="Straight Connector 9">
+            <a:extLst>
+              <a:ext uri="{FF2B5EF4-FFF2-40B4-BE49-F238E27FC236}">
+                <a16:creationId xmlns:a16="http://schemas.microsoft.com/office/drawing/2014/main" id="{75E42AD5-801F-40AD-B61F-E90017BBC5F5}"/>
+              </a:ext>
+            </a:extLst>
+          </p:cNvPr>
+          <p:cNvCxnSpPr>
+            <a:cxnSpLocks/>
+          </p:cNvCxnSpPr>
+          <p:nvPr/>
+        </p:nvCxnSpPr>
+        <p:spPr>
+          <a:xfrm>
+            <a:off x="9969943" y="2367543"/>
+            <a:ext cx="537028" cy="845457"/>
+          </a:xfrm>
+          <a:prstGeom prst="line">
+            <a:avLst/>
+          </a:prstGeom>
+          <a:ln>
+            <a:solidFill>
+              <a:schemeClr val="accent5">
+                <a:lumMod val="60000"/>
+                <a:lumOff val="40000"/>
+              </a:schemeClr>
+            </a:solidFill>
+          </a:ln>
+        </p:spPr>
+        <p:style>
+          <a:lnRef idx="1">
+            <a:schemeClr val="accent1"/>
+          </a:lnRef>
+          <a:fillRef idx="0">
+            <a:schemeClr val="accent1"/>
+          </a:fillRef>
+          <a:effectRef idx="0">
+            <a:schemeClr val="accent1"/>
+          </a:effectRef>
+          <a:fontRef idx="minor">
+            <a:schemeClr val="tx1"/>
+          </a:fontRef>
+        </p:style>
+      </p:cxnSp>
+      <p:cxnSp>
+        <p:nvCxnSpPr>
+          <p:cNvPr id="11" name="Straight Connector 10">
+            <a:extLst>
+              <a:ext uri="{FF2B5EF4-FFF2-40B4-BE49-F238E27FC236}">
+                <a16:creationId xmlns:a16="http://schemas.microsoft.com/office/drawing/2014/main" id="{E52279EC-6E05-4DB4-A08F-DFB870AE79CE}"/>
+              </a:ext>
+            </a:extLst>
+          </p:cNvPr>
+          <p:cNvCxnSpPr>
+            <a:cxnSpLocks/>
+          </p:cNvCxnSpPr>
+          <p:nvPr/>
+        </p:nvCxnSpPr>
+        <p:spPr>
+          <a:xfrm flipV="1">
+            <a:off x="8583828" y="3213000"/>
+            <a:ext cx="1915886" cy="918030"/>
+          </a:xfrm>
+          <a:prstGeom prst="line">
+            <a:avLst/>
+          </a:prstGeom>
+          <a:ln>
+            <a:solidFill>
+              <a:schemeClr val="accent5">
+                <a:lumMod val="60000"/>
+                <a:lumOff val="40000"/>
+              </a:schemeClr>
+            </a:solidFill>
+          </a:ln>
+        </p:spPr>
+        <p:style>
+          <a:lnRef idx="1">
+            <a:schemeClr val="accent1"/>
+          </a:lnRef>
+          <a:fillRef idx="0">
+            <a:schemeClr val="accent1"/>
+          </a:fillRef>
+          <a:effectRef idx="0">
+            <a:schemeClr val="accent1"/>
+          </a:effectRef>
+          <a:fontRef idx="minor">
+            <a:schemeClr val="tx1"/>
+          </a:fontRef>
+        </p:style>
+      </p:cxnSp>
+      <mc:AlternateContent xmlns:mc="http://schemas.openxmlformats.org/markup-compatibility/2006" xmlns:a14="http://schemas.microsoft.com/office/drawing/2010/main">
+        <mc:Choice Requires="a14">
+          <p:sp>
+            <p:nvSpPr>
+              <p:cNvPr id="12" name="TextBox 11">
+                <a:extLst>
+                  <a:ext uri="{FF2B5EF4-FFF2-40B4-BE49-F238E27FC236}">
+                    <a16:creationId xmlns:a16="http://schemas.microsoft.com/office/drawing/2014/main" id="{DC2249BC-4771-46BE-99D5-C33960F0A126}"/>
+                  </a:ext>
+                </a:extLst>
+              </p:cNvPr>
+              <p:cNvSpPr txBox="1"/>
+              <p:nvPr/>
+            </p:nvSpPr>
+            <p:spPr>
+              <a:xfrm>
+                <a:off x="9130548" y="2655373"/>
+                <a:ext cx="321704" cy="369332"/>
+              </a:xfrm>
+              <a:prstGeom prst="rect">
+                <a:avLst/>
+              </a:prstGeom>
+              <a:noFill/>
+            </p:spPr>
+            <p:txBody>
+              <a:bodyPr wrap="square" rtlCol="0">
+                <a:spAutoFit/>
+              </a:bodyPr>
+              <a:lstStyle/>
+              <a:p>
+                <a:pPr/>
+                <a14:m>
+                  <m:oMathPara xmlns:m="http://schemas.openxmlformats.org/officeDocument/2006/math">
+                    <m:oMathParaPr>
+                      <m:jc m:val="centerGroup"/>
+                    </m:oMathParaPr>
+                    <m:oMath xmlns:m="http://schemas.openxmlformats.org/officeDocument/2006/math">
+                      <m:r>
+                        <a:rPr lang="en-US" b="1" i="1" smtClean="0">
+                          <a:latin typeface="Cambria Math" panose="02040503050406030204" pitchFamily="18" charset="0"/>
+                        </a:rPr>
+                        <m:t>𝒓</m:t>
+                      </m:r>
+                    </m:oMath>
+                  </m:oMathPara>
+                </a14:m>
+                <a:endParaRPr lang="en-US" b="1" dirty="0"/>
+              </a:p>
+            </p:txBody>
+          </p:sp>
+        </mc:Choice>
+        <mc:Fallback xmlns="">
+          <p:sp>
+            <p:nvSpPr>
+              <p:cNvPr id="12" name="TextBox 11">
+                <a:extLst>
+                  <a:ext uri="{FF2B5EF4-FFF2-40B4-BE49-F238E27FC236}">
+                    <a16:creationId xmlns:a16="http://schemas.microsoft.com/office/drawing/2014/main" id="{DC2249BC-4771-46BE-99D5-C33960F0A126}"/>
+                  </a:ext>
+                </a:extLst>
+              </p:cNvPr>
+              <p:cNvSpPr txBox="1">
+                <a:spLocks noRot="1" noChangeAspect="1" noMove="1" noResize="1" noEditPoints="1" noAdjustHandles="1" noChangeArrowheads="1" noChangeShapeType="1" noTextEdit="1"/>
+              </p:cNvSpPr>
+              <p:nvPr/>
+            </p:nvSpPr>
+            <p:spPr>
+              <a:xfrm>
+                <a:off x="9130548" y="2655373"/>
+                <a:ext cx="321704" cy="369332"/>
+              </a:xfrm>
+              <a:prstGeom prst="rect">
+                <a:avLst/>
+              </a:prstGeom>
+              <a:blipFill>
+                <a:blip r:embed="rId3"/>
+                <a:stretch>
+                  <a:fillRect/>
+                </a:stretch>
+              </a:blipFill>
+            </p:spPr>
+            <p:txBody>
+              <a:bodyPr/>
+              <a:lstStyle/>
+              <a:p>
+                <a:r>
+                  <a:rPr lang="en-US">
+                    <a:noFill/>
+                  </a:rPr>
+                  <a:t> </a:t>
+                </a:r>
+              </a:p>
+            </p:txBody>
+          </p:sp>
+        </mc:Fallback>
+      </mc:AlternateContent>
+      <mc:AlternateContent xmlns:mc="http://schemas.openxmlformats.org/markup-compatibility/2006" xmlns:a14="http://schemas.microsoft.com/office/drawing/2010/main">
+        <mc:Choice Requires="a14">
+          <p:sp>
+            <p:nvSpPr>
+              <p:cNvPr id="13" name="TextBox 12">
+                <a:extLst>
+                  <a:ext uri="{FF2B5EF4-FFF2-40B4-BE49-F238E27FC236}">
+                    <a16:creationId xmlns:a16="http://schemas.microsoft.com/office/drawing/2014/main" id="{BD00C494-B079-4DF9-B8FB-2AE47968B813}"/>
+                  </a:ext>
+                </a:extLst>
+              </p:cNvPr>
+              <p:cNvSpPr txBox="1"/>
+              <p:nvPr/>
+            </p:nvSpPr>
+            <p:spPr>
+              <a:xfrm>
+                <a:off x="9395030" y="3719186"/>
+                <a:ext cx="321704" cy="369332"/>
+              </a:xfrm>
+              <a:prstGeom prst="rect">
+                <a:avLst/>
+              </a:prstGeom>
+              <a:noFill/>
+            </p:spPr>
+            <p:txBody>
+              <a:bodyPr wrap="square" rtlCol="0">
+                <a:spAutoFit/>
+              </a:bodyPr>
+              <a:lstStyle/>
+              <a:p>
+                <a:pPr/>
+                <a14:m>
+                  <m:oMathPara xmlns:m="http://schemas.openxmlformats.org/officeDocument/2006/math">
+                    <m:oMathParaPr>
+                      <m:jc m:val="centerGroup"/>
+                    </m:oMathParaPr>
+                    <m:oMath xmlns:m="http://schemas.openxmlformats.org/officeDocument/2006/math">
+                      <m:r>
+                        <a:rPr lang="en-US" b="1" i="1" smtClean="0">
+                          <a:latin typeface="Cambria Math" panose="02040503050406030204" pitchFamily="18" charset="0"/>
+                        </a:rPr>
+                        <m:t>𝒙</m:t>
+                      </m:r>
+                    </m:oMath>
+                  </m:oMathPara>
+                </a14:m>
+                <a:endParaRPr lang="en-US" b="1" dirty="0"/>
+              </a:p>
+            </p:txBody>
+          </p:sp>
+        </mc:Choice>
+        <mc:Fallback xmlns="">
+          <p:sp>
+            <p:nvSpPr>
+              <p:cNvPr id="13" name="TextBox 12">
+                <a:extLst>
+                  <a:ext uri="{FF2B5EF4-FFF2-40B4-BE49-F238E27FC236}">
+                    <a16:creationId xmlns:a16="http://schemas.microsoft.com/office/drawing/2014/main" id="{BD00C494-B079-4DF9-B8FB-2AE47968B813}"/>
+                  </a:ext>
+                </a:extLst>
+              </p:cNvPr>
+              <p:cNvSpPr txBox="1">
+                <a:spLocks noRot="1" noChangeAspect="1" noMove="1" noResize="1" noEditPoints="1" noAdjustHandles="1" noChangeArrowheads="1" noChangeShapeType="1" noTextEdit="1"/>
+              </p:cNvSpPr>
+              <p:nvPr/>
+            </p:nvSpPr>
+            <p:spPr>
+              <a:xfrm>
+                <a:off x="9395030" y="3719186"/>
+                <a:ext cx="321704" cy="369332"/>
+              </a:xfrm>
+              <a:prstGeom prst="rect">
+                <a:avLst/>
+              </a:prstGeom>
+              <a:blipFill>
+                <a:blip r:embed="rId4"/>
+                <a:stretch>
+                  <a:fillRect/>
+                </a:stretch>
+              </a:blipFill>
+            </p:spPr>
+            <p:txBody>
+              <a:bodyPr/>
+              <a:lstStyle/>
+              <a:p>
+                <a:r>
+                  <a:rPr lang="en-US">
+                    <a:noFill/>
+                  </a:rPr>
+                  <a:t> </a:t>
+                </a:r>
+              </a:p>
+            </p:txBody>
+          </p:sp>
+        </mc:Fallback>
+      </mc:AlternateContent>
+      <mc:AlternateContent xmlns:mc="http://schemas.openxmlformats.org/markup-compatibility/2006" xmlns:a14="http://schemas.microsoft.com/office/drawing/2010/main">
+        <mc:Choice Requires="a14">
+          <p:sp>
+            <p:nvSpPr>
+              <p:cNvPr id="14" name="TextBox 13">
+                <a:extLst>
+                  <a:ext uri="{FF2B5EF4-FFF2-40B4-BE49-F238E27FC236}">
+                    <a16:creationId xmlns:a16="http://schemas.microsoft.com/office/drawing/2014/main" id="{D1DD1883-F5F6-4BE5-B008-6B61F1AA9C8B}"/>
+                  </a:ext>
+                </a:extLst>
+              </p:cNvPr>
+              <p:cNvSpPr txBox="1"/>
+              <p:nvPr/>
+            </p:nvSpPr>
+            <p:spPr>
+              <a:xfrm>
+                <a:off x="10381580" y="3024705"/>
+                <a:ext cx="1174584" cy="667490"/>
+              </a:xfrm>
+              <a:prstGeom prst="rect">
+                <a:avLst/>
+              </a:prstGeom>
+              <a:noFill/>
+            </p:spPr>
+            <p:txBody>
+              <a:bodyPr wrap="square" rtlCol="0">
+                <a:spAutoFit/>
+              </a:bodyPr>
+              <a:lstStyle/>
+              <a:p>
+                <a:pPr/>
+                <a14:m>
+                  <m:oMathPara xmlns:m="http://schemas.openxmlformats.org/officeDocument/2006/math">
+                    <m:oMathParaPr>
+                      <m:jc m:val="centerGroup"/>
+                    </m:oMathParaPr>
+                    <m:oMath xmlns:m="http://schemas.openxmlformats.org/officeDocument/2006/math">
+                      <m:r>
+                        <a:rPr lang="en-US" b="0" i="1" smtClean="0">
+                          <a:latin typeface="Cambria Math" panose="02040503050406030204" pitchFamily="18" charset="0"/>
+                        </a:rPr>
+                        <m:t>𝑧</m:t>
+                      </m:r>
+                      <m:r>
+                        <a:rPr lang="en-US" b="1" i="1" smtClean="0">
+                          <a:latin typeface="Cambria Math" panose="02040503050406030204" pitchFamily="18" charset="0"/>
+                        </a:rPr>
+                        <m:t>=</m:t>
+                      </m:r>
+                      <m:f>
+                        <m:fPr>
+                          <m:ctrlPr>
+                            <a:rPr lang="en-US" b="1" i="1" smtClean="0">
+                              <a:latin typeface="Cambria Math" panose="02040503050406030204" pitchFamily="18" charset="0"/>
+                            </a:rPr>
+                          </m:ctrlPr>
+                        </m:fPr>
+                        <m:num>
+                          <m:sSup>
+                            <m:sSupPr>
+                              <m:ctrlPr>
+                                <a:rPr lang="en-US" b="1" i="1" smtClean="0">
+                                  <a:latin typeface="Cambria Math" panose="02040503050406030204" pitchFamily="18" charset="0"/>
+                                </a:rPr>
+                              </m:ctrlPr>
+                            </m:sSupPr>
+                            <m:e>
+                              <m:r>
+                                <a:rPr lang="en-US" b="1" i="1" smtClean="0">
+                                  <a:latin typeface="Cambria Math" panose="02040503050406030204" pitchFamily="18" charset="0"/>
+                                </a:rPr>
+                                <m:t>𝒙</m:t>
+                              </m:r>
+                            </m:e>
+                            <m:sup>
+                              <m:r>
+                                <a:rPr lang="en-US" b="1" i="1" smtClean="0">
+                                  <a:latin typeface="Cambria Math" panose="02040503050406030204" pitchFamily="18" charset="0"/>
+                                </a:rPr>
+                                <m:t>∗</m:t>
+                              </m:r>
+                            </m:sup>
+                          </m:sSup>
+                          <m:r>
+                            <a:rPr lang="en-US" b="1" i="1" smtClean="0">
+                              <a:latin typeface="Cambria Math" panose="02040503050406030204" pitchFamily="18" charset="0"/>
+                            </a:rPr>
+                            <m:t>𝒓</m:t>
+                          </m:r>
+                        </m:num>
+                        <m:den>
+                          <m:r>
+                            <a:rPr lang="en-US" b="1" i="1" smtClean="0">
+                              <a:latin typeface="Cambria Math" panose="02040503050406030204" pitchFamily="18" charset="0"/>
+                            </a:rPr>
+                            <m:t>‖</m:t>
+                          </m:r>
+                          <m:r>
+                            <a:rPr lang="en-US" b="1" i="1" smtClean="0">
+                              <a:latin typeface="Cambria Math" panose="02040503050406030204" pitchFamily="18" charset="0"/>
+                            </a:rPr>
+                            <m:t>𝒙</m:t>
+                          </m:r>
+                          <m:r>
+                            <a:rPr lang="en-US" b="1" i="1" smtClean="0">
+                              <a:latin typeface="Cambria Math" panose="02040503050406030204" pitchFamily="18" charset="0"/>
+                            </a:rPr>
+                            <m:t>‖</m:t>
+                          </m:r>
+                        </m:den>
+                      </m:f>
+                    </m:oMath>
+                  </m:oMathPara>
+                </a14:m>
+                <a:endParaRPr lang="en-US" b="1" dirty="0"/>
+              </a:p>
+            </p:txBody>
+          </p:sp>
+        </mc:Choice>
+        <mc:Fallback xmlns="">
+          <p:sp>
+            <p:nvSpPr>
+              <p:cNvPr id="14" name="TextBox 13">
+                <a:extLst>
+                  <a:ext uri="{FF2B5EF4-FFF2-40B4-BE49-F238E27FC236}">
+                    <a16:creationId xmlns:a16="http://schemas.microsoft.com/office/drawing/2014/main" id="{D1DD1883-F5F6-4BE5-B008-6B61F1AA9C8B}"/>
+                  </a:ext>
+                </a:extLst>
+              </p:cNvPr>
+              <p:cNvSpPr txBox="1">
+                <a:spLocks noRot="1" noChangeAspect="1" noMove="1" noResize="1" noEditPoints="1" noAdjustHandles="1" noChangeArrowheads="1" noChangeShapeType="1" noTextEdit="1"/>
+              </p:cNvSpPr>
+              <p:nvPr/>
+            </p:nvSpPr>
+            <p:spPr>
+              <a:xfrm>
+                <a:off x="10381580" y="3024705"/>
+                <a:ext cx="1174584" cy="667490"/>
+              </a:xfrm>
+              <a:prstGeom prst="rect">
+                <a:avLst/>
+              </a:prstGeom>
+              <a:blipFill>
+                <a:blip r:embed="rId5"/>
+                <a:stretch>
+                  <a:fillRect/>
+                </a:stretch>
+              </a:blipFill>
+            </p:spPr>
+            <p:txBody>
+              <a:bodyPr/>
+              <a:lstStyle/>
+              <a:p>
+                <a:r>
+                  <a:rPr lang="en-US">
+                    <a:noFill/>
+                  </a:rPr>
+                  <a:t> </a:t>
+                </a:r>
+              </a:p>
+            </p:txBody>
+          </p:sp>
+        </mc:Fallback>
+      </mc:AlternateContent>
+      <mc:AlternateContent xmlns:mc="http://schemas.openxmlformats.org/markup-compatibility/2006" xmlns:a14="http://schemas.microsoft.com/office/drawing/2010/main">
+        <mc:Choice Requires="a14">
+          <p:sp>
+            <p:nvSpPr>
+              <p:cNvPr id="15" name="TextBox 14">
+                <a:extLst>
+                  <a:ext uri="{FF2B5EF4-FFF2-40B4-BE49-F238E27FC236}">
+                    <a16:creationId xmlns:a16="http://schemas.microsoft.com/office/drawing/2014/main" id="{058BBCC2-5B76-4A0D-8D79-42307C5A3167}"/>
+                  </a:ext>
+                </a:extLst>
+              </p:cNvPr>
+              <p:cNvSpPr txBox="1"/>
+              <p:nvPr/>
+            </p:nvSpPr>
+            <p:spPr>
+              <a:xfrm>
+                <a:off x="10326782" y="2495716"/>
+                <a:ext cx="321704" cy="369332"/>
+              </a:xfrm>
+              <a:prstGeom prst="rect">
+                <a:avLst/>
+              </a:prstGeom>
+              <a:noFill/>
+            </p:spPr>
+            <p:txBody>
+              <a:bodyPr wrap="square" rtlCol="0">
+                <a:spAutoFit/>
+              </a:bodyPr>
+              <a:lstStyle/>
+              <a:p>
+                <a:pPr/>
+                <a14:m>
+                  <m:oMathPara xmlns:m="http://schemas.openxmlformats.org/officeDocument/2006/math">
+                    <m:oMathParaPr>
+                      <m:jc m:val="centerGroup"/>
+                    </m:oMathParaPr>
+                    <m:oMath xmlns:m="http://schemas.openxmlformats.org/officeDocument/2006/math">
+                      <m:r>
+                        <a:rPr lang="en-US" b="1" i="1" smtClean="0">
+                          <a:latin typeface="Cambria Math" panose="02040503050406030204" pitchFamily="18" charset="0"/>
+                        </a:rPr>
+                        <m:t>𝒅</m:t>
+                      </m:r>
+                    </m:oMath>
+                  </m:oMathPara>
+                </a14:m>
+                <a:endParaRPr lang="en-US" b="1" dirty="0"/>
+              </a:p>
+            </p:txBody>
+          </p:sp>
+        </mc:Choice>
+        <mc:Fallback xmlns="">
+          <p:sp>
+            <p:nvSpPr>
+              <p:cNvPr id="15" name="TextBox 14">
+                <a:extLst>
+                  <a:ext uri="{FF2B5EF4-FFF2-40B4-BE49-F238E27FC236}">
+                    <a16:creationId xmlns:a16="http://schemas.microsoft.com/office/drawing/2014/main" id="{058BBCC2-5B76-4A0D-8D79-42307C5A3167}"/>
+                  </a:ext>
+                </a:extLst>
+              </p:cNvPr>
+              <p:cNvSpPr txBox="1">
+                <a:spLocks noRot="1" noChangeAspect="1" noMove="1" noResize="1" noEditPoints="1" noAdjustHandles="1" noChangeArrowheads="1" noChangeShapeType="1" noTextEdit="1"/>
+              </p:cNvSpPr>
+              <p:nvPr/>
+            </p:nvSpPr>
+            <p:spPr>
+              <a:xfrm>
+                <a:off x="10326782" y="2495716"/>
+                <a:ext cx="321704" cy="369332"/>
+              </a:xfrm>
+              <a:prstGeom prst="rect">
+                <a:avLst/>
+              </a:prstGeom>
+              <a:blipFill>
                 <a:blip r:embed="rId6"/>
                 <a:stretch>
                   <a:fillRect r="-1887"/>
@@ -25507,7 +25656,154 @@
 </p:sld>
 </file>
 
-<file path=ppt/slides/slide32.xml><?xml version="1.0" encoding="utf-8"?>
+<file path=ppt/slides/slide33.xml><?xml version="1.0" encoding="utf-8"?>
+<p:sld xmlns:a="http://schemas.openxmlformats.org/drawingml/2006/main" xmlns:r="http://schemas.openxmlformats.org/officeDocument/2006/relationships" xmlns:p="http://schemas.openxmlformats.org/presentationml/2006/main">
+  <p:cSld>
+    <p:spTree>
+      <p:nvGrpSpPr>
+        <p:cNvPr id="1" name=""/>
+        <p:cNvGrpSpPr/>
+        <p:nvPr/>
+      </p:nvGrpSpPr>
+      <p:grpSpPr>
+        <a:xfrm>
+          <a:off x="0" y="0"/>
+          <a:ext cx="0" cy="0"/>
+          <a:chOff x="0" y="0"/>
+          <a:chExt cx="0" cy="0"/>
+        </a:xfrm>
+      </p:grpSpPr>
+      <p:sp>
+        <p:nvSpPr>
+          <p:cNvPr id="2" name="Title 1">
+            <a:extLst>
+              <a:ext uri="{FF2B5EF4-FFF2-40B4-BE49-F238E27FC236}">
+                <a16:creationId xmlns:a16="http://schemas.microsoft.com/office/drawing/2014/main" id="{63E55382-DF05-F335-2713-474F48B41240}"/>
+              </a:ext>
+            </a:extLst>
+          </p:cNvPr>
+          <p:cNvSpPr>
+            <a:spLocks noGrp="1"/>
+          </p:cNvSpPr>
+          <p:nvPr>
+            <p:ph type="title"/>
+          </p:nvPr>
+        </p:nvSpPr>
+        <p:spPr/>
+        <p:txBody>
+          <a:bodyPr/>
+          <a:lstStyle/>
+          <a:p>
+            <a:r>
+              <a:rPr lang="en-US" dirty="0"/>
+              <a:t>In Class Exercise</a:t>
+            </a:r>
+          </a:p>
+        </p:txBody>
+      </p:sp>
+      <p:sp>
+        <p:nvSpPr>
+          <p:cNvPr id="4" name="Slide Number Placeholder 3">
+            <a:extLst>
+              <a:ext uri="{FF2B5EF4-FFF2-40B4-BE49-F238E27FC236}">
+                <a16:creationId xmlns:a16="http://schemas.microsoft.com/office/drawing/2014/main" id="{15B1AFC3-67FE-81B7-9D94-16A208AA0F81}"/>
+              </a:ext>
+            </a:extLst>
+          </p:cNvPr>
+          <p:cNvSpPr>
+            <a:spLocks noGrp="1"/>
+          </p:cNvSpPr>
+          <p:nvPr>
+            <p:ph type="sldNum" sz="quarter" idx="12"/>
+          </p:nvPr>
+        </p:nvSpPr>
+        <p:spPr/>
+        <p:txBody>
+          <a:bodyPr/>
+          <a:lstStyle/>
+          <a:p>
+            <a:fld id="{629637A9-119A-49DA-BD12-AAC58B377D80}" type="slidenum">
+              <a:rPr lang="en-US" smtClean="0"/>
+              <a:t>33</a:t>
+            </a:fld>
+            <a:endParaRPr lang="en-US" dirty="0"/>
+          </a:p>
+        </p:txBody>
+      </p:sp>
+      <p:pic>
+        <p:nvPicPr>
+          <p:cNvPr id="6" name="Picture 5">
+            <a:extLst>
+              <a:ext uri="{FF2B5EF4-FFF2-40B4-BE49-F238E27FC236}">
+                <a16:creationId xmlns:a16="http://schemas.microsoft.com/office/drawing/2014/main" id="{B5A3737A-29D5-3E8A-2C4E-AF879C3E0FEA}"/>
+              </a:ext>
+            </a:extLst>
+          </p:cNvPr>
+          <p:cNvPicPr>
+            <a:picLocks noChangeAspect="1"/>
+          </p:cNvPicPr>
+          <p:nvPr/>
+        </p:nvPicPr>
+        <p:blipFill>
+          <a:blip r:embed="rId2"/>
+          <a:stretch>
+            <a:fillRect/>
+          </a:stretch>
+        </p:blipFill>
+        <p:spPr>
+          <a:xfrm>
+            <a:off x="1097280" y="1467710"/>
+            <a:ext cx="7381875" cy="2781300"/>
+          </a:xfrm>
+          <a:prstGeom prst="rect">
+            <a:avLst/>
+          </a:prstGeom>
+        </p:spPr>
+      </p:pic>
+      <p:pic>
+        <p:nvPicPr>
+          <p:cNvPr id="8" name="Picture 7">
+            <a:extLst>
+              <a:ext uri="{FF2B5EF4-FFF2-40B4-BE49-F238E27FC236}">
+                <a16:creationId xmlns:a16="http://schemas.microsoft.com/office/drawing/2014/main" id="{207D048D-B4EB-EBEC-7801-C735DBEE4D2A}"/>
+              </a:ext>
+            </a:extLst>
+          </p:cNvPr>
+          <p:cNvPicPr>
+            <a:picLocks noChangeAspect="1"/>
+          </p:cNvPicPr>
+          <p:nvPr/>
+        </p:nvPicPr>
+        <p:blipFill>
+          <a:blip r:embed="rId3"/>
+          <a:stretch>
+            <a:fillRect/>
+          </a:stretch>
+        </p:blipFill>
+        <p:spPr>
+          <a:xfrm>
+            <a:off x="6775891" y="2374482"/>
+            <a:ext cx="4429125" cy="3552825"/>
+          </a:xfrm>
+          <a:prstGeom prst="rect">
+            <a:avLst/>
+          </a:prstGeom>
+        </p:spPr>
+      </p:pic>
+    </p:spTree>
+    <p:extLst>
+      <p:ext uri="{BB962C8B-B14F-4D97-AF65-F5344CB8AC3E}">
+        <p14:creationId xmlns:p14="http://schemas.microsoft.com/office/powerpoint/2010/main" val="393977977"/>
+      </p:ext>
+    </p:extLst>
+  </p:cSld>
+  <p:clrMapOvr>
+    <a:masterClrMapping/>
+  </p:clrMapOvr>
+</p:sld>
+</file>
+
+<file path=ppt/slides/slide34.xml><?xml version="1.0" encoding="utf-8"?>
 <p:sld xmlns:a="http://schemas.openxmlformats.org/drawingml/2006/main" xmlns:r="http://schemas.openxmlformats.org/officeDocument/2006/relationships" xmlns:p="http://schemas.openxmlformats.org/presentationml/2006/main">
   <p:cSld>
     <p:spTree>
@@ -25612,7 +25908,7 @@
           <a:p>
             <a:fld id="{629637A9-119A-49DA-BD12-AAC58B377D80}" type="slidenum">
               <a:rPr lang="en-US" smtClean="0"/>
-              <a:t>32</a:t>
+              <a:t>34</a:t>
             </a:fld>
             <a:endParaRPr lang="en-US" dirty="0"/>
           </a:p>
@@ -25677,7 +25973,7 @@
 </p:sld>
 </file>
 
-<file path=ppt/slides/slide33.xml><?xml version="1.0" encoding="utf-8"?>
+<file path=ppt/slides/slide35.xml><?xml version="1.0" encoding="utf-8"?>
 <p:sld xmlns:a="http://schemas.openxmlformats.org/drawingml/2006/main" xmlns:r="http://schemas.openxmlformats.org/officeDocument/2006/relationships" xmlns:p="http://schemas.openxmlformats.org/presentationml/2006/main">
   <p:cSld>
     <p:spTree>
@@ -26290,7 +26586,7 @@
           <a:p>
             <a:fld id="{629637A9-119A-49DA-BD12-AAC58B377D80}" type="slidenum">
               <a:rPr lang="en-US" smtClean="0"/>
-              <a:t>33</a:t>
+              <a:t>35</a:t>
             </a:fld>
             <a:endParaRPr lang="en-US" dirty="0"/>
           </a:p>
@@ -26309,7 +26605,7 @@
 </p:sld>
 </file>
 
-<file path=ppt/slides/slide34.xml><?xml version="1.0" encoding="utf-8"?>
+<file path=ppt/slides/slide36.xml><?xml version="1.0" encoding="utf-8"?>
 <p:sld xmlns:a="http://schemas.openxmlformats.org/drawingml/2006/main" xmlns:r="http://schemas.openxmlformats.org/officeDocument/2006/relationships" xmlns:p="http://schemas.openxmlformats.org/presentationml/2006/main">
   <p:cSld>
     <p:spTree>
@@ -26426,7 +26722,7 @@
           <a:p>
             <a:fld id="{629637A9-119A-49DA-BD12-AAC58B377D80}" type="slidenum">
               <a:rPr lang="en-US" smtClean="0"/>
-              <a:t>34</a:t>
+              <a:t>36</a:t>
             </a:fld>
             <a:endParaRPr lang="en-US" dirty="0"/>
           </a:p>
@@ -26445,7 +26741,7 @@
 </p:sld>
 </file>
 
-<file path=ppt/slides/slide35.xml><?xml version="1.0" encoding="utf-8"?>
+<file path=ppt/slides/slide37.xml><?xml version="1.0" encoding="utf-8"?>
 <p:sld xmlns:a="http://schemas.openxmlformats.org/drawingml/2006/main" xmlns:r="http://schemas.openxmlformats.org/officeDocument/2006/relationships" xmlns:p="http://schemas.openxmlformats.org/presentationml/2006/main">
   <p:cSld>
     <p:spTree>
@@ -27324,7 +27620,7 @@
           <a:p>
             <a:fld id="{629637A9-119A-49DA-BD12-AAC58B377D80}" type="slidenum">
               <a:rPr lang="en-US" smtClean="0"/>
-              <a:t>35</a:t>
+              <a:t>37</a:t>
             </a:fld>
             <a:endParaRPr lang="en-US" dirty="0"/>
           </a:p>
@@ -28033,7 +28329,7 @@
 </p:sld>
 </file>
 
-<file path=ppt/slides/slide36.xml><?xml version="1.0" encoding="utf-8"?>
+<file path=ppt/slides/slide38.xml><?xml version="1.0" encoding="utf-8"?>
 <p:sld xmlns:a="http://schemas.openxmlformats.org/drawingml/2006/main" xmlns:r="http://schemas.openxmlformats.org/officeDocument/2006/relationships" xmlns:p="http://schemas.openxmlformats.org/presentationml/2006/main">
   <p:cSld>
     <p:spTree>
@@ -28972,7 +29268,7 @@
           <a:p>
             <a:fld id="{629637A9-119A-49DA-BD12-AAC58B377D80}" type="slidenum">
               <a:rPr lang="en-US" smtClean="0"/>
-              <a:t>36</a:t>
+              <a:t>38</a:t>
             </a:fld>
             <a:endParaRPr lang="en-US" dirty="0"/>
           </a:p>
@@ -29075,7 +29371,7 @@
 </p:sld>
 </file>
 
-<file path=ppt/slides/slide37.xml><?xml version="1.0" encoding="utf-8"?>
+<file path=ppt/slides/slide39.xml><?xml version="1.0" encoding="utf-8"?>
 <p:sld xmlns:a="http://schemas.openxmlformats.org/drawingml/2006/main" xmlns:r="http://schemas.openxmlformats.org/officeDocument/2006/relationships" xmlns:p="http://schemas.openxmlformats.org/presentationml/2006/main">
   <p:cSld>
     <p:spTree>
@@ -29594,7 +29890,7 @@
           <a:p>
             <a:fld id="{629637A9-119A-49DA-BD12-AAC58B377D80}" type="slidenum">
               <a:rPr lang="en-US" smtClean="0"/>
-              <a:t>37</a:t>
+              <a:t>39</a:t>
             </a:fld>
             <a:endParaRPr lang="en-US" dirty="0"/>
           </a:p>
@@ -30126,7 +30422,177 @@
 </p:sld>
 </file>
 
-<file path=ppt/slides/slide38.xml><?xml version="1.0" encoding="utf-8"?>
+<file path=ppt/slides/slide4.xml><?xml version="1.0" encoding="utf-8"?>
+<p:sld xmlns:a="http://schemas.openxmlformats.org/drawingml/2006/main" xmlns:r="http://schemas.openxmlformats.org/officeDocument/2006/relationships" xmlns:p="http://schemas.openxmlformats.org/presentationml/2006/main">
+  <p:cSld>
+    <p:spTree>
+      <p:nvGrpSpPr>
+        <p:cNvPr id="1" name=""/>
+        <p:cNvGrpSpPr/>
+        <p:nvPr/>
+      </p:nvGrpSpPr>
+      <p:grpSpPr>
+        <a:xfrm>
+          <a:off x="0" y="0"/>
+          <a:ext cx="0" cy="0"/>
+          <a:chOff x="0" y="0"/>
+          <a:chExt cx="0" cy="0"/>
+        </a:xfrm>
+      </p:grpSpPr>
+      <p:sp>
+        <p:nvSpPr>
+          <p:cNvPr id="2" name="Title 1"/>
+          <p:cNvSpPr>
+            <a:spLocks noGrp="1"/>
+          </p:cNvSpPr>
+          <p:nvPr>
+            <p:ph type="title"/>
+          </p:nvPr>
+        </p:nvSpPr>
+        <p:spPr/>
+        <p:txBody>
+          <a:bodyPr/>
+          <a:lstStyle/>
+          <a:p>
+            <a:r>
+              <a:rPr lang="en-US" dirty="0"/>
+              <a:t>Outline	</a:t>
+            </a:r>
+          </a:p>
+        </p:txBody>
+      </p:sp>
+      <p:sp>
+        <p:nvSpPr>
+          <p:cNvPr id="3" name="Content Placeholder 2"/>
+          <p:cNvSpPr>
+            <a:spLocks noGrp="1"/>
+          </p:cNvSpPr>
+          <p:nvPr>
+            <p:ph idx="1"/>
+          </p:nvPr>
+        </p:nvSpPr>
+        <p:spPr/>
+        <p:txBody>
+          <a:bodyPr/>
+          <a:lstStyle/>
+          <a:p>
+            <a:r>
+              <a:rPr lang="en-US" dirty="0"/>
+              <a:t>Detection and Synchronization Problem</a:t>
+            </a:r>
+          </a:p>
+          <a:p>
+            <a:r>
+              <a:rPr lang="en-US" dirty="0"/>
+              <a:t>Hypothesis Testing</a:t>
+            </a:r>
+          </a:p>
+          <a:p>
+            <a:r>
+              <a:rPr lang="en-US" dirty="0"/>
+              <a:t>Match Filtering for Detection</a:t>
+            </a:r>
+          </a:p>
+          <a:p>
+            <a:r>
+              <a:rPr lang="en-US" dirty="0"/>
+              <a:t>Match Filtering Convolution</a:t>
+            </a:r>
+          </a:p>
+          <a:p>
+            <a:r>
+              <a:rPr lang="en-US" dirty="0"/>
+              <a:t>Matched Filtering as a Likelihood Ratio Test</a:t>
+            </a:r>
+          </a:p>
+          <a:p>
+            <a:endParaRPr lang="en-US" dirty="0"/>
+          </a:p>
+        </p:txBody>
+      </p:sp>
+      <p:sp>
+        <p:nvSpPr>
+          <p:cNvPr id="4" name="Slide Number Placeholder 3"/>
+          <p:cNvSpPr>
+            <a:spLocks noGrp="1"/>
+          </p:cNvSpPr>
+          <p:nvPr>
+            <p:ph type="sldNum" sz="quarter" idx="12"/>
+          </p:nvPr>
+        </p:nvSpPr>
+        <p:spPr/>
+        <p:txBody>
+          <a:bodyPr/>
+          <a:lstStyle/>
+          <a:p>
+            <a:fld id="{629637A9-119A-49DA-BD12-AAC58B377D80}" type="slidenum">
+              <a:rPr lang="en-US" smtClean="0"/>
+              <a:t>4</a:t>
+            </a:fld>
+            <a:endParaRPr lang="en-US" dirty="0"/>
+          </a:p>
+        </p:txBody>
+      </p:sp>
+      <p:sp>
+        <p:nvSpPr>
+          <p:cNvPr id="5" name="Arrow: Right 4"/>
+          <p:cNvSpPr/>
+          <p:nvPr/>
+        </p:nvSpPr>
+        <p:spPr>
+          <a:xfrm>
+            <a:off x="353978" y="1439587"/>
+            <a:ext cx="978408" cy="484632"/>
+          </a:xfrm>
+          <a:prstGeom prst="rightArrow">
+            <a:avLst/>
+          </a:prstGeom>
+          <a:solidFill>
+            <a:schemeClr val="accent1">
+              <a:lumMod val="60000"/>
+              <a:lumOff val="40000"/>
+            </a:schemeClr>
+          </a:solidFill>
+        </p:spPr>
+        <p:style>
+          <a:lnRef idx="2">
+            <a:schemeClr val="accent1">
+              <a:shade val="50000"/>
+            </a:schemeClr>
+          </a:lnRef>
+          <a:fillRef idx="1">
+            <a:schemeClr val="accent1"/>
+          </a:fillRef>
+          <a:effectRef idx="0">
+            <a:schemeClr val="accent1"/>
+          </a:effectRef>
+          <a:fontRef idx="minor">
+            <a:schemeClr val="lt1"/>
+          </a:fontRef>
+        </p:style>
+        <p:txBody>
+          <a:bodyPr rtlCol="0" anchor="ctr"/>
+          <a:lstStyle/>
+          <a:p>
+            <a:pPr algn="ctr"/>
+            <a:endParaRPr lang="en-US"/>
+          </a:p>
+        </p:txBody>
+      </p:sp>
+    </p:spTree>
+    <p:extLst>
+      <p:ext uri="{BB962C8B-B14F-4D97-AF65-F5344CB8AC3E}">
+        <p14:creationId xmlns:p14="http://schemas.microsoft.com/office/powerpoint/2010/main" val="3611168263"/>
+      </p:ext>
+    </p:extLst>
+  </p:cSld>
+  <p:clrMapOvr>
+    <a:masterClrMapping/>
+  </p:clrMapOvr>
+</p:sld>
+</file>
+
+<file path=ppt/slides/slide40.xml><?xml version="1.0" encoding="utf-8"?>
 <p:sld xmlns:a="http://schemas.openxmlformats.org/drawingml/2006/main" xmlns:r="http://schemas.openxmlformats.org/officeDocument/2006/relationships" xmlns:p="http://schemas.openxmlformats.org/presentationml/2006/main">
   <p:cSld>
     <p:spTree>
@@ -31092,7 +31558,7 @@
           <a:p>
             <a:fld id="{629637A9-119A-49DA-BD12-AAC58B377D80}" type="slidenum">
               <a:rPr lang="en-US" smtClean="0"/>
-              <a:t>38</a:t>
+              <a:t>40</a:t>
             </a:fld>
             <a:endParaRPr lang="en-US" dirty="0"/>
           </a:p>
@@ -31111,7 +31577,7 @@
 </p:sld>
 </file>
 
-<file path=ppt/slides/slide39.xml><?xml version="1.0" encoding="utf-8"?>
+<file path=ppt/slides/slide41.xml><?xml version="1.0" encoding="utf-8"?>
 <p:sld xmlns:a="http://schemas.openxmlformats.org/drawingml/2006/main" xmlns:r="http://schemas.openxmlformats.org/officeDocument/2006/relationships" xmlns:p="http://schemas.openxmlformats.org/presentationml/2006/main">
   <p:cSld>
     <p:spTree>
@@ -31539,7 +32005,7 @@
           <a:p>
             <a:fld id="{629637A9-119A-49DA-BD12-AAC58B377D80}" type="slidenum">
               <a:rPr lang="en-US" smtClean="0"/>
-              <a:t>39</a:t>
+              <a:t>41</a:t>
             </a:fld>
             <a:endParaRPr lang="en-US" dirty="0"/>
           </a:p>
@@ -32248,177 +32714,7 @@
 </p:sld>
 </file>
 
-<file path=ppt/slides/slide4.xml><?xml version="1.0" encoding="utf-8"?>
-<p:sld xmlns:a="http://schemas.openxmlformats.org/drawingml/2006/main" xmlns:r="http://schemas.openxmlformats.org/officeDocument/2006/relationships" xmlns:p="http://schemas.openxmlformats.org/presentationml/2006/main">
-  <p:cSld>
-    <p:spTree>
-      <p:nvGrpSpPr>
-        <p:cNvPr id="1" name=""/>
-        <p:cNvGrpSpPr/>
-        <p:nvPr/>
-      </p:nvGrpSpPr>
-      <p:grpSpPr>
-        <a:xfrm>
-          <a:off x="0" y="0"/>
-          <a:ext cx="0" cy="0"/>
-          <a:chOff x="0" y="0"/>
-          <a:chExt cx="0" cy="0"/>
-        </a:xfrm>
-      </p:grpSpPr>
-      <p:sp>
-        <p:nvSpPr>
-          <p:cNvPr id="2" name="Title 1"/>
-          <p:cNvSpPr>
-            <a:spLocks noGrp="1"/>
-          </p:cNvSpPr>
-          <p:nvPr>
-            <p:ph type="title"/>
-          </p:nvPr>
-        </p:nvSpPr>
-        <p:spPr/>
-        <p:txBody>
-          <a:bodyPr/>
-          <a:lstStyle/>
-          <a:p>
-            <a:r>
-              <a:rPr lang="en-US" dirty="0"/>
-              <a:t>Outline	</a:t>
-            </a:r>
-          </a:p>
-        </p:txBody>
-      </p:sp>
-      <p:sp>
-        <p:nvSpPr>
-          <p:cNvPr id="3" name="Content Placeholder 2"/>
-          <p:cNvSpPr>
-            <a:spLocks noGrp="1"/>
-          </p:cNvSpPr>
-          <p:nvPr>
-            <p:ph idx="1"/>
-          </p:nvPr>
-        </p:nvSpPr>
-        <p:spPr/>
-        <p:txBody>
-          <a:bodyPr/>
-          <a:lstStyle/>
-          <a:p>
-            <a:r>
-              <a:rPr lang="en-US" dirty="0"/>
-              <a:t>Detection and Synchronization Problem</a:t>
-            </a:r>
-          </a:p>
-          <a:p>
-            <a:r>
-              <a:rPr lang="en-US" dirty="0"/>
-              <a:t>Hypothesis Testing</a:t>
-            </a:r>
-          </a:p>
-          <a:p>
-            <a:r>
-              <a:rPr lang="en-US" dirty="0"/>
-              <a:t>Match Filtering for Detection</a:t>
-            </a:r>
-          </a:p>
-          <a:p>
-            <a:r>
-              <a:rPr lang="en-US" dirty="0"/>
-              <a:t>Match Filtering Convolution</a:t>
-            </a:r>
-          </a:p>
-          <a:p>
-            <a:r>
-              <a:rPr lang="en-US" dirty="0"/>
-              <a:t>Matched Filtering as a Likelihood Ratio Test</a:t>
-            </a:r>
-          </a:p>
-          <a:p>
-            <a:endParaRPr lang="en-US" dirty="0"/>
-          </a:p>
-        </p:txBody>
-      </p:sp>
-      <p:sp>
-        <p:nvSpPr>
-          <p:cNvPr id="4" name="Slide Number Placeholder 3"/>
-          <p:cNvSpPr>
-            <a:spLocks noGrp="1"/>
-          </p:cNvSpPr>
-          <p:nvPr>
-            <p:ph type="sldNum" sz="quarter" idx="12"/>
-          </p:nvPr>
-        </p:nvSpPr>
-        <p:spPr/>
-        <p:txBody>
-          <a:bodyPr/>
-          <a:lstStyle/>
-          <a:p>
-            <a:fld id="{629637A9-119A-49DA-BD12-AAC58B377D80}" type="slidenum">
-              <a:rPr lang="en-US" smtClean="0"/>
-              <a:t>4</a:t>
-            </a:fld>
-            <a:endParaRPr lang="en-US" dirty="0"/>
-          </a:p>
-        </p:txBody>
-      </p:sp>
-      <p:sp>
-        <p:nvSpPr>
-          <p:cNvPr id="5" name="Arrow: Right 4"/>
-          <p:cNvSpPr/>
-          <p:nvPr/>
-        </p:nvSpPr>
-        <p:spPr>
-          <a:xfrm>
-            <a:off x="353978" y="1439587"/>
-            <a:ext cx="978408" cy="484632"/>
-          </a:xfrm>
-          <a:prstGeom prst="rightArrow">
-            <a:avLst/>
-          </a:prstGeom>
-          <a:solidFill>
-            <a:schemeClr val="accent1">
-              <a:lumMod val="60000"/>
-              <a:lumOff val="40000"/>
-            </a:schemeClr>
-          </a:solidFill>
-        </p:spPr>
-        <p:style>
-          <a:lnRef idx="2">
-            <a:schemeClr val="accent1">
-              <a:shade val="50000"/>
-            </a:schemeClr>
-          </a:lnRef>
-          <a:fillRef idx="1">
-            <a:schemeClr val="accent1"/>
-          </a:fillRef>
-          <a:effectRef idx="0">
-            <a:schemeClr val="accent1"/>
-          </a:effectRef>
-          <a:fontRef idx="minor">
-            <a:schemeClr val="lt1"/>
-          </a:fontRef>
-        </p:style>
-        <p:txBody>
-          <a:bodyPr rtlCol="0" anchor="ctr"/>
-          <a:lstStyle/>
-          <a:p>
-            <a:pPr algn="ctr"/>
-            <a:endParaRPr lang="en-US"/>
-          </a:p>
-        </p:txBody>
-      </p:sp>
-    </p:spTree>
-    <p:extLst>
-      <p:ext uri="{BB962C8B-B14F-4D97-AF65-F5344CB8AC3E}">
-        <p14:creationId xmlns:p14="http://schemas.microsoft.com/office/powerpoint/2010/main" val="3611168263"/>
-      </p:ext>
-    </p:extLst>
-  </p:cSld>
-  <p:clrMapOvr>
-    <a:masterClrMapping/>
-  </p:clrMapOvr>
-</p:sld>
-</file>
-
-<file path=ppt/slides/slide40.xml><?xml version="1.0" encoding="utf-8"?>
+<file path=ppt/slides/slide42.xml><?xml version="1.0" encoding="utf-8"?>
 <p:sld xmlns:a="http://schemas.openxmlformats.org/drawingml/2006/main" xmlns:r="http://schemas.openxmlformats.org/officeDocument/2006/relationships" xmlns:p="http://schemas.openxmlformats.org/presentationml/2006/main">
   <p:cSld>
     <p:spTree>
@@ -32519,7 +32815,7 @@
           <a:p>
             <a:fld id="{629637A9-119A-49DA-BD12-AAC58B377D80}" type="slidenum">
               <a:rPr lang="en-US" smtClean="0"/>
-              <a:t>40</a:t>
+              <a:t>42</a:t>
             </a:fld>
             <a:endParaRPr lang="en-US" dirty="0"/>
           </a:p>
@@ -32738,7 +33034,7 @@
 </p:sld>
 </file>
 
-<file path=ppt/slides/slide41.xml><?xml version="1.0" encoding="utf-8"?>
+<file path=ppt/slides/slide43.xml><?xml version="1.0" encoding="utf-8"?>
 <p:sld xmlns:a="http://schemas.openxmlformats.org/drawingml/2006/main" xmlns:r="http://schemas.openxmlformats.org/officeDocument/2006/relationships" xmlns:p="http://schemas.openxmlformats.org/presentationml/2006/main">
   <p:cSld>
     <p:spTree>
@@ -32858,7 +33154,7 @@
           <a:p>
             <a:fld id="{629637A9-119A-49DA-BD12-AAC58B377D80}" type="slidenum">
               <a:rPr lang="en-US" smtClean="0"/>
-              <a:t>41</a:t>
+              <a:t>43</a:t>
             </a:fld>
             <a:endParaRPr lang="en-US" dirty="0"/>
           </a:p>
@@ -32937,7 +33233,7 @@
 </p:sld>
 </file>
 
-<file path=ppt/slides/slide42.xml><?xml version="1.0" encoding="utf-8"?>
+<file path=ppt/slides/slide44.xml><?xml version="1.0" encoding="utf-8"?>
 <p:sld xmlns:a="http://schemas.openxmlformats.org/drawingml/2006/main" xmlns:r="http://schemas.openxmlformats.org/officeDocument/2006/relationships" xmlns:p="http://schemas.openxmlformats.org/presentationml/2006/main">
   <p:cSld>
     <p:spTree>
@@ -33042,7 +33338,7 @@
           <a:p>
             <a:fld id="{629637A9-119A-49DA-BD12-AAC58B377D80}" type="slidenum">
               <a:rPr lang="en-US" smtClean="0"/>
-              <a:t>42</a:t>
+              <a:t>44</a:t>
             </a:fld>
             <a:endParaRPr lang="en-US" dirty="0"/>
           </a:p>
@@ -33107,7 +33403,7 @@
 </p:sld>
 </file>
 
-<file path=ppt/slides/slide43.xml><?xml version="1.0" encoding="utf-8"?>
+<file path=ppt/slides/slide45.xml><?xml version="1.0" encoding="utf-8"?>
 <p:sld xmlns:a="http://schemas.openxmlformats.org/drawingml/2006/main" xmlns:r="http://schemas.openxmlformats.org/officeDocument/2006/relationships" xmlns:p="http://schemas.openxmlformats.org/presentationml/2006/main">
   <p:cSld>
     <p:spTree>
@@ -34324,7 +34620,7 @@
           <a:p>
             <a:fld id="{629637A9-119A-49DA-BD12-AAC58B377D80}" type="slidenum">
               <a:rPr lang="en-US" smtClean="0"/>
-              <a:t>43</a:t>
+              <a:t>45</a:t>
             </a:fld>
             <a:endParaRPr lang="en-US" dirty="0"/>
           </a:p>
@@ -34343,7 +34639,7 @@
 </p:sld>
 </file>
 
-<file path=ppt/slides/slide44.xml><?xml version="1.0" encoding="utf-8"?>
+<file path=ppt/slides/slide46.xml><?xml version="1.0" encoding="utf-8"?>
 <p:sld xmlns:a="http://schemas.openxmlformats.org/drawingml/2006/main" xmlns:r="http://schemas.openxmlformats.org/officeDocument/2006/relationships" xmlns:p="http://schemas.openxmlformats.org/presentationml/2006/main">
   <p:cSld>
     <p:spTree>
@@ -34388,8 +34684,8 @@
           </a:p>
         </p:txBody>
       </p:sp>
-      <mc:AlternateContent xmlns:mc="http://schemas.openxmlformats.org/markup-compatibility/2006">
-        <mc:Choice xmlns:a14="http://schemas.microsoft.com/office/drawing/2010/main" Requires="a14">
+      <mc:AlternateContent xmlns:mc="http://schemas.openxmlformats.org/markup-compatibility/2006" xmlns:a14="http://schemas.microsoft.com/office/drawing/2010/main">
+        <mc:Choice Requires="a14">
           <p:sp>
             <p:nvSpPr>
               <p:cNvPr id="3" name="Content Placeholder 2">
@@ -36729,7 +37025,7 @@
             </p:txBody>
           </p:sp>
         </mc:Choice>
-        <mc:Fallback>
+        <mc:Fallback xmlns="">
           <p:sp>
             <p:nvSpPr>
               <p:cNvPr id="3" name="Content Placeholder 2">
@@ -36792,7 +37088,7 @@
           <a:p>
             <a:fld id="{629637A9-119A-49DA-BD12-AAC58B377D80}" type="slidenum">
               <a:rPr lang="en-US" smtClean="0"/>
-              <a:t>44</a:t>
+              <a:t>46</a:t>
             </a:fld>
             <a:endParaRPr lang="en-US" dirty="0"/>
           </a:p>
